--- a/content/docs/theory-analysis/istio-pod-gracefully-termination/images/images.pptx
+++ b/content/docs/theory-analysis/istio-pod-gracefully-termination/images/images.pptx
@@ -10,8 +10,8 @@
   <p:sldIdLst>
     <p:sldId id="365" r:id="rId2"/>
     <p:sldId id="383" r:id="rId3"/>
-    <p:sldId id="393" r:id="rId4"/>
-    <p:sldId id="380" r:id="rId5"/>
+    <p:sldId id="380" r:id="rId4"/>
+    <p:sldId id="393" r:id="rId5"/>
     <p:sldId id="391" r:id="rId6"/>
     <p:sldId id="392" r:id="rId7"/>
   </p:sldIdLst>
@@ -218,7 +218,7 @@
           <a:p>
             <a:fld id="{6CD5550B-26C4-49A9-A5BA-636EF7BE6CE9}" type="datetimeFigureOut">
               <a:rPr lang="ko-KR" altLang="en-US" smtClean="0"/>
-              <a:t>2025. 1. 5.</a:t>
+              <a:t>2025. 1. 7.</a:t>
             </a:fld>
             <a:endParaRPr lang="ko-KR" altLang="en-US"/>
           </a:p>
@@ -727,7 +727,7 @@
     </p:spTree>
     <p:extLst>
       <p:ext uri="{BB962C8B-B14F-4D97-AF65-F5344CB8AC3E}">
-        <p14:creationId xmlns:p14="http://schemas.microsoft.com/office/powerpoint/2010/main" val="3162792737"/>
+        <p14:creationId xmlns:p14="http://schemas.microsoft.com/office/powerpoint/2010/main" val="1910890087"/>
       </p:ext>
     </p:extLst>
   </p:cSld>
@@ -811,7 +811,7 @@
     </p:spTree>
     <p:extLst>
       <p:ext uri="{BB962C8B-B14F-4D97-AF65-F5344CB8AC3E}">
-        <p14:creationId xmlns:p14="http://schemas.microsoft.com/office/powerpoint/2010/main" val="1910890087"/>
+        <p14:creationId xmlns:p14="http://schemas.microsoft.com/office/powerpoint/2010/main" val="3162792737"/>
       </p:ext>
     </p:extLst>
   </p:cSld>
@@ -1084,7 +1084,7 @@
           <a:p>
             <a:fld id="{FB30EDBD-1C2D-4C1E-B459-B60219FAB484}" type="datetimeFigureOut">
               <a:rPr lang="ko-KR" altLang="en-US" smtClean="0"/>
-              <a:t>2025. 1. 5.</a:t>
+              <a:t>2025. 1. 7.</a:t>
             </a:fld>
             <a:endParaRPr lang="ko-KR" altLang="en-US"/>
           </a:p>
@@ -1247,7 +1247,7 @@
           <a:p>
             <a:fld id="{FB30EDBD-1C2D-4C1E-B459-B60219FAB484}" type="datetimeFigureOut">
               <a:rPr lang="ko-KR" altLang="en-US" smtClean="0"/>
-              <a:t>2025. 1. 5.</a:t>
+              <a:t>2025. 1. 7.</a:t>
             </a:fld>
             <a:endParaRPr lang="ko-KR" altLang="en-US"/>
           </a:p>
@@ -1420,7 +1420,7 @@
           <a:p>
             <a:fld id="{FB30EDBD-1C2D-4C1E-B459-B60219FAB484}" type="datetimeFigureOut">
               <a:rPr lang="ko-KR" altLang="en-US" smtClean="0"/>
-              <a:t>2025. 1. 5.</a:t>
+              <a:t>2025. 1. 7.</a:t>
             </a:fld>
             <a:endParaRPr lang="ko-KR" altLang="en-US"/>
           </a:p>
@@ -1583,7 +1583,7 @@
           <a:p>
             <a:fld id="{FB30EDBD-1C2D-4C1E-B459-B60219FAB484}" type="datetimeFigureOut">
               <a:rPr lang="ko-KR" altLang="en-US" smtClean="0"/>
-              <a:t>2025. 1. 5.</a:t>
+              <a:t>2025. 1. 7.</a:t>
             </a:fld>
             <a:endParaRPr lang="ko-KR" altLang="en-US"/>
           </a:p>
@@ -1823,7 +1823,7 @@
           <a:p>
             <a:fld id="{FB30EDBD-1C2D-4C1E-B459-B60219FAB484}" type="datetimeFigureOut">
               <a:rPr lang="ko-KR" altLang="en-US" smtClean="0"/>
-              <a:t>2025. 1. 5.</a:t>
+              <a:t>2025. 1. 7.</a:t>
             </a:fld>
             <a:endParaRPr lang="ko-KR" altLang="en-US"/>
           </a:p>
@@ -2103,7 +2103,7 @@
           <a:p>
             <a:fld id="{FB30EDBD-1C2D-4C1E-B459-B60219FAB484}" type="datetimeFigureOut">
               <a:rPr lang="ko-KR" altLang="en-US" smtClean="0"/>
-              <a:t>2025. 1. 5.</a:t>
+              <a:t>2025. 1. 7.</a:t>
             </a:fld>
             <a:endParaRPr lang="ko-KR" altLang="en-US"/>
           </a:p>
@@ -2517,7 +2517,7 @@
           <a:p>
             <a:fld id="{FB30EDBD-1C2D-4C1E-B459-B60219FAB484}" type="datetimeFigureOut">
               <a:rPr lang="ko-KR" altLang="en-US" smtClean="0"/>
-              <a:t>2025. 1. 5.</a:t>
+              <a:t>2025. 1. 7.</a:t>
             </a:fld>
             <a:endParaRPr lang="ko-KR" altLang="en-US"/>
           </a:p>
@@ -2629,7 +2629,7 @@
           <a:p>
             <a:fld id="{FB30EDBD-1C2D-4C1E-B459-B60219FAB484}" type="datetimeFigureOut">
               <a:rPr lang="ko-KR" altLang="en-US" smtClean="0"/>
-              <a:t>2025. 1. 5.</a:t>
+              <a:t>2025. 1. 7.</a:t>
             </a:fld>
             <a:endParaRPr lang="ko-KR" altLang="en-US"/>
           </a:p>
@@ -2719,7 +2719,7 @@
           <a:p>
             <a:fld id="{FB30EDBD-1C2D-4C1E-B459-B60219FAB484}" type="datetimeFigureOut">
               <a:rPr lang="ko-KR" altLang="en-US" smtClean="0"/>
-              <a:t>2025. 1. 5.</a:t>
+              <a:t>2025. 1. 7.</a:t>
             </a:fld>
             <a:endParaRPr lang="ko-KR" altLang="en-US"/>
           </a:p>
@@ -2989,7 +2989,7 @@
           <a:p>
             <a:fld id="{FB30EDBD-1C2D-4C1E-B459-B60219FAB484}" type="datetimeFigureOut">
               <a:rPr lang="ko-KR" altLang="en-US" smtClean="0"/>
-              <a:t>2025. 1. 5.</a:t>
+              <a:t>2025. 1. 7.</a:t>
             </a:fld>
             <a:endParaRPr lang="ko-KR" altLang="en-US"/>
           </a:p>
@@ -3236,7 +3236,7 @@
           <a:p>
             <a:fld id="{FB30EDBD-1C2D-4C1E-B459-B60219FAB484}" type="datetimeFigureOut">
               <a:rPr lang="ko-KR" altLang="en-US" smtClean="0"/>
-              <a:t>2025. 1. 5.</a:t>
+              <a:t>2025. 1. 7.</a:t>
             </a:fld>
             <a:endParaRPr lang="ko-KR" altLang="en-US"/>
           </a:p>
@@ -3442,7 +3442,7 @@
           <a:p>
             <a:fld id="{FB30EDBD-1C2D-4C1E-B459-B60219FAB484}" type="datetimeFigureOut">
               <a:rPr lang="ko-KR" altLang="en-US" smtClean="0"/>
-              <a:t>2025. 1. 5.</a:t>
+              <a:t>2025. 1. 7.</a:t>
             </a:fld>
             <a:endParaRPr lang="ko-KR" altLang="en-US"/>
           </a:p>
@@ -6625,8 +6625,8 @@
         </p:nvSpPr>
         <p:spPr>
           <a:xfrm>
-            <a:off x="1115619" y="3052293"/>
-            <a:ext cx="5472606" cy="360036"/>
+            <a:off x="1115618" y="3052293"/>
+            <a:ext cx="5688617" cy="360036"/>
           </a:xfrm>
           <a:prstGeom prst="roundRect">
             <a:avLst>
@@ -6676,8 +6676,8 @@
         </p:nvSpPr>
         <p:spPr>
           <a:xfrm>
-            <a:off x="1115618" y="2544447"/>
-            <a:ext cx="5472606" cy="360036"/>
+            <a:off x="1115617" y="2544447"/>
+            <a:ext cx="5688613" cy="360036"/>
           </a:xfrm>
           <a:prstGeom prst="roundRect">
             <a:avLst>
@@ -8477,7 +8477,7 @@
         </p:nvCxnSpPr>
         <p:spPr>
           <a:xfrm>
-            <a:off x="6588224" y="2326554"/>
+            <a:off x="6804235" y="2326554"/>
             <a:ext cx="0" cy="1235461"/>
           </a:xfrm>
           <a:prstGeom prst="straightConnector1">
@@ -8521,8 +8521,8 @@
         </p:nvSpPr>
         <p:spPr>
           <a:xfrm>
-            <a:off x="5623253" y="3760240"/>
-            <a:ext cx="1929942" cy="553998"/>
+            <a:off x="5839264" y="3760240"/>
+            <a:ext cx="1929942" cy="400110"/>
           </a:xfrm>
           <a:prstGeom prst="rect">
             <a:avLst/>
@@ -8540,7 +8540,7 @@
             <a:pPr algn="ctr"/>
             <a:r>
               <a:rPr lang="en-KR" sz="1000"/>
-              <a:t>5. pilot-agent</a:t>
+              <a:t>5. pilot-agent wait and </a:t>
             </a:r>
           </a:p>
           <a:p>
@@ -8548,13 +8548,6 @@
             <a:r>
               <a:rPr lang="en-US" sz="1000"/>
               <a:t>remove Envoy Proxy</a:t>
-            </a:r>
-          </a:p>
-          <a:p>
-            <a:pPr algn="ctr"/>
-            <a:r>
-              <a:rPr lang="en-US" sz="1000"/>
-              <a:t>after 0 connections</a:t>
             </a:r>
             <a:endParaRPr lang="en-KR" sz="1000"/>
           </a:p>
@@ -8576,7 +8569,7 @@
         </p:nvCxnSpPr>
         <p:spPr>
           <a:xfrm flipV="1">
-            <a:off x="6588224" y="3556346"/>
+            <a:off x="6804235" y="3556346"/>
             <a:ext cx="0" cy="209226"/>
           </a:xfrm>
           <a:prstGeom prst="straightConnector1">
@@ -8693,7 +8686,7 @@
     </p:spTree>
     <p:extLst>
       <p:ext uri="{BB962C8B-B14F-4D97-AF65-F5344CB8AC3E}">
-        <p14:creationId xmlns:p14="http://schemas.microsoft.com/office/powerpoint/2010/main" val="3695182436"/>
+        <p14:creationId xmlns:p14="http://schemas.microsoft.com/office/powerpoint/2010/main" val="2376737407"/>
       </p:ext>
     </p:extLst>
   </p:cSld>
@@ -8734,8 +8727,8 @@
         </p:nvSpPr>
         <p:spPr>
           <a:xfrm>
-            <a:off x="1115618" y="3052293"/>
-            <a:ext cx="5688617" cy="360036"/>
+            <a:off x="1115619" y="3052293"/>
+            <a:ext cx="5472606" cy="360036"/>
           </a:xfrm>
           <a:prstGeom prst="roundRect">
             <a:avLst>
@@ -8785,8 +8778,8 @@
         </p:nvSpPr>
         <p:spPr>
           <a:xfrm>
-            <a:off x="1115617" y="2544447"/>
-            <a:ext cx="5688613" cy="360036"/>
+            <a:off x="1115618" y="2544447"/>
+            <a:ext cx="5472606" cy="360036"/>
           </a:xfrm>
           <a:prstGeom prst="roundRect">
             <a:avLst>
@@ -10586,7 +10579,7 @@
         </p:nvCxnSpPr>
         <p:spPr>
           <a:xfrm>
-            <a:off x="6804235" y="2326554"/>
+            <a:off x="6588224" y="2326554"/>
             <a:ext cx="0" cy="1235461"/>
           </a:xfrm>
           <a:prstGeom prst="straightConnector1">
@@ -10630,8 +10623,8 @@
         </p:nvSpPr>
         <p:spPr>
           <a:xfrm>
-            <a:off x="5839264" y="3760240"/>
-            <a:ext cx="1929942" cy="400110"/>
+            <a:off x="5623253" y="3760240"/>
+            <a:ext cx="1929942" cy="553998"/>
           </a:xfrm>
           <a:prstGeom prst="rect">
             <a:avLst/>
@@ -10649,7 +10642,7 @@
             <a:pPr algn="ctr"/>
             <a:r>
               <a:rPr lang="en-KR" sz="1000"/>
-              <a:t>5. pilot-agent wait and </a:t>
+              <a:t>5. pilot-agent</a:t>
             </a:r>
           </a:p>
           <a:p>
@@ -10657,6 +10650,13 @@
             <a:r>
               <a:rPr lang="en-US" sz="1000"/>
               <a:t>remove Envoy Proxy</a:t>
+            </a:r>
+          </a:p>
+          <a:p>
+            <a:pPr algn="ctr"/>
+            <a:r>
+              <a:rPr lang="en-US" sz="1000"/>
+              <a:t>after 0 connections</a:t>
             </a:r>
             <a:endParaRPr lang="en-KR" sz="1000"/>
           </a:p>
@@ -10678,7 +10678,7 @@
         </p:nvCxnSpPr>
         <p:spPr>
           <a:xfrm flipV="1">
-            <a:off x="6804235" y="3556346"/>
+            <a:off x="6588224" y="3556346"/>
             <a:ext cx="0" cy="209226"/>
           </a:xfrm>
           <a:prstGeom prst="straightConnector1">
@@ -10707,95 +10707,10 @@
           </a:fontRef>
         </p:style>
       </p:cxnSp>
-      <p:cxnSp>
-        <p:nvCxnSpPr>
-          <p:cNvPr id="57" name="Straight Arrow Connector 56">
-            <a:extLst>
-              <a:ext uri="{FF2B5EF4-FFF2-40B4-BE49-F238E27FC236}">
-                <a16:creationId xmlns:a16="http://schemas.microsoft.com/office/drawing/2014/main" id="{8F5B8F05-8860-CA44-9A3B-205DF7C22B91}"/>
-              </a:ext>
-            </a:extLst>
-          </p:cNvPr>
-          <p:cNvCxnSpPr>
-            <a:cxnSpLocks/>
-          </p:cNvCxnSpPr>
-          <p:nvPr/>
-        </p:nvCxnSpPr>
-        <p:spPr>
-          <a:xfrm flipH="1">
-            <a:off x="4881068" y="2426714"/>
-            <a:ext cx="1923167" cy="0"/>
-          </a:xfrm>
-          <a:prstGeom prst="straightConnector1">
-            <a:avLst/>
-          </a:prstGeom>
-          <a:ln w="12700">
-            <a:solidFill>
-              <a:schemeClr val="tx1"/>
-            </a:solidFill>
-            <a:prstDash val="solid"/>
-            <a:headEnd type="triangle" w="med" len="med"/>
-            <a:tailEnd type="triangle" w="med" len="med"/>
-          </a:ln>
-        </p:spPr>
-        <p:style>
-          <a:lnRef idx="1">
-            <a:schemeClr val="accent1"/>
-          </a:lnRef>
-          <a:fillRef idx="0">
-            <a:schemeClr val="accent1"/>
-          </a:fillRef>
-          <a:effectRef idx="0">
-            <a:schemeClr val="accent1"/>
-          </a:effectRef>
-          <a:fontRef idx="minor">
-            <a:schemeClr val="tx1"/>
-          </a:fontRef>
-        </p:style>
-      </p:cxnSp>
-      <p:sp>
-        <p:nvSpPr>
-          <p:cNvPr id="60" name="TextBox 59">
-            <a:extLst>
-              <a:ext uri="{FF2B5EF4-FFF2-40B4-BE49-F238E27FC236}">
-                <a16:creationId xmlns:a16="http://schemas.microsoft.com/office/drawing/2014/main" id="{844A34B9-471B-C345-8C00-7A4851064234}"/>
-              </a:ext>
-            </a:extLst>
-          </p:cNvPr>
-          <p:cNvSpPr txBox="1"/>
-          <p:nvPr/>
-        </p:nvSpPr>
-        <p:spPr>
-          <a:xfrm>
-            <a:off x="5168882" y="2190537"/>
-            <a:ext cx="1372491" cy="215444"/>
-          </a:xfrm>
-          <a:prstGeom prst="rect">
-            <a:avLst/>
-          </a:prstGeom>
-          <a:solidFill>
-            <a:schemeClr val="bg1"/>
-          </a:solidFill>
-        </p:spPr>
-        <p:txBody>
-          <a:bodyPr wrap="none" rtlCol="0">
-            <a:spAutoFit/>
-          </a:bodyPr>
-          <a:lstStyle/>
-          <a:p>
-            <a:pPr algn="ctr"/>
-            <a:r>
-              <a:rPr lang="en-US" sz="800"/>
-              <a:t>terminationDrainDuration</a:t>
-            </a:r>
-            <a:endParaRPr lang="en-KR" sz="800"/>
-          </a:p>
-        </p:txBody>
-      </p:sp>
     </p:spTree>
     <p:extLst>
       <p:ext uri="{BB962C8B-B14F-4D97-AF65-F5344CB8AC3E}">
-        <p14:creationId xmlns:p14="http://schemas.microsoft.com/office/powerpoint/2010/main" val="2376737407"/>
+        <p14:creationId xmlns:p14="http://schemas.microsoft.com/office/powerpoint/2010/main" val="3695182436"/>
       </p:ext>
     </p:extLst>
   </p:cSld>

--- a/content/docs/theory-analysis/istio-pod-gracefully-termination/images/images.pptx
+++ b/content/docs/theory-analysis/istio-pod-gracefully-termination/images/images.pptx
@@ -5,15 +5,16 @@
     <p:sldMasterId id="2147483648" r:id="rId1"/>
   </p:sldMasterIdLst>
   <p:notesMasterIdLst>
-    <p:notesMasterId r:id="rId8"/>
+    <p:notesMasterId r:id="rId9"/>
   </p:notesMasterIdLst>
   <p:sldIdLst>
     <p:sldId id="365" r:id="rId2"/>
-    <p:sldId id="383" r:id="rId3"/>
+    <p:sldId id="394" r:id="rId3"/>
     <p:sldId id="380" r:id="rId4"/>
-    <p:sldId id="393" r:id="rId5"/>
-    <p:sldId id="391" r:id="rId6"/>
-    <p:sldId id="392" r:id="rId7"/>
+    <p:sldId id="395" r:id="rId5"/>
+    <p:sldId id="393" r:id="rId6"/>
+    <p:sldId id="391" r:id="rId7"/>
+    <p:sldId id="392" r:id="rId8"/>
   </p:sldIdLst>
   <p:sldSz cx="9144000" cy="5143500" type="screen16x9"/>
   <p:notesSz cx="6858000" cy="9144000"/>
@@ -811,7 +812,7 @@
     </p:spTree>
     <p:extLst>
       <p:ext uri="{BB962C8B-B14F-4D97-AF65-F5344CB8AC3E}">
-        <p14:creationId xmlns:p14="http://schemas.microsoft.com/office/powerpoint/2010/main" val="3162792737"/>
+        <p14:creationId xmlns:p14="http://schemas.microsoft.com/office/powerpoint/2010/main" val="1876292716"/>
       </p:ext>
     </p:extLst>
   </p:cSld>
@@ -886,7 +887,91 @@
           <a:p>
             <a:fld id="{BA5DFA43-8D57-47FB-BC46-057616015C3B}" type="slidenum">
               <a:rPr lang="ko-KR" altLang="en-US" smtClean="0"/>
-              <a:t>6</a:t>
+              <a:t>5</a:t>
+            </a:fld>
+            <a:endParaRPr lang="ko-KR" altLang="en-US"/>
+          </a:p>
+        </p:txBody>
+      </p:sp>
+    </p:spTree>
+    <p:extLst>
+      <p:ext uri="{BB962C8B-B14F-4D97-AF65-F5344CB8AC3E}">
+        <p14:creationId xmlns:p14="http://schemas.microsoft.com/office/powerpoint/2010/main" val="3162792737"/>
+      </p:ext>
+    </p:extLst>
+  </p:cSld>
+  <p:clrMapOvr>
+    <a:masterClrMapping/>
+  </p:clrMapOvr>
+</p:notes>
+</file>
+
+<file path=ppt/notesSlides/notesSlide6.xml><?xml version="1.0" encoding="utf-8"?>
+<p:notes xmlns:a="http://schemas.openxmlformats.org/drawingml/2006/main" xmlns:r="http://schemas.openxmlformats.org/officeDocument/2006/relationships" xmlns:p="http://schemas.openxmlformats.org/presentationml/2006/main">
+  <p:cSld>
+    <p:spTree>
+      <p:nvGrpSpPr>
+        <p:cNvPr id="1" name=""/>
+        <p:cNvGrpSpPr/>
+        <p:nvPr/>
+      </p:nvGrpSpPr>
+      <p:grpSpPr>
+        <a:xfrm>
+          <a:off x="0" y="0"/>
+          <a:ext cx="0" cy="0"/>
+          <a:chOff x="0" y="0"/>
+          <a:chExt cx="0" cy="0"/>
+        </a:xfrm>
+      </p:grpSpPr>
+      <p:sp>
+        <p:nvSpPr>
+          <p:cNvPr id="2" name="Slide Image Placeholder 1"/>
+          <p:cNvSpPr>
+            <a:spLocks noGrp="1" noRot="1" noChangeAspect="1"/>
+          </p:cNvSpPr>
+          <p:nvPr>
+            <p:ph type="sldImg"/>
+          </p:nvPr>
+        </p:nvSpPr>
+        <p:spPr/>
+      </p:sp>
+      <p:sp>
+        <p:nvSpPr>
+          <p:cNvPr id="3" name="Notes Placeholder 2"/>
+          <p:cNvSpPr>
+            <a:spLocks noGrp="1"/>
+          </p:cNvSpPr>
+          <p:nvPr>
+            <p:ph type="body" idx="1"/>
+          </p:nvPr>
+        </p:nvSpPr>
+        <p:spPr/>
+        <p:txBody>
+          <a:bodyPr/>
+          <a:lstStyle/>
+          <a:p>
+            <a:endParaRPr lang="en-KR"/>
+          </a:p>
+        </p:txBody>
+      </p:sp>
+      <p:sp>
+        <p:nvSpPr>
+          <p:cNvPr id="4" name="Slide Number Placeholder 3"/>
+          <p:cNvSpPr>
+            <a:spLocks noGrp="1"/>
+          </p:cNvSpPr>
+          <p:nvPr>
+            <p:ph type="sldNum" sz="quarter" idx="5"/>
+          </p:nvPr>
+        </p:nvSpPr>
+        <p:spPr/>
+        <p:txBody>
+          <a:bodyPr/>
+          <a:lstStyle/>
+          <a:p>
+            <a:fld id="{BA5DFA43-8D57-47FB-BC46-057616015C3B}" type="slidenum">
+              <a:rPr lang="ko-KR" altLang="en-US" smtClean="0"/>
+              <a:t>7</a:t>
             </a:fld>
             <a:endParaRPr lang="ko-KR" altLang="en-US"/>
           </a:p>
@@ -5161,7 +5246,7 @@
                   <a:schemeClr val="tx2"/>
                 </a:solidFill>
               </a:rPr>
-              <a:t>Request Delivery Time</a:t>
+              <a:t>Request Delivery</a:t>
             </a:r>
           </a:p>
           <a:p>
@@ -5244,7 +5329,7 @@
                   <a:schemeClr val="tx2"/>
                 </a:solidFill>
               </a:rPr>
-              <a:t>kubelet Processing Time</a:t>
+              <a:t>kubelet Processing</a:t>
             </a:r>
             <a:endParaRPr lang="ko-KR" altLang="en-US" sz="800">
               <a:solidFill>
@@ -5439,56 +5524,6 @@
           </a:fontRef>
         </p:style>
       </p:cxnSp>
-      <p:sp>
-        <p:nvSpPr>
-          <p:cNvPr id="77" name="TextBox 76">
-            <a:extLst>
-              <a:ext uri="{FF2B5EF4-FFF2-40B4-BE49-F238E27FC236}">
-                <a16:creationId xmlns:a16="http://schemas.microsoft.com/office/drawing/2014/main" id="{A7257EB5-9562-FB48-8629-301D1361D17C}"/>
-              </a:ext>
-            </a:extLst>
-          </p:cNvPr>
-          <p:cNvSpPr txBox="1"/>
-          <p:nvPr/>
-        </p:nvSpPr>
-        <p:spPr>
-          <a:xfrm>
-            <a:off x="3898058" y="3765572"/>
-            <a:ext cx="1521570" cy="553998"/>
-          </a:xfrm>
-          <a:prstGeom prst="rect">
-            <a:avLst/>
-          </a:prstGeom>
-          <a:noFill/>
-        </p:spPr>
-        <p:txBody>
-          <a:bodyPr wrap="none" rtlCol="0">
-            <a:spAutoFit/>
-          </a:bodyPr>
-          <a:lstStyle/>
-          <a:p>
-            <a:pPr algn="ctr"/>
-            <a:r>
-              <a:rPr lang="en-US" sz="1000"/>
-              <a:t>3. kube-proxy removes</a:t>
-            </a:r>
-          </a:p>
-          <a:p>
-            <a:pPr algn="ctr"/>
-            <a:r>
-              <a:rPr lang="en-US" sz="1000"/>
-              <a:t>forwarding rules for </a:t>
-            </a:r>
-          </a:p>
-          <a:p>
-            <a:pPr algn="ctr"/>
-            <a:r>
-              <a:rPr lang="en-US" sz="1000"/>
-              <a:t>the terminated pod </a:t>
-            </a:r>
-          </a:p>
-        </p:txBody>
-      </p:sp>
       <p:cxnSp>
         <p:nvCxnSpPr>
           <p:cNvPr id="78" name="Straight Arrow Connector 77">
@@ -5633,7 +5668,7 @@
                   <a:schemeClr val="accent2"/>
                 </a:solidFill>
               </a:rPr>
-              <a:t>Endpoint Slice Controller</a:t>
+              <a:t>Istiod</a:t>
             </a:r>
             <a:br>
               <a:rPr lang="en-US" altLang="ko-KR" sz="800">
@@ -5648,7 +5683,7 @@
                   <a:schemeClr val="accent2"/>
                 </a:solidFill>
               </a:rPr>
-              <a:t>Processing Time</a:t>
+              <a:t>Processing</a:t>
             </a:r>
             <a:endParaRPr lang="ko-KR" altLang="en-US" sz="800">
               <a:solidFill>
@@ -5711,7 +5746,7 @@
                   <a:schemeClr val="accent2"/>
                 </a:solidFill>
               </a:rPr>
-              <a:t>kube-proxy</a:t>
+              <a:t>Envoy Proxy</a:t>
             </a:r>
           </a:p>
           <a:p>
@@ -5722,7 +5757,7 @@
                   <a:schemeClr val="accent2"/>
                 </a:solidFill>
               </a:rPr>
-              <a:t>Processing Time</a:t>
+              <a:t>Processing</a:t>
             </a:r>
             <a:endParaRPr lang="ko-KR" altLang="en-US" sz="800">
               <a:solidFill>
@@ -5746,8 +5781,8 @@
         </p:nvSpPr>
         <p:spPr>
           <a:xfrm>
-            <a:off x="4206973" y="908508"/>
-            <a:ext cx="3000373" cy="294176"/>
+            <a:off x="4178023" y="908508"/>
+            <a:ext cx="3058274" cy="294176"/>
           </a:xfrm>
           <a:prstGeom prst="roundRect">
             <a:avLst>
@@ -5785,7 +5820,7 @@
                   <a:schemeClr val="accent2"/>
                 </a:solidFill>
               </a:rPr>
-              <a:t>Request Delivery Time</a:t>
+              <a:t>Request Delivery</a:t>
             </a:r>
           </a:p>
           <a:p>
@@ -5796,7 +5831,7 @@
                   <a:schemeClr val="accent2"/>
                 </a:solidFill>
               </a:rPr>
-              <a:t>(Endpoint Slice Controller </a:t>
+              <a:t>(Istiod </a:t>
             </a:r>
             <a:r>
               <a:rPr lang="en-US" altLang="ko-KR" sz="800">
@@ -5805,24 +5840,7 @@
                 </a:solidFill>
                 <a:sym typeface="Wingdings" pitchFamily="2" charset="2"/>
               </a:rPr>
-              <a:t> </a:t>
-            </a:r>
-            <a:r>
-              <a:rPr lang="en-US" altLang="ko-KR" sz="800">
-                <a:solidFill>
-                  <a:schemeClr val="accent2"/>
-                </a:solidFill>
-              </a:rPr>
-              <a:t>K8s API Server </a:t>
-            </a:r>
-            <a:r>
-              <a:rPr lang="en-US" altLang="ko-KR" sz="800">
-                <a:solidFill>
-                  <a:schemeClr val="accent2"/>
-                </a:solidFill>
-                <a:sym typeface="Wingdings" pitchFamily="2" charset="2"/>
-              </a:rPr>
-              <a:t> kube-proxy)</a:t>
+              <a:t> All Envoy Proxy)</a:t>
             </a:r>
             <a:endParaRPr lang="ko-KR" altLang="en-US" sz="800">
               <a:solidFill>
@@ -5938,8 +5956,8 @@
         </p:nvSpPr>
         <p:spPr>
           <a:xfrm>
-            <a:off x="2505203" y="1247845"/>
-            <a:ext cx="1832553" cy="215444"/>
+            <a:off x="2553295" y="1247845"/>
+            <a:ext cx="1736373" cy="215444"/>
           </a:xfrm>
           <a:prstGeom prst="rect">
             <a:avLst/>
@@ -5961,7 +5979,7 @@
                   <a:schemeClr val="accent2"/>
                 </a:solidFill>
               </a:rPr>
-              <a:t>Endpoint Slice Propagation Delay</a:t>
+              <a:t>Envoy Proxy Propagation Delay</a:t>
             </a:r>
             <a:endParaRPr lang="en-KR" sz="800" b="1">
               <a:solidFill>
@@ -6116,7 +6134,7 @@
                   <a:schemeClr val="tx2"/>
                 </a:solidFill>
               </a:rPr>
-              <a:t>kubelet Processing Time</a:t>
+              <a:t>kubelet Processing</a:t>
             </a:r>
             <a:endParaRPr lang="ko-KR" altLang="en-US" sz="800">
               <a:solidFill>
@@ -6406,7 +6424,7 @@
                   <a:schemeClr val="accent2"/>
                 </a:solidFill>
               </a:rPr>
-              <a:t>Request Delivery Time</a:t>
+              <a:t>Request Delivery</a:t>
             </a:r>
           </a:p>
           <a:p>
@@ -6426,7 +6444,7 @@
                 </a:solidFill>
                 <a:sym typeface="Wingdings" pitchFamily="2" charset="2"/>
               </a:rPr>
-              <a:t> Endpoint Slice Controller)</a:t>
+              <a:t> Istiod)</a:t>
             </a:r>
             <a:endParaRPr lang="ko-KR" altLang="en-US" sz="800">
               <a:solidFill>
@@ -6581,10 +6599,67 @@
           </a:p>
         </p:txBody>
       </p:sp>
+      <p:sp>
+        <p:nvSpPr>
+          <p:cNvPr id="41" name="TextBox 40">
+            <a:extLst>
+              <a:ext uri="{FF2B5EF4-FFF2-40B4-BE49-F238E27FC236}">
+                <a16:creationId xmlns:a16="http://schemas.microsoft.com/office/drawing/2014/main" id="{2E26BC4A-6F18-5A4F-A125-39B2D20BEC81}"/>
+              </a:ext>
+            </a:extLst>
+          </p:cNvPr>
+          <p:cNvSpPr txBox="1"/>
+          <p:nvPr/>
+        </p:nvSpPr>
+        <p:spPr>
+          <a:xfrm>
+            <a:off x="3984620" y="3765572"/>
+            <a:ext cx="1348446" cy="707886"/>
+          </a:xfrm>
+          <a:prstGeom prst="rect">
+            <a:avLst/>
+          </a:prstGeom>
+          <a:noFill/>
+        </p:spPr>
+        <p:txBody>
+          <a:bodyPr wrap="none" rtlCol="0">
+            <a:spAutoFit/>
+          </a:bodyPr>
+          <a:lstStyle/>
+          <a:p>
+            <a:pPr algn="ctr"/>
+            <a:r>
+              <a:rPr lang="en-US" sz="1000"/>
+              <a:t>3. All kube-proxy </a:t>
+            </a:r>
+          </a:p>
+          <a:p>
+            <a:pPr algn="ctr"/>
+            <a:r>
+              <a:rPr lang="en-US" sz="1000"/>
+              <a:t>removes forwarding</a:t>
+            </a:r>
+          </a:p>
+          <a:p>
+            <a:pPr algn="ctr"/>
+            <a:r>
+              <a:rPr lang="en-US" sz="1000"/>
+              <a:t>rules for the </a:t>
+            </a:r>
+          </a:p>
+          <a:p>
+            <a:pPr algn="ctr"/>
+            <a:r>
+              <a:rPr lang="en-US" sz="1000"/>
+              <a:t>terminated pod </a:t>
+            </a:r>
+          </a:p>
+        </p:txBody>
+      </p:sp>
     </p:spTree>
     <p:extLst>
       <p:ext uri="{BB962C8B-B14F-4D97-AF65-F5344CB8AC3E}">
-        <p14:creationId xmlns:p14="http://schemas.microsoft.com/office/powerpoint/2010/main" val="3496558290"/>
+        <p14:creationId xmlns:p14="http://schemas.microsoft.com/office/powerpoint/2010/main" val="1461313420"/>
       </p:ext>
     </p:extLst>
   </p:cSld>
@@ -6625,8 +6700,8 @@
         </p:nvSpPr>
         <p:spPr>
           <a:xfrm>
-            <a:off x="1115618" y="3052293"/>
-            <a:ext cx="5688617" cy="360036"/>
+            <a:off x="1115619" y="3052293"/>
+            <a:ext cx="3765448" cy="360036"/>
           </a:xfrm>
           <a:prstGeom prst="roundRect">
             <a:avLst>
@@ -6676,8 +6751,8 @@
         </p:nvSpPr>
         <p:spPr>
           <a:xfrm>
-            <a:off x="1115617" y="2544447"/>
-            <a:ext cx="5688613" cy="360036"/>
+            <a:off x="1115618" y="2544447"/>
+            <a:ext cx="3765450" cy="360036"/>
           </a:xfrm>
           <a:prstGeom prst="roundRect">
             <a:avLst>
@@ -7029,7 +7104,7 @@
                   <a:schemeClr val="tx2"/>
                 </a:solidFill>
               </a:rPr>
-              <a:t>Request Delivery Time</a:t>
+              <a:t>Request Delivery</a:t>
             </a:r>
           </a:p>
           <a:p>
@@ -7112,7 +7187,7 @@
                   <a:schemeClr val="tx2"/>
                 </a:solidFill>
               </a:rPr>
-              <a:t>kubelet Processing Time</a:t>
+              <a:t>kubelet Processing</a:t>
             </a:r>
             <a:endParaRPr lang="ko-KR" altLang="en-US" sz="800">
               <a:solidFill>
@@ -7451,7 +7526,7 @@
                   <a:schemeClr val="accent2"/>
                 </a:solidFill>
               </a:rPr>
-              <a:t>Endpoint Slice Controller</a:t>
+              <a:t>Istiod</a:t>
             </a:r>
             <a:br>
               <a:rPr lang="en-US" altLang="ko-KR" sz="800">
@@ -7466,7 +7541,7 @@
                   <a:schemeClr val="accent2"/>
                 </a:solidFill>
               </a:rPr>
-              <a:t>Processing Time</a:t>
+              <a:t>Processing</a:t>
             </a:r>
             <a:endParaRPr lang="ko-KR" altLang="en-US" sz="800">
               <a:solidFill>
@@ -7529,7 +7604,7 @@
                   <a:schemeClr val="accent2"/>
                 </a:solidFill>
               </a:rPr>
-              <a:t>kube-proxy</a:t>
+              <a:t>Envoy Proxy</a:t>
             </a:r>
           </a:p>
           <a:p>
@@ -7540,7 +7615,7 @@
                   <a:schemeClr val="accent2"/>
                 </a:solidFill>
               </a:rPr>
-              <a:t>Processing Time</a:t>
+              <a:t>Processing</a:t>
             </a:r>
             <a:endParaRPr lang="ko-KR" altLang="en-US" sz="800">
               <a:solidFill>
@@ -7550,12 +7625,151 @@
           </a:p>
         </p:txBody>
       </p:sp>
-      <p:sp>
-        <p:nvSpPr>
-          <p:cNvPr id="89" name="사각형: 둥근 모서리 36">
-            <a:extLst>
-              <a:ext uri="{FF2B5EF4-FFF2-40B4-BE49-F238E27FC236}">
-                <a16:creationId xmlns:a16="http://schemas.microsoft.com/office/drawing/2014/main" id="{0DDCFB2E-438E-F84A-9A4C-88C52EECD6B7}"/>
+      <p:cxnSp>
+        <p:nvCxnSpPr>
+          <p:cNvPr id="90" name="Straight Arrow Connector 89">
+            <a:extLst>
+              <a:ext uri="{FF2B5EF4-FFF2-40B4-BE49-F238E27FC236}">
+                <a16:creationId xmlns:a16="http://schemas.microsoft.com/office/drawing/2014/main" id="{564822DF-4B24-D448-92F0-85512728D326}"/>
+              </a:ext>
+            </a:extLst>
+          </p:cNvPr>
+          <p:cNvCxnSpPr>
+            <a:cxnSpLocks/>
+          </p:cNvCxnSpPr>
+          <p:nvPr/>
+        </p:nvCxnSpPr>
+        <p:spPr>
+          <a:xfrm flipH="1" flipV="1">
+            <a:off x="536574" y="1202684"/>
+            <a:ext cx="1647786" cy="277243"/>
+          </a:xfrm>
+          <a:prstGeom prst="straightConnector1">
+            <a:avLst/>
+          </a:prstGeom>
+          <a:ln w="12700">
+            <a:solidFill>
+              <a:schemeClr val="accent2"/>
+            </a:solidFill>
+            <a:prstDash val="solid"/>
+            <a:headEnd type="none" w="med" len="med"/>
+            <a:tailEnd type="none" w="med" len="med"/>
+          </a:ln>
+        </p:spPr>
+        <p:style>
+          <a:lnRef idx="1">
+            <a:schemeClr val="accent1"/>
+          </a:lnRef>
+          <a:fillRef idx="0">
+            <a:schemeClr val="accent1"/>
+          </a:fillRef>
+          <a:effectRef idx="0">
+            <a:schemeClr val="accent1"/>
+          </a:effectRef>
+          <a:fontRef idx="minor">
+            <a:schemeClr val="tx1"/>
+          </a:fontRef>
+        </p:style>
+      </p:cxnSp>
+      <p:cxnSp>
+        <p:nvCxnSpPr>
+          <p:cNvPr id="93" name="Straight Arrow Connector 92">
+            <a:extLst>
+              <a:ext uri="{FF2B5EF4-FFF2-40B4-BE49-F238E27FC236}">
+                <a16:creationId xmlns:a16="http://schemas.microsoft.com/office/drawing/2014/main" id="{15EFB21E-3A59-1844-A5F9-2CEA238BC4A0}"/>
+              </a:ext>
+            </a:extLst>
+          </p:cNvPr>
+          <p:cNvCxnSpPr>
+            <a:cxnSpLocks/>
+          </p:cNvCxnSpPr>
+          <p:nvPr/>
+        </p:nvCxnSpPr>
+        <p:spPr>
+          <a:xfrm flipH="1">
+            <a:off x="4658838" y="1202684"/>
+            <a:ext cx="3490292" cy="265918"/>
+          </a:xfrm>
+          <a:prstGeom prst="straightConnector1">
+            <a:avLst/>
+          </a:prstGeom>
+          <a:ln w="12700">
+            <a:solidFill>
+              <a:schemeClr val="accent2"/>
+            </a:solidFill>
+            <a:prstDash val="solid"/>
+            <a:headEnd type="none" w="med" len="med"/>
+            <a:tailEnd type="none" w="med" len="med"/>
+          </a:ln>
+        </p:spPr>
+        <p:style>
+          <a:lnRef idx="1">
+            <a:schemeClr val="accent1"/>
+          </a:lnRef>
+          <a:fillRef idx="0">
+            <a:schemeClr val="accent1"/>
+          </a:fillRef>
+          <a:effectRef idx="0">
+            <a:schemeClr val="accent1"/>
+          </a:effectRef>
+          <a:fontRef idx="minor">
+            <a:schemeClr val="tx1"/>
+          </a:fontRef>
+        </p:style>
+      </p:cxnSp>
+      <p:sp>
+        <p:nvSpPr>
+          <p:cNvPr id="96" name="TextBox 95">
+            <a:extLst>
+              <a:ext uri="{FF2B5EF4-FFF2-40B4-BE49-F238E27FC236}">
+                <a16:creationId xmlns:a16="http://schemas.microsoft.com/office/drawing/2014/main" id="{4085EB01-1D8F-5140-BE44-BBD28A468F89}"/>
+              </a:ext>
+            </a:extLst>
+          </p:cNvPr>
+          <p:cNvSpPr txBox="1"/>
+          <p:nvPr/>
+        </p:nvSpPr>
+        <p:spPr>
+          <a:xfrm>
+            <a:off x="2553297" y="1247845"/>
+            <a:ext cx="1736373" cy="215444"/>
+          </a:xfrm>
+          <a:prstGeom prst="rect">
+            <a:avLst/>
+          </a:prstGeom>
+          <a:solidFill>
+            <a:schemeClr val="bg1"/>
+          </a:solidFill>
+        </p:spPr>
+        <p:txBody>
+          <a:bodyPr wrap="none" rtlCol="0">
+            <a:spAutoFit/>
+          </a:bodyPr>
+          <a:lstStyle/>
+          <a:p>
+            <a:pPr algn="ctr"/>
+            <a:r>
+              <a:rPr lang="en-US" sz="800" b="1">
+                <a:solidFill>
+                  <a:schemeClr val="accent2"/>
+                </a:solidFill>
+              </a:rPr>
+              <a:t>Envoy Proxy Propagation Delay</a:t>
+            </a:r>
+            <a:endParaRPr lang="en-KR" sz="800" b="1">
+              <a:solidFill>
+                <a:schemeClr val="accent2"/>
+              </a:solidFill>
+            </a:endParaRPr>
+          </a:p>
+        </p:txBody>
+      </p:sp>
+      <p:sp>
+        <p:nvSpPr>
+          <p:cNvPr id="131" name="사각형: 둥근 모서리 36">
+            <a:extLst>
+              <a:ext uri="{FF2B5EF4-FFF2-40B4-BE49-F238E27FC236}">
+                <a16:creationId xmlns:a16="http://schemas.microsoft.com/office/drawing/2014/main" id="{9A03A025-F8ED-BE46-AB25-ED5F8B7EB4C7}"/>
               </a:ext>
             </a:extLst>
           </p:cNvPr>
@@ -7564,8 +7778,8 @@
         </p:nvSpPr>
         <p:spPr>
           <a:xfrm>
-            <a:off x="4206973" y="908508"/>
-            <a:ext cx="3000373" cy="294176"/>
+            <a:off x="539552" y="908508"/>
+            <a:ext cx="2246387" cy="294176"/>
           </a:xfrm>
           <a:prstGeom prst="roundRect">
             <a:avLst>
@@ -7603,7 +7817,7 @@
                   <a:schemeClr val="accent2"/>
                 </a:solidFill>
               </a:rPr>
-              <a:t>Request Delivery Time</a:t>
+              <a:t>Request Delivery</a:t>
             </a:r>
           </a:p>
           <a:p>
@@ -7614,7 +7828,7 @@
                   <a:schemeClr val="accent2"/>
                 </a:solidFill>
               </a:rPr>
-              <a:t>(Endpoint Slice Controller </a:t>
+              <a:t>(K8s API Server </a:t>
             </a:r>
             <a:r>
               <a:rPr lang="en-US" altLang="ko-KR" sz="800">
@@ -7623,24 +7837,7 @@
                 </a:solidFill>
                 <a:sym typeface="Wingdings" pitchFamily="2" charset="2"/>
               </a:rPr>
-              <a:t> </a:t>
-            </a:r>
-            <a:r>
-              <a:rPr lang="en-US" altLang="ko-KR" sz="800">
-                <a:solidFill>
-                  <a:schemeClr val="accent2"/>
-                </a:solidFill>
-              </a:rPr>
-              <a:t>K8s API Server </a:t>
-            </a:r>
-            <a:r>
-              <a:rPr lang="en-US" altLang="ko-KR" sz="800">
-                <a:solidFill>
-                  <a:schemeClr val="accent2"/>
-                </a:solidFill>
-                <a:sym typeface="Wingdings" pitchFamily="2" charset="2"/>
-              </a:rPr>
-              <a:t> kube-proxy)</a:t>
+              <a:t> Istiod)</a:t>
             </a:r>
             <a:endParaRPr lang="ko-KR" altLang="en-US" sz="800">
               <a:solidFill>
@@ -7652,10 +7849,10 @@
       </p:sp>
       <p:cxnSp>
         <p:nvCxnSpPr>
-          <p:cNvPr id="90" name="Straight Arrow Connector 89">
-            <a:extLst>
-              <a:ext uri="{FF2B5EF4-FFF2-40B4-BE49-F238E27FC236}">
-                <a16:creationId xmlns:a16="http://schemas.microsoft.com/office/drawing/2014/main" id="{564822DF-4B24-D448-92F0-85512728D326}"/>
+          <p:cNvPr id="134" name="Straight Arrow Connector 133">
+            <a:extLst>
+              <a:ext uri="{FF2B5EF4-FFF2-40B4-BE49-F238E27FC236}">
+                <a16:creationId xmlns:a16="http://schemas.microsoft.com/office/drawing/2014/main" id="{5592B061-9C71-304C-B220-8167474B7D0C}"/>
               </a:ext>
             </a:extLst>
           </p:cNvPr>
@@ -7665,18 +7862,305 @@
           <p:nvPr/>
         </p:nvCxnSpPr>
         <p:spPr>
-          <a:xfrm flipH="1" flipV="1">
-            <a:off x="536574" y="1202684"/>
-            <a:ext cx="1647786" cy="277243"/>
+          <a:xfrm flipV="1">
+            <a:off x="2398345" y="3562017"/>
+            <a:ext cx="0" cy="757553"/>
           </a:xfrm>
           <a:prstGeom prst="straightConnector1">
             <a:avLst/>
           </a:prstGeom>
           <a:ln w="12700">
             <a:solidFill>
-              <a:schemeClr val="accent2"/>
+              <a:schemeClr val="tx1"/>
+            </a:solidFill>
+            <a:prstDash val="dash"/>
+            <a:tailEnd type="triangle"/>
+          </a:ln>
+        </p:spPr>
+        <p:style>
+          <a:lnRef idx="1">
+            <a:schemeClr val="accent1"/>
+          </a:lnRef>
+          <a:fillRef idx="0">
+            <a:schemeClr val="accent1"/>
+          </a:fillRef>
+          <a:effectRef idx="0">
+            <a:schemeClr val="accent1"/>
+          </a:effectRef>
+          <a:fontRef idx="minor">
+            <a:schemeClr val="tx1"/>
+          </a:fontRef>
+        </p:style>
+      </p:cxnSp>
+      <p:sp>
+        <p:nvSpPr>
+          <p:cNvPr id="137" name="TextBox 136">
+            <a:extLst>
+              <a:ext uri="{FF2B5EF4-FFF2-40B4-BE49-F238E27FC236}">
+                <a16:creationId xmlns:a16="http://schemas.microsoft.com/office/drawing/2014/main" id="{9A08028C-9D93-3E4D-BB52-9723D38F03EF}"/>
+              </a:ext>
+            </a:extLst>
+          </p:cNvPr>
+          <p:cNvSpPr txBox="1"/>
+          <p:nvPr/>
+        </p:nvSpPr>
+        <p:spPr>
+          <a:xfrm>
+            <a:off x="1309883" y="3765572"/>
+            <a:ext cx="1749946" cy="400110"/>
+          </a:xfrm>
+          <a:prstGeom prst="rect">
+            <a:avLst/>
+          </a:prstGeom>
+          <a:solidFill>
+            <a:schemeClr val="bg1"/>
+          </a:solidFill>
+        </p:spPr>
+        <p:txBody>
+          <a:bodyPr wrap="square" rtlCol="0">
+            <a:spAutoFit/>
+          </a:bodyPr>
+          <a:lstStyle/>
+          <a:p>
+            <a:pPr algn="ctr"/>
+            <a:r>
+              <a:rPr lang="en-KR" sz="1000"/>
+              <a:t>1. K8s API server receives</a:t>
+            </a:r>
+          </a:p>
+          <a:p>
+            <a:pPr algn="ctr"/>
+            <a:r>
+              <a:rPr lang="en-KR" sz="1000"/>
+              <a:t>a pod </a:t>
+            </a:r>
+            <a:r>
+              <a:rPr lang="en-US" sz="1000"/>
+              <a:t>termination</a:t>
+            </a:r>
+            <a:r>
+              <a:rPr lang="ko-KR" altLang="en-US" sz="1000"/>
+              <a:t> </a:t>
+            </a:r>
+            <a:r>
+              <a:rPr lang="en-KR" altLang="ko-KR" sz="1000"/>
+              <a:t>r</a:t>
+            </a:r>
+            <a:r>
+              <a:rPr lang="en-KR" sz="1000"/>
+              <a:t>equest</a:t>
+            </a:r>
+          </a:p>
+        </p:txBody>
+      </p:sp>
+      <p:sp>
+        <p:nvSpPr>
+          <p:cNvPr id="142" name="TextBox 141">
+            <a:extLst>
+              <a:ext uri="{FF2B5EF4-FFF2-40B4-BE49-F238E27FC236}">
+                <a16:creationId xmlns:a16="http://schemas.microsoft.com/office/drawing/2014/main" id="{26B4938E-875C-A04F-9014-08091EE0215A}"/>
+              </a:ext>
+            </a:extLst>
+          </p:cNvPr>
+          <p:cNvSpPr txBox="1"/>
+          <p:nvPr/>
+        </p:nvSpPr>
+        <p:spPr>
+          <a:xfrm>
+            <a:off x="1376820" y="4319702"/>
+            <a:ext cx="2043050" cy="707886"/>
+          </a:xfrm>
+          <a:prstGeom prst="rect">
+            <a:avLst/>
+          </a:prstGeom>
+          <a:solidFill>
+            <a:schemeClr val="bg1"/>
+          </a:solidFill>
+        </p:spPr>
+        <p:txBody>
+          <a:bodyPr wrap="square" rtlCol="0">
+            <a:spAutoFit/>
+          </a:bodyPr>
+          <a:lstStyle/>
+          <a:p>
+            <a:pPr algn="ctr"/>
+            <a:r>
+              <a:rPr lang="en-KR" sz="1000"/>
+              <a:t>2. kubelet sends</a:t>
+            </a:r>
+            <a:r>
+              <a:rPr lang="ko-KR" altLang="en-US" sz="1000"/>
+              <a:t> </a:t>
+            </a:r>
+            <a:r>
+              <a:rPr lang="en-KR" sz="1000"/>
+              <a:t>SIGTERM </a:t>
+            </a:r>
+          </a:p>
+          <a:p>
+            <a:pPr algn="ctr"/>
+            <a:r>
+              <a:rPr lang="en-KR" sz="1000"/>
+              <a:t>signal</a:t>
+            </a:r>
+            <a:r>
+              <a:rPr lang="ko-KR" altLang="en-US" sz="1000"/>
+              <a:t> </a:t>
+            </a:r>
+            <a:r>
+              <a:rPr lang="en-US" sz="1000"/>
+              <a:t>t</a:t>
+            </a:r>
+            <a:r>
+              <a:rPr lang="en-KR" sz="1000"/>
+              <a:t>o pliot-agent</a:t>
+            </a:r>
+            <a:br>
+              <a:rPr lang="en-KR" sz="1000"/>
+            </a:br>
+            <a:r>
+              <a:rPr lang="en-US" altLang="ko-KR" sz="1000"/>
+              <a:t>3</a:t>
+            </a:r>
+            <a:r>
+              <a:rPr lang="en-KR" sz="1000"/>
+              <a:t>. pilot-agent </a:t>
+            </a:r>
+            <a:r>
+              <a:rPr lang="en-US" sz="1000"/>
+              <a:t>sets envoy </a:t>
+            </a:r>
+            <a:r>
+              <a:rPr lang="en-US" altLang="ko-KR" sz="1000"/>
+              <a:t>p</a:t>
+            </a:r>
+            <a:r>
+              <a:rPr lang="en-US" sz="1000"/>
+              <a:t>roxy</a:t>
+            </a:r>
+          </a:p>
+          <a:p>
+            <a:pPr algn="ctr"/>
+            <a:r>
+              <a:rPr lang="en-US" sz="1000"/>
+              <a:t>to drain mode and wait</a:t>
+            </a:r>
+            <a:endParaRPr lang="en-KR" sz="1000"/>
+          </a:p>
+        </p:txBody>
+      </p:sp>
+      <p:cxnSp>
+        <p:nvCxnSpPr>
+          <p:cNvPr id="33" name="Straight Arrow Connector 32">
+            <a:extLst>
+              <a:ext uri="{FF2B5EF4-FFF2-40B4-BE49-F238E27FC236}">
+                <a16:creationId xmlns:a16="http://schemas.microsoft.com/office/drawing/2014/main" id="{20F10284-9C54-FB46-A151-71AEBFD5FA72}"/>
+              </a:ext>
+            </a:extLst>
+          </p:cNvPr>
+          <p:cNvCxnSpPr>
+            <a:cxnSpLocks/>
+          </p:cNvCxnSpPr>
+          <p:nvPr/>
+        </p:nvCxnSpPr>
+        <p:spPr>
+          <a:xfrm flipH="1">
+            <a:off x="2398345" y="627534"/>
+            <a:ext cx="4742930" cy="0"/>
+          </a:xfrm>
+          <a:prstGeom prst="straightConnector1">
+            <a:avLst/>
+          </a:prstGeom>
+          <a:ln w="12700">
+            <a:solidFill>
+              <a:schemeClr val="tx1"/>
             </a:solidFill>
             <a:prstDash val="solid"/>
+            <a:headEnd type="triangle" w="med" len="med"/>
+            <a:tailEnd type="triangle" w="med" len="med"/>
+          </a:ln>
+        </p:spPr>
+        <p:style>
+          <a:lnRef idx="1">
+            <a:schemeClr val="accent1"/>
+          </a:lnRef>
+          <a:fillRef idx="0">
+            <a:schemeClr val="accent1"/>
+          </a:fillRef>
+          <a:effectRef idx="0">
+            <a:schemeClr val="accent1"/>
+          </a:effectRef>
+          <a:fontRef idx="minor">
+            <a:schemeClr val="tx1"/>
+          </a:fontRef>
+        </p:style>
+      </p:cxnSp>
+      <p:sp>
+        <p:nvSpPr>
+          <p:cNvPr id="34" name="TextBox 33">
+            <a:extLst>
+              <a:ext uri="{FF2B5EF4-FFF2-40B4-BE49-F238E27FC236}">
+                <a16:creationId xmlns:a16="http://schemas.microsoft.com/office/drawing/2014/main" id="{A82D9337-B032-144A-9C37-F16DB283319A}"/>
+              </a:ext>
+            </a:extLst>
+          </p:cNvPr>
+          <p:cNvSpPr txBox="1"/>
+          <p:nvPr/>
+        </p:nvSpPr>
+        <p:spPr>
+          <a:xfrm>
+            <a:off x="3823513" y="385004"/>
+            <a:ext cx="1670650" cy="215444"/>
+          </a:xfrm>
+          <a:prstGeom prst="rect">
+            <a:avLst/>
+          </a:prstGeom>
+          <a:solidFill>
+            <a:schemeClr val="bg1"/>
+          </a:solidFill>
+        </p:spPr>
+        <p:txBody>
+          <a:bodyPr wrap="none" rtlCol="0">
+            <a:spAutoFit/>
+          </a:bodyPr>
+          <a:lstStyle/>
+          <a:p>
+            <a:pPr algn="ctr"/>
+            <a:r>
+              <a:rPr lang="en-US" sz="800"/>
+              <a:t>terminationGracePeriodSeconds</a:t>
+            </a:r>
+            <a:endParaRPr lang="en-KR" sz="800"/>
+          </a:p>
+        </p:txBody>
+      </p:sp>
+      <p:cxnSp>
+        <p:nvCxnSpPr>
+          <p:cNvPr id="37" name="Straight Arrow Connector 36">
+            <a:extLst>
+              <a:ext uri="{FF2B5EF4-FFF2-40B4-BE49-F238E27FC236}">
+                <a16:creationId xmlns:a16="http://schemas.microsoft.com/office/drawing/2014/main" id="{C05140B8-BEA8-454E-8C92-36C2577F773A}"/>
+              </a:ext>
+            </a:extLst>
+          </p:cNvPr>
+          <p:cNvCxnSpPr>
+            <a:cxnSpLocks/>
+          </p:cNvCxnSpPr>
+          <p:nvPr/>
+        </p:nvCxnSpPr>
+        <p:spPr>
+          <a:xfrm>
+            <a:off x="4881067" y="2326554"/>
+            <a:ext cx="0" cy="1235461"/>
+          </a:xfrm>
+          <a:prstGeom prst="straightConnector1">
+            <a:avLst/>
+          </a:prstGeom>
+          <a:ln w="12700">
+            <a:solidFill>
+              <a:schemeClr val="tx1"/>
+            </a:solidFill>
+            <a:prstDash val="dash"/>
             <a:headEnd type="none" w="med" len="med"/>
             <a:tailEnd type="none" w="med" len="med"/>
           </a:ln>
@@ -7698,10 +8182,10 @@
       </p:cxnSp>
       <p:cxnSp>
         <p:nvCxnSpPr>
-          <p:cNvPr id="93" name="Straight Arrow Connector 92">
-            <a:extLst>
-              <a:ext uri="{FF2B5EF4-FFF2-40B4-BE49-F238E27FC236}">
-                <a16:creationId xmlns:a16="http://schemas.microsoft.com/office/drawing/2014/main" id="{15EFB21E-3A59-1844-A5F9-2CEA238BC4A0}"/>
+          <p:cNvPr id="38" name="Straight Arrow Connector 37">
+            <a:extLst>
+              <a:ext uri="{FF2B5EF4-FFF2-40B4-BE49-F238E27FC236}">
+                <a16:creationId xmlns:a16="http://schemas.microsoft.com/office/drawing/2014/main" id="{03FBCEF2-35B5-2741-BB77-5C57D0DE3C80}"/>
               </a:ext>
             </a:extLst>
           </p:cNvPr>
@@ -7711,18 +8195,18 @@
           <p:nvPr/>
         </p:nvCxnSpPr>
         <p:spPr>
-          <a:xfrm flipH="1">
-            <a:off x="4658838" y="1202684"/>
-            <a:ext cx="3490292" cy="265918"/>
+          <a:xfrm>
+            <a:off x="7141282" y="627534"/>
+            <a:ext cx="0" cy="2934481"/>
           </a:xfrm>
           <a:prstGeom prst="straightConnector1">
             <a:avLst/>
           </a:prstGeom>
           <a:ln w="12700">
             <a:solidFill>
-              <a:schemeClr val="accent2"/>
+              <a:schemeClr val="tx1"/>
             </a:solidFill>
-            <a:prstDash val="solid"/>
+            <a:prstDash val="dash"/>
             <a:headEnd type="none" w="med" len="med"/>
             <a:tailEnd type="none" w="med" len="med"/>
           </a:ln>
@@ -7742,12 +8226,104 @@
           </a:fontRef>
         </p:style>
       </p:cxnSp>
-      <p:sp>
-        <p:nvSpPr>
-          <p:cNvPr id="96" name="TextBox 95">
-            <a:extLst>
-              <a:ext uri="{FF2B5EF4-FFF2-40B4-BE49-F238E27FC236}">
-                <a16:creationId xmlns:a16="http://schemas.microsoft.com/office/drawing/2014/main" id="{4085EB01-1D8F-5140-BE44-BBD28A468F89}"/>
+      <p:cxnSp>
+        <p:nvCxnSpPr>
+          <p:cNvPr id="39" name="Straight Arrow Connector 38">
+            <a:extLst>
+              <a:ext uri="{FF2B5EF4-FFF2-40B4-BE49-F238E27FC236}">
+                <a16:creationId xmlns:a16="http://schemas.microsoft.com/office/drawing/2014/main" id="{9C76248E-DC1C-E447-89E1-A3F235E40337}"/>
+              </a:ext>
+            </a:extLst>
+          </p:cNvPr>
+          <p:cNvCxnSpPr>
+            <a:cxnSpLocks/>
+          </p:cNvCxnSpPr>
+          <p:nvPr/>
+        </p:nvCxnSpPr>
+        <p:spPr>
+          <a:xfrm flipH="1">
+            <a:off x="2398346" y="2427734"/>
+            <a:ext cx="2482721" cy="0"/>
+          </a:xfrm>
+          <a:prstGeom prst="straightConnector1">
+            <a:avLst/>
+          </a:prstGeom>
+          <a:ln w="12700">
+            <a:solidFill>
+              <a:schemeClr val="tx1"/>
+            </a:solidFill>
+            <a:prstDash val="solid"/>
+            <a:headEnd type="triangle" w="med" len="med"/>
+            <a:tailEnd type="triangle" w="med" len="med"/>
+          </a:ln>
+        </p:spPr>
+        <p:style>
+          <a:lnRef idx="1">
+            <a:schemeClr val="accent1"/>
+          </a:lnRef>
+          <a:fillRef idx="0">
+            <a:schemeClr val="accent1"/>
+          </a:fillRef>
+          <a:effectRef idx="0">
+            <a:schemeClr val="accent1"/>
+          </a:effectRef>
+          <a:fontRef idx="minor">
+            <a:schemeClr val="tx1"/>
+          </a:fontRef>
+        </p:style>
+      </p:cxnSp>
+      <p:cxnSp>
+        <p:nvCxnSpPr>
+          <p:cNvPr id="43" name="Straight Arrow Connector 42">
+            <a:extLst>
+              <a:ext uri="{FF2B5EF4-FFF2-40B4-BE49-F238E27FC236}">
+                <a16:creationId xmlns:a16="http://schemas.microsoft.com/office/drawing/2014/main" id="{E7E62BDB-4469-1B49-AB44-356389428D9A}"/>
+              </a:ext>
+            </a:extLst>
+          </p:cNvPr>
+          <p:cNvCxnSpPr>
+            <a:cxnSpLocks/>
+            <a:stCxn id="45" idx="0"/>
+          </p:cNvCxnSpPr>
+          <p:nvPr/>
+        </p:nvCxnSpPr>
+        <p:spPr>
+          <a:xfrm flipV="1">
+            <a:off x="4883112" y="3550691"/>
+            <a:ext cx="0" cy="869276"/>
+          </a:xfrm>
+          <a:prstGeom prst="straightConnector1">
+            <a:avLst/>
+          </a:prstGeom>
+          <a:ln w="12700">
+            <a:solidFill>
+              <a:schemeClr val="tx1"/>
+            </a:solidFill>
+            <a:prstDash val="dash"/>
+            <a:tailEnd type="triangle"/>
+          </a:ln>
+        </p:spPr>
+        <p:style>
+          <a:lnRef idx="1">
+            <a:schemeClr val="accent1"/>
+          </a:lnRef>
+          <a:fillRef idx="0">
+            <a:schemeClr val="accent1"/>
+          </a:fillRef>
+          <a:effectRef idx="0">
+            <a:schemeClr val="accent1"/>
+          </a:effectRef>
+          <a:fontRef idx="minor">
+            <a:schemeClr val="tx1"/>
+          </a:fontRef>
+        </p:style>
+      </p:cxnSp>
+      <p:sp>
+        <p:nvSpPr>
+          <p:cNvPr id="45" name="TextBox 44">
+            <a:extLst>
+              <a:ext uri="{FF2B5EF4-FFF2-40B4-BE49-F238E27FC236}">
+                <a16:creationId xmlns:a16="http://schemas.microsoft.com/office/drawing/2014/main" id="{C6376863-2ADD-784D-BD41-0B5E82910844}"/>
               </a:ext>
             </a:extLst>
           </p:cNvPr>
@@ -7756,8 +8332,8 @@
         </p:nvSpPr>
         <p:spPr>
           <a:xfrm>
-            <a:off x="2505203" y="1247845"/>
-            <a:ext cx="1832553" cy="215444"/>
+            <a:off x="3918141" y="4419967"/>
+            <a:ext cx="1929942" cy="400110"/>
           </a:xfrm>
           <a:prstGeom prst="rect">
             <a:avLst/>
@@ -7767,6 +8343,60 @@
           </a:solidFill>
         </p:spPr>
         <p:txBody>
+          <a:bodyPr wrap="square" rtlCol="0">
+            <a:spAutoFit/>
+          </a:bodyPr>
+          <a:lstStyle/>
+          <a:p>
+            <a:pPr algn="ctr"/>
+            <a:r>
+              <a:rPr lang="en-US" altLang="ko-KR" sz="1000"/>
+              <a:t>5</a:t>
+            </a:r>
+            <a:r>
+              <a:rPr lang="en-KR" sz="1000"/>
+              <a:t>. pilot-agent </a:t>
+            </a:r>
+            <a:r>
+              <a:rPr lang="en-US" sz="1000"/>
+              <a:t>removes</a:t>
+            </a:r>
+          </a:p>
+          <a:p>
+            <a:pPr algn="ctr"/>
+            <a:r>
+              <a:rPr lang="en-US" sz="1000"/>
+              <a:t>envoy proxy</a:t>
+            </a:r>
+            <a:endParaRPr lang="en-KR" sz="1000"/>
+          </a:p>
+        </p:txBody>
+      </p:sp>
+      <p:sp>
+        <p:nvSpPr>
+          <p:cNvPr id="48" name="TextBox 47">
+            <a:extLst>
+              <a:ext uri="{FF2B5EF4-FFF2-40B4-BE49-F238E27FC236}">
+                <a16:creationId xmlns:a16="http://schemas.microsoft.com/office/drawing/2014/main" id="{4EDE311E-3277-A347-9C10-AD6384ED169D}"/>
+              </a:ext>
+            </a:extLst>
+          </p:cNvPr>
+          <p:cNvSpPr txBox="1"/>
+          <p:nvPr/>
+        </p:nvSpPr>
+        <p:spPr>
+          <a:xfrm>
+            <a:off x="3776229" y="3765572"/>
+            <a:ext cx="1765228" cy="553998"/>
+          </a:xfrm>
+          <a:prstGeom prst="rect">
+            <a:avLst/>
+          </a:prstGeom>
+          <a:solidFill>
+            <a:schemeClr val="bg1"/>
+          </a:solidFill>
+        </p:spPr>
+        <p:txBody>
           <a:bodyPr wrap="none" rtlCol="0">
             <a:spAutoFit/>
           </a:bodyPr>
@@ -7774,27 +8404,75 @@
           <a:p>
             <a:pPr algn="ctr"/>
             <a:r>
-              <a:rPr lang="en-US" sz="800" b="1">
-                <a:solidFill>
-                  <a:schemeClr val="accent2"/>
-                </a:solidFill>
-              </a:rPr>
-              <a:t>Endpoint Slice Propagation Delay</a:t>
-            </a:r>
-            <a:endParaRPr lang="en-KR" sz="800" b="1">
-              <a:solidFill>
-                <a:schemeClr val="accent2"/>
-              </a:solidFill>
-            </a:endParaRPr>
-          </a:p>
-        </p:txBody>
-      </p:sp>
-      <p:sp>
-        <p:nvSpPr>
-          <p:cNvPr id="131" name="사각형: 둥근 모서리 36">
-            <a:extLst>
-              <a:ext uri="{FF2B5EF4-FFF2-40B4-BE49-F238E27FC236}">
-                <a16:creationId xmlns:a16="http://schemas.microsoft.com/office/drawing/2014/main" id="{9A03A025-F8ED-BE46-AB25-ED5F8B7EB4C7}"/>
+              <a:rPr lang="en-US" altLang="ko-KR" sz="1000"/>
+              <a:t>4</a:t>
+            </a:r>
+            <a:r>
+              <a:rPr lang="en-US" sz="1000"/>
+              <a:t>. All envoy proxy removes</a:t>
+            </a:r>
+          </a:p>
+          <a:p>
+            <a:pPr algn="ctr"/>
+            <a:r>
+              <a:rPr lang="en-US" sz="1000"/>
+              <a:t>forwarding rules for </a:t>
+            </a:r>
+          </a:p>
+          <a:p>
+            <a:pPr algn="ctr"/>
+            <a:r>
+              <a:rPr lang="en-US" sz="1000"/>
+              <a:t>the terminated pod </a:t>
+            </a:r>
+          </a:p>
+        </p:txBody>
+      </p:sp>
+      <p:sp>
+        <p:nvSpPr>
+          <p:cNvPr id="60" name="TextBox 59">
+            <a:extLst>
+              <a:ext uri="{FF2B5EF4-FFF2-40B4-BE49-F238E27FC236}">
+                <a16:creationId xmlns:a16="http://schemas.microsoft.com/office/drawing/2014/main" id="{844A34B9-471B-C345-8C00-7A4851064234}"/>
+              </a:ext>
+            </a:extLst>
+          </p:cNvPr>
+          <p:cNvSpPr txBox="1"/>
+          <p:nvPr/>
+        </p:nvSpPr>
+        <p:spPr>
+          <a:xfrm>
+            <a:off x="3060276" y="2190537"/>
+            <a:ext cx="1372491" cy="215444"/>
+          </a:xfrm>
+          <a:prstGeom prst="rect">
+            <a:avLst/>
+          </a:prstGeom>
+          <a:solidFill>
+            <a:schemeClr val="bg1"/>
+          </a:solidFill>
+        </p:spPr>
+        <p:txBody>
+          <a:bodyPr wrap="none" rtlCol="0">
+            <a:spAutoFit/>
+          </a:bodyPr>
+          <a:lstStyle/>
+          <a:p>
+            <a:pPr algn="ctr"/>
+            <a:r>
+              <a:rPr lang="en-US" sz="800"/>
+              <a:t>terminationDrainDuration</a:t>
+            </a:r>
+            <a:endParaRPr lang="en-KR" sz="800"/>
+          </a:p>
+        </p:txBody>
+      </p:sp>
+      <p:sp>
+        <p:nvSpPr>
+          <p:cNvPr id="44" name="사각형: 둥근 모서리 36">
+            <a:extLst>
+              <a:ext uri="{FF2B5EF4-FFF2-40B4-BE49-F238E27FC236}">
+                <a16:creationId xmlns:a16="http://schemas.microsoft.com/office/drawing/2014/main" id="{B57CD726-BBEC-B048-8DA4-E6AD249B8C5A}"/>
               </a:ext>
             </a:extLst>
           </p:cNvPr>
@@ -7803,8 +8481,8 @@
         </p:nvSpPr>
         <p:spPr>
           <a:xfrm>
-            <a:off x="539552" y="908508"/>
-            <a:ext cx="2246387" cy="294176"/>
+            <a:off x="4178023" y="908508"/>
+            <a:ext cx="3058274" cy="294176"/>
           </a:xfrm>
           <a:prstGeom prst="roundRect">
             <a:avLst>
@@ -7842,7 +8520,7 @@
                   <a:schemeClr val="accent2"/>
                 </a:solidFill>
               </a:rPr>
-              <a:t>Request Delivery Time</a:t>
+              <a:t>Request Delivery</a:t>
             </a:r>
           </a:p>
           <a:p>
@@ -7853,7 +8531,7 @@
                   <a:schemeClr val="accent2"/>
                 </a:solidFill>
               </a:rPr>
-              <a:t>(K8s API Server </a:t>
+              <a:t>(Istiod </a:t>
             </a:r>
             <a:r>
               <a:rPr lang="en-US" altLang="ko-KR" sz="800">
@@ -7862,824 +8540,13 @@
                 </a:solidFill>
                 <a:sym typeface="Wingdings" pitchFamily="2" charset="2"/>
               </a:rPr>
-              <a:t> Endpoint Slice Controller)</a:t>
+              <a:t> All Envoy Proxy)</a:t>
             </a:r>
             <a:endParaRPr lang="ko-KR" altLang="en-US" sz="800">
               <a:solidFill>
                 <a:schemeClr val="accent2"/>
               </a:solidFill>
             </a:endParaRPr>
-          </a:p>
-        </p:txBody>
-      </p:sp>
-      <p:cxnSp>
-        <p:nvCxnSpPr>
-          <p:cNvPr id="134" name="Straight Arrow Connector 133">
-            <a:extLst>
-              <a:ext uri="{FF2B5EF4-FFF2-40B4-BE49-F238E27FC236}">
-                <a16:creationId xmlns:a16="http://schemas.microsoft.com/office/drawing/2014/main" id="{5592B061-9C71-304C-B220-8167474B7D0C}"/>
-              </a:ext>
-            </a:extLst>
-          </p:cNvPr>
-          <p:cNvCxnSpPr>
-            <a:cxnSpLocks/>
-            <a:stCxn id="142" idx="0"/>
-          </p:cNvCxnSpPr>
-          <p:nvPr/>
-        </p:nvCxnSpPr>
-        <p:spPr>
-          <a:xfrm flipV="1">
-            <a:off x="2398345" y="3562017"/>
-            <a:ext cx="0" cy="855170"/>
-          </a:xfrm>
-          <a:prstGeom prst="straightConnector1">
-            <a:avLst/>
-          </a:prstGeom>
-          <a:ln w="12700">
-            <a:solidFill>
-              <a:schemeClr val="tx1"/>
-            </a:solidFill>
-            <a:prstDash val="dash"/>
-            <a:tailEnd type="triangle"/>
-          </a:ln>
-        </p:spPr>
-        <p:style>
-          <a:lnRef idx="1">
-            <a:schemeClr val="accent1"/>
-          </a:lnRef>
-          <a:fillRef idx="0">
-            <a:schemeClr val="accent1"/>
-          </a:fillRef>
-          <a:effectRef idx="0">
-            <a:schemeClr val="accent1"/>
-          </a:effectRef>
-          <a:fontRef idx="minor">
-            <a:schemeClr val="tx1"/>
-          </a:fontRef>
-        </p:style>
-      </p:cxnSp>
-      <p:sp>
-        <p:nvSpPr>
-          <p:cNvPr id="137" name="TextBox 136">
-            <a:extLst>
-              <a:ext uri="{FF2B5EF4-FFF2-40B4-BE49-F238E27FC236}">
-                <a16:creationId xmlns:a16="http://schemas.microsoft.com/office/drawing/2014/main" id="{9A08028C-9D93-3E4D-BB52-9723D38F03EF}"/>
-              </a:ext>
-            </a:extLst>
-          </p:cNvPr>
-          <p:cNvSpPr txBox="1"/>
-          <p:nvPr/>
-        </p:nvSpPr>
-        <p:spPr>
-          <a:xfrm>
-            <a:off x="1309883" y="3765572"/>
-            <a:ext cx="1749946" cy="400110"/>
-          </a:xfrm>
-          <a:prstGeom prst="rect">
-            <a:avLst/>
-          </a:prstGeom>
-          <a:solidFill>
-            <a:schemeClr val="bg1"/>
-          </a:solidFill>
-        </p:spPr>
-        <p:txBody>
-          <a:bodyPr wrap="square" rtlCol="0">
-            <a:spAutoFit/>
-          </a:bodyPr>
-          <a:lstStyle/>
-          <a:p>
-            <a:pPr algn="ctr"/>
-            <a:r>
-              <a:rPr lang="en-KR" sz="1000"/>
-              <a:t>1. K8s API server receives</a:t>
-            </a:r>
-          </a:p>
-          <a:p>
-            <a:pPr algn="ctr"/>
-            <a:r>
-              <a:rPr lang="en-KR" sz="1000"/>
-              <a:t>a pod </a:t>
-            </a:r>
-            <a:r>
-              <a:rPr lang="en-US" sz="1000"/>
-              <a:t>termination</a:t>
-            </a:r>
-            <a:r>
-              <a:rPr lang="ko-KR" altLang="en-US" sz="1000"/>
-              <a:t> </a:t>
-            </a:r>
-            <a:r>
-              <a:rPr lang="en-KR" altLang="ko-KR" sz="1000"/>
-              <a:t>r</a:t>
-            </a:r>
-            <a:r>
-              <a:rPr lang="en-KR" sz="1000"/>
-              <a:t>equest</a:t>
-            </a:r>
-          </a:p>
-        </p:txBody>
-      </p:sp>
-      <p:sp>
-        <p:nvSpPr>
-          <p:cNvPr id="142" name="TextBox 141">
-            <a:extLst>
-              <a:ext uri="{FF2B5EF4-FFF2-40B4-BE49-F238E27FC236}">
-                <a16:creationId xmlns:a16="http://schemas.microsoft.com/office/drawing/2014/main" id="{26B4938E-875C-A04F-9014-08091EE0215A}"/>
-              </a:ext>
-            </a:extLst>
-          </p:cNvPr>
-          <p:cNvSpPr txBox="1"/>
-          <p:nvPr/>
-        </p:nvSpPr>
-        <p:spPr>
-          <a:xfrm>
-            <a:off x="1448830" y="4417187"/>
-            <a:ext cx="1899030" cy="400110"/>
-          </a:xfrm>
-          <a:prstGeom prst="rect">
-            <a:avLst/>
-          </a:prstGeom>
-          <a:solidFill>
-            <a:schemeClr val="bg1"/>
-          </a:solidFill>
-        </p:spPr>
-        <p:txBody>
-          <a:bodyPr wrap="square" rtlCol="0">
-            <a:spAutoFit/>
-          </a:bodyPr>
-          <a:lstStyle/>
-          <a:p>
-            <a:pPr algn="ctr"/>
-            <a:r>
-              <a:rPr lang="en-KR" sz="1000"/>
-              <a:t>2. kubelet sends</a:t>
-            </a:r>
-            <a:r>
-              <a:rPr lang="ko-KR" altLang="en-US" sz="1000"/>
-              <a:t> </a:t>
-            </a:r>
-            <a:r>
-              <a:rPr lang="en-KR" sz="1000"/>
-              <a:t>SIGTERM </a:t>
-            </a:r>
-          </a:p>
-          <a:p>
-            <a:pPr algn="ctr"/>
-            <a:r>
-              <a:rPr lang="en-KR" sz="1000"/>
-              <a:t>signal</a:t>
-            </a:r>
-            <a:r>
-              <a:rPr lang="ko-KR" altLang="en-US" sz="1000"/>
-              <a:t> </a:t>
-            </a:r>
-            <a:r>
-              <a:rPr lang="en-US" sz="1000"/>
-              <a:t>t</a:t>
-            </a:r>
-            <a:r>
-              <a:rPr lang="en-KR" sz="1000"/>
-              <a:t>o pliot-agent</a:t>
-            </a:r>
-          </a:p>
-        </p:txBody>
-      </p:sp>
-      <p:cxnSp>
-        <p:nvCxnSpPr>
-          <p:cNvPr id="33" name="Straight Arrow Connector 32">
-            <a:extLst>
-              <a:ext uri="{FF2B5EF4-FFF2-40B4-BE49-F238E27FC236}">
-                <a16:creationId xmlns:a16="http://schemas.microsoft.com/office/drawing/2014/main" id="{20F10284-9C54-FB46-A151-71AEBFD5FA72}"/>
-              </a:ext>
-            </a:extLst>
-          </p:cNvPr>
-          <p:cNvCxnSpPr>
-            <a:cxnSpLocks/>
-          </p:cNvCxnSpPr>
-          <p:nvPr/>
-        </p:nvCxnSpPr>
-        <p:spPr>
-          <a:xfrm flipH="1">
-            <a:off x="2398345" y="627534"/>
-            <a:ext cx="4742930" cy="0"/>
-          </a:xfrm>
-          <a:prstGeom prst="straightConnector1">
-            <a:avLst/>
-          </a:prstGeom>
-          <a:ln w="12700">
-            <a:solidFill>
-              <a:schemeClr val="tx1"/>
-            </a:solidFill>
-            <a:prstDash val="solid"/>
-            <a:headEnd type="triangle" w="med" len="med"/>
-            <a:tailEnd type="triangle" w="med" len="med"/>
-          </a:ln>
-        </p:spPr>
-        <p:style>
-          <a:lnRef idx="1">
-            <a:schemeClr val="accent1"/>
-          </a:lnRef>
-          <a:fillRef idx="0">
-            <a:schemeClr val="accent1"/>
-          </a:fillRef>
-          <a:effectRef idx="0">
-            <a:schemeClr val="accent1"/>
-          </a:effectRef>
-          <a:fontRef idx="minor">
-            <a:schemeClr val="tx1"/>
-          </a:fontRef>
-        </p:style>
-      </p:cxnSp>
-      <p:sp>
-        <p:nvSpPr>
-          <p:cNvPr id="34" name="TextBox 33">
-            <a:extLst>
-              <a:ext uri="{FF2B5EF4-FFF2-40B4-BE49-F238E27FC236}">
-                <a16:creationId xmlns:a16="http://schemas.microsoft.com/office/drawing/2014/main" id="{A82D9337-B032-144A-9C37-F16DB283319A}"/>
-              </a:ext>
-            </a:extLst>
-          </p:cNvPr>
-          <p:cNvSpPr txBox="1"/>
-          <p:nvPr/>
-        </p:nvSpPr>
-        <p:spPr>
-          <a:xfrm>
-            <a:off x="3823513" y="385004"/>
-            <a:ext cx="1670650" cy="215444"/>
-          </a:xfrm>
-          <a:prstGeom prst="rect">
-            <a:avLst/>
-          </a:prstGeom>
-          <a:solidFill>
-            <a:schemeClr val="bg1"/>
-          </a:solidFill>
-        </p:spPr>
-        <p:txBody>
-          <a:bodyPr wrap="none" rtlCol="0">
-            <a:spAutoFit/>
-          </a:bodyPr>
-          <a:lstStyle/>
-          <a:p>
-            <a:pPr algn="ctr"/>
-            <a:r>
-              <a:rPr lang="en-US" sz="800"/>
-              <a:t>terminationGracePeriodSeconds</a:t>
-            </a:r>
-            <a:endParaRPr lang="en-KR" sz="800"/>
-          </a:p>
-        </p:txBody>
-      </p:sp>
-      <p:cxnSp>
-        <p:nvCxnSpPr>
-          <p:cNvPr id="37" name="Straight Arrow Connector 36">
-            <a:extLst>
-              <a:ext uri="{FF2B5EF4-FFF2-40B4-BE49-F238E27FC236}">
-                <a16:creationId xmlns:a16="http://schemas.microsoft.com/office/drawing/2014/main" id="{C05140B8-BEA8-454E-8C92-36C2577F773A}"/>
-              </a:ext>
-            </a:extLst>
-          </p:cNvPr>
-          <p:cNvCxnSpPr>
-            <a:cxnSpLocks/>
-          </p:cNvCxnSpPr>
-          <p:nvPr/>
-        </p:nvCxnSpPr>
-        <p:spPr>
-          <a:xfrm>
-            <a:off x="4881067" y="2326554"/>
-            <a:ext cx="0" cy="1235461"/>
-          </a:xfrm>
-          <a:prstGeom prst="straightConnector1">
-            <a:avLst/>
-          </a:prstGeom>
-          <a:ln w="12700">
-            <a:solidFill>
-              <a:schemeClr val="tx1"/>
-            </a:solidFill>
-            <a:prstDash val="dash"/>
-            <a:headEnd type="none" w="med" len="med"/>
-            <a:tailEnd type="none" w="med" len="med"/>
-          </a:ln>
-        </p:spPr>
-        <p:style>
-          <a:lnRef idx="1">
-            <a:schemeClr val="accent1"/>
-          </a:lnRef>
-          <a:fillRef idx="0">
-            <a:schemeClr val="accent1"/>
-          </a:fillRef>
-          <a:effectRef idx="0">
-            <a:schemeClr val="accent1"/>
-          </a:effectRef>
-          <a:fontRef idx="minor">
-            <a:schemeClr val="tx1"/>
-          </a:fontRef>
-        </p:style>
-      </p:cxnSp>
-      <p:cxnSp>
-        <p:nvCxnSpPr>
-          <p:cNvPr id="38" name="Straight Arrow Connector 37">
-            <a:extLst>
-              <a:ext uri="{FF2B5EF4-FFF2-40B4-BE49-F238E27FC236}">
-                <a16:creationId xmlns:a16="http://schemas.microsoft.com/office/drawing/2014/main" id="{03FBCEF2-35B5-2741-BB77-5C57D0DE3C80}"/>
-              </a:ext>
-            </a:extLst>
-          </p:cNvPr>
-          <p:cNvCxnSpPr>
-            <a:cxnSpLocks/>
-          </p:cNvCxnSpPr>
-          <p:nvPr/>
-        </p:nvCxnSpPr>
-        <p:spPr>
-          <a:xfrm>
-            <a:off x="7141282" y="627534"/>
-            <a:ext cx="0" cy="2934481"/>
-          </a:xfrm>
-          <a:prstGeom prst="straightConnector1">
-            <a:avLst/>
-          </a:prstGeom>
-          <a:ln w="12700">
-            <a:solidFill>
-              <a:schemeClr val="tx1"/>
-            </a:solidFill>
-            <a:prstDash val="dash"/>
-            <a:headEnd type="none" w="med" len="med"/>
-            <a:tailEnd type="none" w="med" len="med"/>
-          </a:ln>
-        </p:spPr>
-        <p:style>
-          <a:lnRef idx="1">
-            <a:schemeClr val="accent1"/>
-          </a:lnRef>
-          <a:fillRef idx="0">
-            <a:schemeClr val="accent1"/>
-          </a:fillRef>
-          <a:effectRef idx="0">
-            <a:schemeClr val="accent1"/>
-          </a:effectRef>
-          <a:fontRef idx="minor">
-            <a:schemeClr val="tx1"/>
-          </a:fontRef>
-        </p:style>
-      </p:cxnSp>
-      <p:cxnSp>
-        <p:nvCxnSpPr>
-          <p:cNvPr id="39" name="Straight Arrow Connector 38">
-            <a:extLst>
-              <a:ext uri="{FF2B5EF4-FFF2-40B4-BE49-F238E27FC236}">
-                <a16:creationId xmlns:a16="http://schemas.microsoft.com/office/drawing/2014/main" id="{9C76248E-DC1C-E447-89E1-A3F235E40337}"/>
-              </a:ext>
-            </a:extLst>
-          </p:cNvPr>
-          <p:cNvCxnSpPr>
-            <a:cxnSpLocks/>
-          </p:cNvCxnSpPr>
-          <p:nvPr/>
-        </p:nvCxnSpPr>
-        <p:spPr>
-          <a:xfrm flipH="1">
-            <a:off x="2398346" y="2427734"/>
-            <a:ext cx="2482721" cy="0"/>
-          </a:xfrm>
-          <a:prstGeom prst="straightConnector1">
-            <a:avLst/>
-          </a:prstGeom>
-          <a:ln w="12700">
-            <a:solidFill>
-              <a:schemeClr val="tx1"/>
-            </a:solidFill>
-            <a:prstDash val="solid"/>
-            <a:headEnd type="triangle" w="med" len="med"/>
-            <a:tailEnd type="triangle" w="med" len="med"/>
-          </a:ln>
-        </p:spPr>
-        <p:style>
-          <a:lnRef idx="1">
-            <a:schemeClr val="accent1"/>
-          </a:lnRef>
-          <a:fillRef idx="0">
-            <a:schemeClr val="accent1"/>
-          </a:fillRef>
-          <a:effectRef idx="0">
-            <a:schemeClr val="accent1"/>
-          </a:effectRef>
-          <a:fontRef idx="minor">
-            <a:schemeClr val="tx1"/>
-          </a:fontRef>
-        </p:style>
-      </p:cxnSp>
-      <p:sp>
-        <p:nvSpPr>
-          <p:cNvPr id="40" name="TextBox 39">
-            <a:extLst>
-              <a:ext uri="{FF2B5EF4-FFF2-40B4-BE49-F238E27FC236}">
-                <a16:creationId xmlns:a16="http://schemas.microsoft.com/office/drawing/2014/main" id="{4EF4A4E1-1DFA-2E4F-9681-E1618DE43572}"/>
-              </a:ext>
-            </a:extLst>
-          </p:cNvPr>
-          <p:cNvSpPr txBox="1"/>
-          <p:nvPr/>
-        </p:nvSpPr>
-        <p:spPr>
-          <a:xfrm>
-            <a:off x="2843808" y="2190537"/>
-            <a:ext cx="1585690" cy="215444"/>
-          </a:xfrm>
-          <a:prstGeom prst="rect">
-            <a:avLst/>
-          </a:prstGeom>
-          <a:solidFill>
-            <a:schemeClr val="bg1"/>
-          </a:solidFill>
-        </p:spPr>
-        <p:txBody>
-          <a:bodyPr wrap="none" rtlCol="0">
-            <a:spAutoFit/>
-          </a:bodyPr>
-          <a:lstStyle/>
-          <a:p>
-            <a:pPr algn="ctr"/>
-            <a:r>
-              <a:rPr lang="en-US" sz="800"/>
-              <a:t>MINIMUM_DRAIN_DURATION</a:t>
-            </a:r>
-            <a:endParaRPr lang="en-KR" sz="800"/>
-          </a:p>
-        </p:txBody>
-      </p:sp>
-      <p:cxnSp>
-        <p:nvCxnSpPr>
-          <p:cNvPr id="43" name="Straight Arrow Connector 42">
-            <a:extLst>
-              <a:ext uri="{FF2B5EF4-FFF2-40B4-BE49-F238E27FC236}">
-                <a16:creationId xmlns:a16="http://schemas.microsoft.com/office/drawing/2014/main" id="{E7E62BDB-4469-1B49-AB44-356389428D9A}"/>
-              </a:ext>
-            </a:extLst>
-          </p:cNvPr>
-          <p:cNvCxnSpPr>
-            <a:cxnSpLocks/>
-            <a:stCxn id="45" idx="0"/>
-          </p:cNvCxnSpPr>
-          <p:nvPr/>
-        </p:nvCxnSpPr>
-        <p:spPr>
-          <a:xfrm flipV="1">
-            <a:off x="4883112" y="3550691"/>
-            <a:ext cx="0" cy="869276"/>
-          </a:xfrm>
-          <a:prstGeom prst="straightConnector1">
-            <a:avLst/>
-          </a:prstGeom>
-          <a:ln w="12700">
-            <a:solidFill>
-              <a:schemeClr val="tx1"/>
-            </a:solidFill>
-            <a:prstDash val="dash"/>
-            <a:tailEnd type="triangle"/>
-          </a:ln>
-        </p:spPr>
-        <p:style>
-          <a:lnRef idx="1">
-            <a:schemeClr val="accent1"/>
-          </a:lnRef>
-          <a:fillRef idx="0">
-            <a:schemeClr val="accent1"/>
-          </a:fillRef>
-          <a:effectRef idx="0">
-            <a:schemeClr val="accent1"/>
-          </a:effectRef>
-          <a:fontRef idx="minor">
-            <a:schemeClr val="tx1"/>
-          </a:fontRef>
-        </p:style>
-      </p:cxnSp>
-      <p:sp>
-        <p:nvSpPr>
-          <p:cNvPr id="45" name="TextBox 44">
-            <a:extLst>
-              <a:ext uri="{FF2B5EF4-FFF2-40B4-BE49-F238E27FC236}">
-                <a16:creationId xmlns:a16="http://schemas.microsoft.com/office/drawing/2014/main" id="{C6376863-2ADD-784D-BD41-0B5E82910844}"/>
-              </a:ext>
-            </a:extLst>
-          </p:cNvPr>
-          <p:cNvSpPr txBox="1"/>
-          <p:nvPr/>
-        </p:nvSpPr>
-        <p:spPr>
-          <a:xfrm>
-            <a:off x="3918141" y="4419967"/>
-            <a:ext cx="1929942" cy="553998"/>
-          </a:xfrm>
-          <a:prstGeom prst="rect">
-            <a:avLst/>
-          </a:prstGeom>
-          <a:solidFill>
-            <a:schemeClr val="bg1"/>
-          </a:solidFill>
-        </p:spPr>
-        <p:txBody>
-          <a:bodyPr wrap="square" rtlCol="0">
-            <a:spAutoFit/>
-          </a:bodyPr>
-          <a:lstStyle/>
-          <a:p>
-            <a:pPr algn="ctr"/>
-            <a:r>
-              <a:rPr lang="en-KR" sz="1000"/>
-              <a:t>4. pilot-agent </a:t>
-            </a:r>
-            <a:r>
-              <a:rPr lang="en-US" sz="1000"/>
-              <a:t>set Envoy Proxy</a:t>
-            </a:r>
-          </a:p>
-          <a:p>
-            <a:pPr algn="ctr"/>
-            <a:r>
-              <a:rPr lang="en-US" sz="1000"/>
-              <a:t>to Drain Mode and check</a:t>
-            </a:r>
-          </a:p>
-          <a:p>
-            <a:pPr algn="ctr"/>
-            <a:r>
-              <a:rPr lang="en-US" sz="1000"/>
-              <a:t>connections</a:t>
-            </a:r>
-            <a:endParaRPr lang="en-KR" sz="1000"/>
-          </a:p>
-        </p:txBody>
-      </p:sp>
-      <p:sp>
-        <p:nvSpPr>
-          <p:cNvPr id="48" name="TextBox 47">
-            <a:extLst>
-              <a:ext uri="{FF2B5EF4-FFF2-40B4-BE49-F238E27FC236}">
-                <a16:creationId xmlns:a16="http://schemas.microsoft.com/office/drawing/2014/main" id="{4EDE311E-3277-A347-9C10-AD6384ED169D}"/>
-              </a:ext>
-            </a:extLst>
-          </p:cNvPr>
-          <p:cNvSpPr txBox="1"/>
-          <p:nvPr/>
-        </p:nvSpPr>
-        <p:spPr>
-          <a:xfrm>
-            <a:off x="3898058" y="3765572"/>
-            <a:ext cx="1521570" cy="553998"/>
-          </a:xfrm>
-          <a:prstGeom prst="rect">
-            <a:avLst/>
-          </a:prstGeom>
-          <a:solidFill>
-            <a:schemeClr val="bg1"/>
-          </a:solidFill>
-        </p:spPr>
-        <p:txBody>
-          <a:bodyPr wrap="none" rtlCol="0">
-            <a:spAutoFit/>
-          </a:bodyPr>
-          <a:lstStyle/>
-          <a:p>
-            <a:pPr algn="ctr"/>
-            <a:r>
-              <a:rPr lang="en-US" sz="1000"/>
-              <a:t>3. kube-proxy removes</a:t>
-            </a:r>
-          </a:p>
-          <a:p>
-            <a:pPr algn="ctr"/>
-            <a:r>
-              <a:rPr lang="en-US" sz="1000"/>
-              <a:t>forwarding rules for </a:t>
-            </a:r>
-          </a:p>
-          <a:p>
-            <a:pPr algn="ctr"/>
-            <a:r>
-              <a:rPr lang="en-US" sz="1000"/>
-              <a:t>the terminated pod </a:t>
-            </a:r>
-          </a:p>
-        </p:txBody>
-      </p:sp>
-      <p:cxnSp>
-        <p:nvCxnSpPr>
-          <p:cNvPr id="53" name="Straight Arrow Connector 52">
-            <a:extLst>
-              <a:ext uri="{FF2B5EF4-FFF2-40B4-BE49-F238E27FC236}">
-                <a16:creationId xmlns:a16="http://schemas.microsoft.com/office/drawing/2014/main" id="{D0A16FA5-C0E4-624F-BCB9-80AB326E0F07}"/>
-              </a:ext>
-            </a:extLst>
-          </p:cNvPr>
-          <p:cNvCxnSpPr>
-            <a:cxnSpLocks/>
-          </p:cNvCxnSpPr>
-          <p:nvPr/>
-        </p:nvCxnSpPr>
-        <p:spPr>
-          <a:xfrm>
-            <a:off x="6804235" y="2326554"/>
-            <a:ext cx="0" cy="1235461"/>
-          </a:xfrm>
-          <a:prstGeom prst="straightConnector1">
-            <a:avLst/>
-          </a:prstGeom>
-          <a:ln w="12700">
-            <a:solidFill>
-              <a:schemeClr val="tx1"/>
-            </a:solidFill>
-            <a:prstDash val="dash"/>
-            <a:headEnd type="none" w="med" len="med"/>
-            <a:tailEnd type="none" w="med" len="med"/>
-          </a:ln>
-        </p:spPr>
-        <p:style>
-          <a:lnRef idx="1">
-            <a:schemeClr val="accent1"/>
-          </a:lnRef>
-          <a:fillRef idx="0">
-            <a:schemeClr val="accent1"/>
-          </a:fillRef>
-          <a:effectRef idx="0">
-            <a:schemeClr val="accent1"/>
-          </a:effectRef>
-          <a:fontRef idx="minor">
-            <a:schemeClr val="tx1"/>
-          </a:fontRef>
-        </p:style>
-      </p:cxnSp>
-      <p:sp>
-        <p:nvSpPr>
-          <p:cNvPr id="55" name="TextBox 54">
-            <a:extLst>
-              <a:ext uri="{FF2B5EF4-FFF2-40B4-BE49-F238E27FC236}">
-                <a16:creationId xmlns:a16="http://schemas.microsoft.com/office/drawing/2014/main" id="{2910A9C4-710D-4B46-A542-1CB927D5A19F}"/>
-              </a:ext>
-            </a:extLst>
-          </p:cNvPr>
-          <p:cNvSpPr txBox="1"/>
-          <p:nvPr/>
-        </p:nvSpPr>
-        <p:spPr>
-          <a:xfrm>
-            <a:off x="5839264" y="3760240"/>
-            <a:ext cx="1929942" cy="400110"/>
-          </a:xfrm>
-          <a:prstGeom prst="rect">
-            <a:avLst/>
-          </a:prstGeom>
-          <a:solidFill>
-            <a:schemeClr val="bg1"/>
-          </a:solidFill>
-        </p:spPr>
-        <p:txBody>
-          <a:bodyPr wrap="square" rtlCol="0">
-            <a:spAutoFit/>
-          </a:bodyPr>
-          <a:lstStyle/>
-          <a:p>
-            <a:pPr algn="ctr"/>
-            <a:r>
-              <a:rPr lang="en-KR" sz="1000"/>
-              <a:t>5. pilot-agent wait and </a:t>
-            </a:r>
-          </a:p>
-          <a:p>
-            <a:pPr algn="ctr"/>
-            <a:r>
-              <a:rPr lang="en-US" sz="1000"/>
-              <a:t>remove Envoy Proxy</a:t>
-            </a:r>
-            <a:endParaRPr lang="en-KR" sz="1000"/>
-          </a:p>
-        </p:txBody>
-      </p:sp>
-      <p:cxnSp>
-        <p:nvCxnSpPr>
-          <p:cNvPr id="56" name="Straight Arrow Connector 55">
-            <a:extLst>
-              <a:ext uri="{FF2B5EF4-FFF2-40B4-BE49-F238E27FC236}">
-                <a16:creationId xmlns:a16="http://schemas.microsoft.com/office/drawing/2014/main" id="{3887B961-399F-DB46-BE89-CE10467CA28B}"/>
-              </a:ext>
-            </a:extLst>
-          </p:cNvPr>
-          <p:cNvCxnSpPr>
-            <a:cxnSpLocks/>
-          </p:cNvCxnSpPr>
-          <p:nvPr/>
-        </p:nvCxnSpPr>
-        <p:spPr>
-          <a:xfrm flipV="1">
-            <a:off x="6804235" y="3556346"/>
-            <a:ext cx="0" cy="209226"/>
-          </a:xfrm>
-          <a:prstGeom prst="straightConnector1">
-            <a:avLst/>
-          </a:prstGeom>
-          <a:ln w="12700">
-            <a:solidFill>
-              <a:schemeClr val="tx1"/>
-            </a:solidFill>
-            <a:prstDash val="dash"/>
-            <a:tailEnd type="triangle"/>
-          </a:ln>
-        </p:spPr>
-        <p:style>
-          <a:lnRef idx="1">
-            <a:schemeClr val="accent1"/>
-          </a:lnRef>
-          <a:fillRef idx="0">
-            <a:schemeClr val="accent1"/>
-          </a:fillRef>
-          <a:effectRef idx="0">
-            <a:schemeClr val="accent1"/>
-          </a:effectRef>
-          <a:fontRef idx="minor">
-            <a:schemeClr val="tx1"/>
-          </a:fontRef>
-        </p:style>
-      </p:cxnSp>
-      <p:cxnSp>
-        <p:nvCxnSpPr>
-          <p:cNvPr id="57" name="Straight Arrow Connector 56">
-            <a:extLst>
-              <a:ext uri="{FF2B5EF4-FFF2-40B4-BE49-F238E27FC236}">
-                <a16:creationId xmlns:a16="http://schemas.microsoft.com/office/drawing/2014/main" id="{8F5B8F05-8860-CA44-9A3B-205DF7C22B91}"/>
-              </a:ext>
-            </a:extLst>
-          </p:cNvPr>
-          <p:cNvCxnSpPr>
-            <a:cxnSpLocks/>
-          </p:cNvCxnSpPr>
-          <p:nvPr/>
-        </p:nvCxnSpPr>
-        <p:spPr>
-          <a:xfrm flipH="1">
-            <a:off x="4881068" y="2426714"/>
-            <a:ext cx="1923167" cy="0"/>
-          </a:xfrm>
-          <a:prstGeom prst="straightConnector1">
-            <a:avLst/>
-          </a:prstGeom>
-          <a:ln w="12700">
-            <a:solidFill>
-              <a:schemeClr val="tx1"/>
-            </a:solidFill>
-            <a:prstDash val="solid"/>
-            <a:headEnd type="triangle" w="med" len="med"/>
-            <a:tailEnd type="triangle" w="med" len="med"/>
-          </a:ln>
-        </p:spPr>
-        <p:style>
-          <a:lnRef idx="1">
-            <a:schemeClr val="accent1"/>
-          </a:lnRef>
-          <a:fillRef idx="0">
-            <a:schemeClr val="accent1"/>
-          </a:fillRef>
-          <a:effectRef idx="0">
-            <a:schemeClr val="accent1"/>
-          </a:effectRef>
-          <a:fontRef idx="minor">
-            <a:schemeClr val="tx1"/>
-          </a:fontRef>
-        </p:style>
-      </p:cxnSp>
-      <p:sp>
-        <p:nvSpPr>
-          <p:cNvPr id="60" name="TextBox 59">
-            <a:extLst>
-              <a:ext uri="{FF2B5EF4-FFF2-40B4-BE49-F238E27FC236}">
-                <a16:creationId xmlns:a16="http://schemas.microsoft.com/office/drawing/2014/main" id="{844A34B9-471B-C345-8C00-7A4851064234}"/>
-              </a:ext>
-            </a:extLst>
-          </p:cNvPr>
-          <p:cNvSpPr txBox="1"/>
-          <p:nvPr/>
-        </p:nvSpPr>
-        <p:spPr>
-          <a:xfrm>
-            <a:off x="5168882" y="2190537"/>
-            <a:ext cx="1372491" cy="215444"/>
-          </a:xfrm>
-          <a:prstGeom prst="rect">
-            <a:avLst/>
-          </a:prstGeom>
-          <a:solidFill>
-            <a:schemeClr val="bg1"/>
-          </a:solidFill>
-        </p:spPr>
-        <p:txBody>
-          <a:bodyPr wrap="none" rtlCol="0">
-            <a:spAutoFit/>
-          </a:bodyPr>
-          <a:lstStyle/>
-          <a:p>
-            <a:pPr algn="ctr"/>
-            <a:r>
-              <a:rPr lang="en-US" sz="800"/>
-              <a:t>terminationDrainDuration</a:t>
-            </a:r>
-            <a:endParaRPr lang="en-KR" sz="800"/>
           </a:p>
         </p:txBody>
       </p:sp>
@@ -8728,7 +8595,7 @@
         <p:spPr>
           <a:xfrm>
             <a:off x="1115619" y="3052293"/>
-            <a:ext cx="5472606" cy="360036"/>
+            <a:ext cx="3240357" cy="360036"/>
           </a:xfrm>
           <a:prstGeom prst="roundRect">
             <a:avLst>
@@ -8779,7 +8646,7 @@
         <p:spPr>
           <a:xfrm>
             <a:off x="1115618" y="2544447"/>
-            <a:ext cx="5472606" cy="360036"/>
+            <a:ext cx="3240359" cy="360036"/>
           </a:xfrm>
           <a:prstGeom prst="roundRect">
             <a:avLst>
@@ -9131,7 +8998,7 @@
                   <a:schemeClr val="tx2"/>
                 </a:solidFill>
               </a:rPr>
-              <a:t>Request Delivery Time</a:t>
+              <a:t>Request Delivery</a:t>
             </a:r>
           </a:p>
           <a:p>
@@ -9214,7 +9081,7 @@
                   <a:schemeClr val="tx2"/>
                 </a:solidFill>
               </a:rPr>
-              <a:t>kubelet Processing Time</a:t>
+              <a:t>kubelet Processing</a:t>
             </a:r>
             <a:endParaRPr lang="ko-KR" altLang="en-US" sz="800">
               <a:solidFill>
@@ -9553,7 +9420,7 @@
                   <a:schemeClr val="accent2"/>
                 </a:solidFill>
               </a:rPr>
-              <a:t>Endpoint Slice Controller</a:t>
+              <a:t>Istiod</a:t>
             </a:r>
             <a:br>
               <a:rPr lang="en-US" altLang="ko-KR" sz="800">
@@ -9568,7 +9435,7 @@
                   <a:schemeClr val="accent2"/>
                 </a:solidFill>
               </a:rPr>
-              <a:t>Processing Time</a:t>
+              <a:t>Processing</a:t>
             </a:r>
             <a:endParaRPr lang="ko-KR" altLang="en-US" sz="800">
               <a:solidFill>
@@ -9631,7 +9498,7 @@
                   <a:schemeClr val="accent2"/>
                 </a:solidFill>
               </a:rPr>
-              <a:t>kube-proxy</a:t>
+              <a:t>Envoy Proxy</a:t>
             </a:r>
           </a:p>
           <a:p>
@@ -9642,7 +9509,7 @@
                   <a:schemeClr val="accent2"/>
                 </a:solidFill>
               </a:rPr>
-              <a:t>Processing Time</a:t>
+              <a:t>Processing</a:t>
             </a:r>
             <a:endParaRPr lang="ko-KR" altLang="en-US" sz="800">
               <a:solidFill>
@@ -9652,12 +9519,151 @@
           </a:p>
         </p:txBody>
       </p:sp>
-      <p:sp>
-        <p:nvSpPr>
-          <p:cNvPr id="89" name="사각형: 둥근 모서리 36">
-            <a:extLst>
-              <a:ext uri="{FF2B5EF4-FFF2-40B4-BE49-F238E27FC236}">
-                <a16:creationId xmlns:a16="http://schemas.microsoft.com/office/drawing/2014/main" id="{0DDCFB2E-438E-F84A-9A4C-88C52EECD6B7}"/>
+      <p:cxnSp>
+        <p:nvCxnSpPr>
+          <p:cNvPr id="90" name="Straight Arrow Connector 89">
+            <a:extLst>
+              <a:ext uri="{FF2B5EF4-FFF2-40B4-BE49-F238E27FC236}">
+                <a16:creationId xmlns:a16="http://schemas.microsoft.com/office/drawing/2014/main" id="{564822DF-4B24-D448-92F0-85512728D326}"/>
+              </a:ext>
+            </a:extLst>
+          </p:cNvPr>
+          <p:cNvCxnSpPr>
+            <a:cxnSpLocks/>
+          </p:cNvCxnSpPr>
+          <p:nvPr/>
+        </p:nvCxnSpPr>
+        <p:spPr>
+          <a:xfrm flipH="1" flipV="1">
+            <a:off x="536574" y="1202684"/>
+            <a:ext cx="1647786" cy="277243"/>
+          </a:xfrm>
+          <a:prstGeom prst="straightConnector1">
+            <a:avLst/>
+          </a:prstGeom>
+          <a:ln w="12700">
+            <a:solidFill>
+              <a:schemeClr val="accent2"/>
+            </a:solidFill>
+            <a:prstDash val="solid"/>
+            <a:headEnd type="none" w="med" len="med"/>
+            <a:tailEnd type="none" w="med" len="med"/>
+          </a:ln>
+        </p:spPr>
+        <p:style>
+          <a:lnRef idx="1">
+            <a:schemeClr val="accent1"/>
+          </a:lnRef>
+          <a:fillRef idx="0">
+            <a:schemeClr val="accent1"/>
+          </a:fillRef>
+          <a:effectRef idx="0">
+            <a:schemeClr val="accent1"/>
+          </a:effectRef>
+          <a:fontRef idx="minor">
+            <a:schemeClr val="tx1"/>
+          </a:fontRef>
+        </p:style>
+      </p:cxnSp>
+      <p:cxnSp>
+        <p:nvCxnSpPr>
+          <p:cNvPr id="93" name="Straight Arrow Connector 92">
+            <a:extLst>
+              <a:ext uri="{FF2B5EF4-FFF2-40B4-BE49-F238E27FC236}">
+                <a16:creationId xmlns:a16="http://schemas.microsoft.com/office/drawing/2014/main" id="{15EFB21E-3A59-1844-A5F9-2CEA238BC4A0}"/>
+              </a:ext>
+            </a:extLst>
+          </p:cNvPr>
+          <p:cNvCxnSpPr>
+            <a:cxnSpLocks/>
+          </p:cNvCxnSpPr>
+          <p:nvPr/>
+        </p:nvCxnSpPr>
+        <p:spPr>
+          <a:xfrm flipH="1">
+            <a:off x="4658838" y="1202684"/>
+            <a:ext cx="3490292" cy="265918"/>
+          </a:xfrm>
+          <a:prstGeom prst="straightConnector1">
+            <a:avLst/>
+          </a:prstGeom>
+          <a:ln w="12700">
+            <a:solidFill>
+              <a:schemeClr val="accent2"/>
+            </a:solidFill>
+            <a:prstDash val="solid"/>
+            <a:headEnd type="none" w="med" len="med"/>
+            <a:tailEnd type="none" w="med" len="med"/>
+          </a:ln>
+        </p:spPr>
+        <p:style>
+          <a:lnRef idx="1">
+            <a:schemeClr val="accent1"/>
+          </a:lnRef>
+          <a:fillRef idx="0">
+            <a:schemeClr val="accent1"/>
+          </a:fillRef>
+          <a:effectRef idx="0">
+            <a:schemeClr val="accent1"/>
+          </a:effectRef>
+          <a:fontRef idx="minor">
+            <a:schemeClr val="tx1"/>
+          </a:fontRef>
+        </p:style>
+      </p:cxnSp>
+      <p:sp>
+        <p:nvSpPr>
+          <p:cNvPr id="96" name="TextBox 95">
+            <a:extLst>
+              <a:ext uri="{FF2B5EF4-FFF2-40B4-BE49-F238E27FC236}">
+                <a16:creationId xmlns:a16="http://schemas.microsoft.com/office/drawing/2014/main" id="{4085EB01-1D8F-5140-BE44-BBD28A468F89}"/>
+              </a:ext>
+            </a:extLst>
+          </p:cNvPr>
+          <p:cNvSpPr txBox="1"/>
+          <p:nvPr/>
+        </p:nvSpPr>
+        <p:spPr>
+          <a:xfrm>
+            <a:off x="2553297" y="1247845"/>
+            <a:ext cx="1736373" cy="215444"/>
+          </a:xfrm>
+          <a:prstGeom prst="rect">
+            <a:avLst/>
+          </a:prstGeom>
+          <a:solidFill>
+            <a:schemeClr val="bg1"/>
+          </a:solidFill>
+        </p:spPr>
+        <p:txBody>
+          <a:bodyPr wrap="none" rtlCol="0">
+            <a:spAutoFit/>
+          </a:bodyPr>
+          <a:lstStyle/>
+          <a:p>
+            <a:pPr algn="ctr"/>
+            <a:r>
+              <a:rPr lang="en-US" sz="800" b="1">
+                <a:solidFill>
+                  <a:schemeClr val="accent2"/>
+                </a:solidFill>
+              </a:rPr>
+              <a:t>Envoy Proxy Propagation Delay</a:t>
+            </a:r>
+            <a:endParaRPr lang="en-KR" sz="800" b="1">
+              <a:solidFill>
+                <a:schemeClr val="accent2"/>
+              </a:solidFill>
+            </a:endParaRPr>
+          </a:p>
+        </p:txBody>
+      </p:sp>
+      <p:sp>
+        <p:nvSpPr>
+          <p:cNvPr id="131" name="사각형: 둥근 모서리 36">
+            <a:extLst>
+              <a:ext uri="{FF2B5EF4-FFF2-40B4-BE49-F238E27FC236}">
+                <a16:creationId xmlns:a16="http://schemas.microsoft.com/office/drawing/2014/main" id="{9A03A025-F8ED-BE46-AB25-ED5F8B7EB4C7}"/>
               </a:ext>
             </a:extLst>
           </p:cNvPr>
@@ -9666,8 +9672,8 @@
         </p:nvSpPr>
         <p:spPr>
           <a:xfrm>
-            <a:off x="4206973" y="908508"/>
-            <a:ext cx="3000373" cy="294176"/>
+            <a:off x="539552" y="908508"/>
+            <a:ext cx="2246387" cy="294176"/>
           </a:xfrm>
           <a:prstGeom prst="roundRect">
             <a:avLst>
@@ -9705,7 +9711,7 @@
                   <a:schemeClr val="accent2"/>
                 </a:solidFill>
               </a:rPr>
-              <a:t>Request Delivery Time</a:t>
+              <a:t>Request Delivery</a:t>
             </a:r>
           </a:p>
           <a:p>
@@ -9716,7 +9722,7 @@
                   <a:schemeClr val="accent2"/>
                 </a:solidFill>
               </a:rPr>
-              <a:t>(Endpoint Slice Controller </a:t>
+              <a:t>(K8s API Server </a:t>
             </a:r>
             <a:r>
               <a:rPr lang="en-US" altLang="ko-KR" sz="800">
@@ -9725,24 +9731,7 @@
                 </a:solidFill>
                 <a:sym typeface="Wingdings" pitchFamily="2" charset="2"/>
               </a:rPr>
-              <a:t> </a:t>
-            </a:r>
-            <a:r>
-              <a:rPr lang="en-US" altLang="ko-KR" sz="800">
-                <a:solidFill>
-                  <a:schemeClr val="accent2"/>
-                </a:solidFill>
-              </a:rPr>
-              <a:t>K8s API Server </a:t>
-            </a:r>
-            <a:r>
-              <a:rPr lang="en-US" altLang="ko-KR" sz="800">
-                <a:solidFill>
-                  <a:schemeClr val="accent2"/>
-                </a:solidFill>
-                <a:sym typeface="Wingdings" pitchFamily="2" charset="2"/>
-              </a:rPr>
-              <a:t> kube-proxy)</a:t>
+              <a:t> Istiod)</a:t>
             </a:r>
             <a:endParaRPr lang="ko-KR" altLang="en-US" sz="800">
               <a:solidFill>
@@ -9754,10 +9743,10 @@
       </p:sp>
       <p:cxnSp>
         <p:nvCxnSpPr>
-          <p:cNvPr id="90" name="Straight Arrow Connector 89">
-            <a:extLst>
-              <a:ext uri="{FF2B5EF4-FFF2-40B4-BE49-F238E27FC236}">
-                <a16:creationId xmlns:a16="http://schemas.microsoft.com/office/drawing/2014/main" id="{564822DF-4B24-D448-92F0-85512728D326}"/>
+          <p:cNvPr id="134" name="Straight Arrow Connector 133">
+            <a:extLst>
+              <a:ext uri="{FF2B5EF4-FFF2-40B4-BE49-F238E27FC236}">
+                <a16:creationId xmlns:a16="http://schemas.microsoft.com/office/drawing/2014/main" id="{5592B061-9C71-304C-B220-8167474B7D0C}"/>
               </a:ext>
             </a:extLst>
           </p:cNvPr>
@@ -9767,18 +9756,305 @@
           <p:nvPr/>
         </p:nvCxnSpPr>
         <p:spPr>
-          <a:xfrm flipH="1" flipV="1">
-            <a:off x="536574" y="1202684"/>
-            <a:ext cx="1647786" cy="277243"/>
+          <a:xfrm flipV="1">
+            <a:off x="2398345" y="3562017"/>
+            <a:ext cx="0" cy="757553"/>
           </a:xfrm>
           <a:prstGeom prst="straightConnector1">
             <a:avLst/>
           </a:prstGeom>
           <a:ln w="12700">
             <a:solidFill>
-              <a:schemeClr val="accent2"/>
+              <a:schemeClr val="tx1"/>
+            </a:solidFill>
+            <a:prstDash val="dash"/>
+            <a:tailEnd type="triangle"/>
+          </a:ln>
+        </p:spPr>
+        <p:style>
+          <a:lnRef idx="1">
+            <a:schemeClr val="accent1"/>
+          </a:lnRef>
+          <a:fillRef idx="0">
+            <a:schemeClr val="accent1"/>
+          </a:fillRef>
+          <a:effectRef idx="0">
+            <a:schemeClr val="accent1"/>
+          </a:effectRef>
+          <a:fontRef idx="minor">
+            <a:schemeClr val="tx1"/>
+          </a:fontRef>
+        </p:style>
+      </p:cxnSp>
+      <p:sp>
+        <p:nvSpPr>
+          <p:cNvPr id="137" name="TextBox 136">
+            <a:extLst>
+              <a:ext uri="{FF2B5EF4-FFF2-40B4-BE49-F238E27FC236}">
+                <a16:creationId xmlns:a16="http://schemas.microsoft.com/office/drawing/2014/main" id="{9A08028C-9D93-3E4D-BB52-9723D38F03EF}"/>
+              </a:ext>
+            </a:extLst>
+          </p:cNvPr>
+          <p:cNvSpPr txBox="1"/>
+          <p:nvPr/>
+        </p:nvSpPr>
+        <p:spPr>
+          <a:xfrm>
+            <a:off x="1309883" y="3765572"/>
+            <a:ext cx="1749946" cy="400110"/>
+          </a:xfrm>
+          <a:prstGeom prst="rect">
+            <a:avLst/>
+          </a:prstGeom>
+          <a:solidFill>
+            <a:schemeClr val="bg1"/>
+          </a:solidFill>
+        </p:spPr>
+        <p:txBody>
+          <a:bodyPr wrap="square" rtlCol="0">
+            <a:spAutoFit/>
+          </a:bodyPr>
+          <a:lstStyle/>
+          <a:p>
+            <a:pPr algn="ctr"/>
+            <a:r>
+              <a:rPr lang="en-KR" sz="1000"/>
+              <a:t>1. K8s API server receives</a:t>
+            </a:r>
+          </a:p>
+          <a:p>
+            <a:pPr algn="ctr"/>
+            <a:r>
+              <a:rPr lang="en-KR" sz="1000"/>
+              <a:t>a pod </a:t>
+            </a:r>
+            <a:r>
+              <a:rPr lang="en-US" sz="1000"/>
+              <a:t>termination</a:t>
+            </a:r>
+            <a:r>
+              <a:rPr lang="ko-KR" altLang="en-US" sz="1000"/>
+              <a:t> </a:t>
+            </a:r>
+            <a:r>
+              <a:rPr lang="en-KR" altLang="ko-KR" sz="1000"/>
+              <a:t>r</a:t>
+            </a:r>
+            <a:r>
+              <a:rPr lang="en-KR" sz="1000"/>
+              <a:t>equest</a:t>
+            </a:r>
+          </a:p>
+        </p:txBody>
+      </p:sp>
+      <p:sp>
+        <p:nvSpPr>
+          <p:cNvPr id="142" name="TextBox 141">
+            <a:extLst>
+              <a:ext uri="{FF2B5EF4-FFF2-40B4-BE49-F238E27FC236}">
+                <a16:creationId xmlns:a16="http://schemas.microsoft.com/office/drawing/2014/main" id="{26B4938E-875C-A04F-9014-08091EE0215A}"/>
+              </a:ext>
+            </a:extLst>
+          </p:cNvPr>
+          <p:cNvSpPr txBox="1"/>
+          <p:nvPr/>
+        </p:nvSpPr>
+        <p:spPr>
+          <a:xfrm>
+            <a:off x="1376820" y="4319702"/>
+            <a:ext cx="2043050" cy="707886"/>
+          </a:xfrm>
+          <a:prstGeom prst="rect">
+            <a:avLst/>
+          </a:prstGeom>
+          <a:solidFill>
+            <a:schemeClr val="bg1"/>
+          </a:solidFill>
+        </p:spPr>
+        <p:txBody>
+          <a:bodyPr wrap="square" rtlCol="0">
+            <a:spAutoFit/>
+          </a:bodyPr>
+          <a:lstStyle/>
+          <a:p>
+            <a:pPr algn="ctr"/>
+            <a:r>
+              <a:rPr lang="en-KR" sz="1000"/>
+              <a:t>2. kubelet sends</a:t>
+            </a:r>
+            <a:r>
+              <a:rPr lang="ko-KR" altLang="en-US" sz="1000"/>
+              <a:t> </a:t>
+            </a:r>
+            <a:r>
+              <a:rPr lang="en-KR" sz="1000"/>
+              <a:t>SIGTERM </a:t>
+            </a:r>
+          </a:p>
+          <a:p>
+            <a:pPr algn="ctr"/>
+            <a:r>
+              <a:rPr lang="en-KR" sz="1000"/>
+              <a:t>signal</a:t>
+            </a:r>
+            <a:r>
+              <a:rPr lang="ko-KR" altLang="en-US" sz="1000"/>
+              <a:t> </a:t>
+            </a:r>
+            <a:r>
+              <a:rPr lang="en-US" sz="1000"/>
+              <a:t>t</a:t>
+            </a:r>
+            <a:r>
+              <a:rPr lang="en-KR" sz="1000"/>
+              <a:t>o pliot-agent</a:t>
+            </a:r>
+            <a:br>
+              <a:rPr lang="en-KR" sz="1000"/>
+            </a:br>
+            <a:r>
+              <a:rPr lang="en-US" altLang="ko-KR" sz="1000"/>
+              <a:t>3</a:t>
+            </a:r>
+            <a:r>
+              <a:rPr lang="en-KR" sz="1000"/>
+              <a:t>. pilot-agent </a:t>
+            </a:r>
+            <a:r>
+              <a:rPr lang="en-US" sz="1000"/>
+              <a:t>sets envoy </a:t>
+            </a:r>
+            <a:r>
+              <a:rPr lang="en-US" altLang="ko-KR" sz="1000"/>
+              <a:t>p</a:t>
+            </a:r>
+            <a:r>
+              <a:rPr lang="en-US" sz="1000"/>
+              <a:t>roxy</a:t>
+            </a:r>
+          </a:p>
+          <a:p>
+            <a:pPr algn="ctr"/>
+            <a:r>
+              <a:rPr lang="en-US" sz="1000"/>
+              <a:t>to drain mode and wait</a:t>
+            </a:r>
+            <a:endParaRPr lang="en-KR" sz="1000"/>
+          </a:p>
+        </p:txBody>
+      </p:sp>
+      <p:cxnSp>
+        <p:nvCxnSpPr>
+          <p:cNvPr id="33" name="Straight Arrow Connector 32">
+            <a:extLst>
+              <a:ext uri="{FF2B5EF4-FFF2-40B4-BE49-F238E27FC236}">
+                <a16:creationId xmlns:a16="http://schemas.microsoft.com/office/drawing/2014/main" id="{20F10284-9C54-FB46-A151-71AEBFD5FA72}"/>
+              </a:ext>
+            </a:extLst>
+          </p:cNvPr>
+          <p:cNvCxnSpPr>
+            <a:cxnSpLocks/>
+          </p:cNvCxnSpPr>
+          <p:nvPr/>
+        </p:nvCxnSpPr>
+        <p:spPr>
+          <a:xfrm flipH="1">
+            <a:off x="2398345" y="627534"/>
+            <a:ext cx="4742930" cy="0"/>
+          </a:xfrm>
+          <a:prstGeom prst="straightConnector1">
+            <a:avLst/>
+          </a:prstGeom>
+          <a:ln w="12700">
+            <a:solidFill>
+              <a:schemeClr val="tx1"/>
             </a:solidFill>
             <a:prstDash val="solid"/>
+            <a:headEnd type="triangle" w="med" len="med"/>
+            <a:tailEnd type="triangle" w="med" len="med"/>
+          </a:ln>
+        </p:spPr>
+        <p:style>
+          <a:lnRef idx="1">
+            <a:schemeClr val="accent1"/>
+          </a:lnRef>
+          <a:fillRef idx="0">
+            <a:schemeClr val="accent1"/>
+          </a:fillRef>
+          <a:effectRef idx="0">
+            <a:schemeClr val="accent1"/>
+          </a:effectRef>
+          <a:fontRef idx="minor">
+            <a:schemeClr val="tx1"/>
+          </a:fontRef>
+        </p:style>
+      </p:cxnSp>
+      <p:sp>
+        <p:nvSpPr>
+          <p:cNvPr id="34" name="TextBox 33">
+            <a:extLst>
+              <a:ext uri="{FF2B5EF4-FFF2-40B4-BE49-F238E27FC236}">
+                <a16:creationId xmlns:a16="http://schemas.microsoft.com/office/drawing/2014/main" id="{A82D9337-B032-144A-9C37-F16DB283319A}"/>
+              </a:ext>
+            </a:extLst>
+          </p:cNvPr>
+          <p:cNvSpPr txBox="1"/>
+          <p:nvPr/>
+        </p:nvSpPr>
+        <p:spPr>
+          <a:xfrm>
+            <a:off x="3823513" y="385004"/>
+            <a:ext cx="1670650" cy="215444"/>
+          </a:xfrm>
+          <a:prstGeom prst="rect">
+            <a:avLst/>
+          </a:prstGeom>
+          <a:solidFill>
+            <a:schemeClr val="bg1"/>
+          </a:solidFill>
+        </p:spPr>
+        <p:txBody>
+          <a:bodyPr wrap="none" rtlCol="0">
+            <a:spAutoFit/>
+          </a:bodyPr>
+          <a:lstStyle/>
+          <a:p>
+            <a:pPr algn="ctr"/>
+            <a:r>
+              <a:rPr lang="en-US" sz="800"/>
+              <a:t>terminationGracePeriodSeconds</a:t>
+            </a:r>
+            <a:endParaRPr lang="en-KR" sz="800"/>
+          </a:p>
+        </p:txBody>
+      </p:sp>
+      <p:cxnSp>
+        <p:nvCxnSpPr>
+          <p:cNvPr id="37" name="Straight Arrow Connector 36">
+            <a:extLst>
+              <a:ext uri="{FF2B5EF4-FFF2-40B4-BE49-F238E27FC236}">
+                <a16:creationId xmlns:a16="http://schemas.microsoft.com/office/drawing/2014/main" id="{C05140B8-BEA8-454E-8C92-36C2577F773A}"/>
+              </a:ext>
+            </a:extLst>
+          </p:cNvPr>
+          <p:cNvCxnSpPr>
+            <a:cxnSpLocks/>
+          </p:cNvCxnSpPr>
+          <p:nvPr/>
+        </p:nvCxnSpPr>
+        <p:spPr>
+          <a:xfrm>
+            <a:off x="4355976" y="2326554"/>
+            <a:ext cx="0" cy="1235461"/>
+          </a:xfrm>
+          <a:prstGeom prst="straightConnector1">
+            <a:avLst/>
+          </a:prstGeom>
+          <a:ln w="12700">
+            <a:solidFill>
+              <a:schemeClr val="tx1"/>
+            </a:solidFill>
+            <a:prstDash val="dash"/>
             <a:headEnd type="none" w="med" len="med"/>
             <a:tailEnd type="none" w="med" len="med"/>
           </a:ln>
@@ -9800,10 +10076,10 @@
       </p:cxnSp>
       <p:cxnSp>
         <p:nvCxnSpPr>
-          <p:cNvPr id="93" name="Straight Arrow Connector 92">
-            <a:extLst>
-              <a:ext uri="{FF2B5EF4-FFF2-40B4-BE49-F238E27FC236}">
-                <a16:creationId xmlns:a16="http://schemas.microsoft.com/office/drawing/2014/main" id="{15EFB21E-3A59-1844-A5F9-2CEA238BC4A0}"/>
+          <p:cNvPr id="38" name="Straight Arrow Connector 37">
+            <a:extLst>
+              <a:ext uri="{FF2B5EF4-FFF2-40B4-BE49-F238E27FC236}">
+                <a16:creationId xmlns:a16="http://schemas.microsoft.com/office/drawing/2014/main" id="{03FBCEF2-35B5-2741-BB77-5C57D0DE3C80}"/>
               </a:ext>
             </a:extLst>
           </p:cNvPr>
@@ -9813,18 +10089,18 @@
           <p:nvPr/>
         </p:nvCxnSpPr>
         <p:spPr>
-          <a:xfrm flipH="1">
-            <a:off x="4658838" y="1202684"/>
-            <a:ext cx="3490292" cy="265918"/>
+          <a:xfrm>
+            <a:off x="7141282" y="627534"/>
+            <a:ext cx="0" cy="2934481"/>
           </a:xfrm>
           <a:prstGeom prst="straightConnector1">
             <a:avLst/>
           </a:prstGeom>
           <a:ln w="12700">
             <a:solidFill>
-              <a:schemeClr val="accent2"/>
+              <a:schemeClr val="tx1"/>
             </a:solidFill>
-            <a:prstDash val="solid"/>
+            <a:prstDash val="dash"/>
             <a:headEnd type="none" w="med" len="med"/>
             <a:tailEnd type="none" w="med" len="med"/>
           </a:ln>
@@ -9844,12 +10120,104 @@
           </a:fontRef>
         </p:style>
       </p:cxnSp>
-      <p:sp>
-        <p:nvSpPr>
-          <p:cNvPr id="96" name="TextBox 95">
-            <a:extLst>
-              <a:ext uri="{FF2B5EF4-FFF2-40B4-BE49-F238E27FC236}">
-                <a16:creationId xmlns:a16="http://schemas.microsoft.com/office/drawing/2014/main" id="{4085EB01-1D8F-5140-BE44-BBD28A468F89}"/>
+      <p:cxnSp>
+        <p:nvCxnSpPr>
+          <p:cNvPr id="39" name="Straight Arrow Connector 38">
+            <a:extLst>
+              <a:ext uri="{FF2B5EF4-FFF2-40B4-BE49-F238E27FC236}">
+                <a16:creationId xmlns:a16="http://schemas.microsoft.com/office/drawing/2014/main" id="{9C76248E-DC1C-E447-89E1-A3F235E40337}"/>
+              </a:ext>
+            </a:extLst>
+          </p:cNvPr>
+          <p:cNvCxnSpPr>
+            <a:cxnSpLocks/>
+          </p:cNvCxnSpPr>
+          <p:nvPr/>
+        </p:nvCxnSpPr>
+        <p:spPr>
+          <a:xfrm flipH="1">
+            <a:off x="2398346" y="2427734"/>
+            <a:ext cx="2482721" cy="0"/>
+          </a:xfrm>
+          <a:prstGeom prst="straightConnector1">
+            <a:avLst/>
+          </a:prstGeom>
+          <a:ln w="12700">
+            <a:solidFill>
+              <a:schemeClr val="tx1"/>
+            </a:solidFill>
+            <a:prstDash val="solid"/>
+            <a:headEnd type="triangle" w="med" len="med"/>
+            <a:tailEnd type="triangle" w="med" len="med"/>
+          </a:ln>
+        </p:spPr>
+        <p:style>
+          <a:lnRef idx="1">
+            <a:schemeClr val="accent1"/>
+          </a:lnRef>
+          <a:fillRef idx="0">
+            <a:schemeClr val="accent1"/>
+          </a:fillRef>
+          <a:effectRef idx="0">
+            <a:schemeClr val="accent1"/>
+          </a:effectRef>
+          <a:fontRef idx="minor">
+            <a:schemeClr val="tx1"/>
+          </a:fontRef>
+        </p:style>
+      </p:cxnSp>
+      <p:cxnSp>
+        <p:nvCxnSpPr>
+          <p:cNvPr id="43" name="Straight Arrow Connector 42">
+            <a:extLst>
+              <a:ext uri="{FF2B5EF4-FFF2-40B4-BE49-F238E27FC236}">
+                <a16:creationId xmlns:a16="http://schemas.microsoft.com/office/drawing/2014/main" id="{E7E62BDB-4469-1B49-AB44-356389428D9A}"/>
+              </a:ext>
+            </a:extLst>
+          </p:cNvPr>
+          <p:cNvCxnSpPr>
+            <a:cxnSpLocks/>
+            <a:stCxn id="45" idx="0"/>
+          </p:cNvCxnSpPr>
+          <p:nvPr/>
+        </p:nvCxnSpPr>
+        <p:spPr>
+          <a:xfrm flipV="1">
+            <a:off x="4358021" y="3550691"/>
+            <a:ext cx="0" cy="869276"/>
+          </a:xfrm>
+          <a:prstGeom prst="straightConnector1">
+            <a:avLst/>
+          </a:prstGeom>
+          <a:ln w="12700">
+            <a:solidFill>
+              <a:schemeClr val="tx1"/>
+            </a:solidFill>
+            <a:prstDash val="dash"/>
+            <a:tailEnd type="triangle"/>
+          </a:ln>
+        </p:spPr>
+        <p:style>
+          <a:lnRef idx="1">
+            <a:schemeClr val="accent1"/>
+          </a:lnRef>
+          <a:fillRef idx="0">
+            <a:schemeClr val="accent1"/>
+          </a:fillRef>
+          <a:effectRef idx="0">
+            <a:schemeClr val="accent1"/>
+          </a:effectRef>
+          <a:fontRef idx="minor">
+            <a:schemeClr val="tx1"/>
+          </a:fontRef>
+        </p:style>
+      </p:cxnSp>
+      <p:sp>
+        <p:nvSpPr>
+          <p:cNvPr id="45" name="TextBox 44">
+            <a:extLst>
+              <a:ext uri="{FF2B5EF4-FFF2-40B4-BE49-F238E27FC236}">
+                <a16:creationId xmlns:a16="http://schemas.microsoft.com/office/drawing/2014/main" id="{C6376863-2ADD-784D-BD41-0B5E82910844}"/>
               </a:ext>
             </a:extLst>
           </p:cNvPr>
@@ -9858,8 +10226,8 @@
         </p:nvSpPr>
         <p:spPr>
           <a:xfrm>
-            <a:off x="2505203" y="1247845"/>
-            <a:ext cx="1832553" cy="215444"/>
+            <a:off x="3393050" y="4419967"/>
+            <a:ext cx="1929942" cy="400110"/>
           </a:xfrm>
           <a:prstGeom prst="rect">
             <a:avLst/>
@@ -9869,6 +10237,60 @@
           </a:solidFill>
         </p:spPr>
         <p:txBody>
+          <a:bodyPr wrap="square" rtlCol="0">
+            <a:spAutoFit/>
+          </a:bodyPr>
+          <a:lstStyle/>
+          <a:p>
+            <a:pPr algn="ctr"/>
+            <a:r>
+              <a:rPr lang="en-US" sz="1000"/>
+              <a:t>4</a:t>
+            </a:r>
+            <a:r>
+              <a:rPr lang="en-KR" sz="1000"/>
+              <a:t>. pilot-agent </a:t>
+            </a:r>
+            <a:r>
+              <a:rPr lang="en-US" sz="1000"/>
+              <a:t>removes</a:t>
+            </a:r>
+          </a:p>
+          <a:p>
+            <a:pPr algn="ctr"/>
+            <a:r>
+              <a:rPr lang="en-US" sz="1000"/>
+              <a:t>envoy proxy</a:t>
+            </a:r>
+            <a:endParaRPr lang="en-KR" sz="1000"/>
+          </a:p>
+        </p:txBody>
+      </p:sp>
+      <p:sp>
+        <p:nvSpPr>
+          <p:cNvPr id="48" name="TextBox 47">
+            <a:extLst>
+              <a:ext uri="{FF2B5EF4-FFF2-40B4-BE49-F238E27FC236}">
+                <a16:creationId xmlns:a16="http://schemas.microsoft.com/office/drawing/2014/main" id="{4EDE311E-3277-A347-9C10-AD6384ED169D}"/>
+              </a:ext>
+            </a:extLst>
+          </p:cNvPr>
+          <p:cNvSpPr txBox="1"/>
+          <p:nvPr/>
+        </p:nvSpPr>
+        <p:spPr>
+          <a:xfrm>
+            <a:off x="3776229" y="3765572"/>
+            <a:ext cx="1765228" cy="553998"/>
+          </a:xfrm>
+          <a:prstGeom prst="rect">
+            <a:avLst/>
+          </a:prstGeom>
+          <a:solidFill>
+            <a:schemeClr val="bg1"/>
+          </a:solidFill>
+        </p:spPr>
+        <p:txBody>
           <a:bodyPr wrap="none" rtlCol="0">
             <a:spAutoFit/>
           </a:bodyPr>
@@ -9876,27 +10298,71 @@
           <a:p>
             <a:pPr algn="ctr"/>
             <a:r>
-              <a:rPr lang="en-US" sz="800" b="1">
-                <a:solidFill>
-                  <a:schemeClr val="accent2"/>
-                </a:solidFill>
-              </a:rPr>
-              <a:t>Endpoint Slice Propagation Delay</a:t>
-            </a:r>
-            <a:endParaRPr lang="en-KR" sz="800" b="1">
-              <a:solidFill>
-                <a:schemeClr val="accent2"/>
-              </a:solidFill>
-            </a:endParaRPr>
-          </a:p>
-        </p:txBody>
-      </p:sp>
-      <p:sp>
-        <p:nvSpPr>
-          <p:cNvPr id="131" name="사각형: 둥근 모서리 36">
-            <a:extLst>
-              <a:ext uri="{FF2B5EF4-FFF2-40B4-BE49-F238E27FC236}">
-                <a16:creationId xmlns:a16="http://schemas.microsoft.com/office/drawing/2014/main" id="{9A03A025-F8ED-BE46-AB25-ED5F8B7EB4C7}"/>
+              <a:rPr lang="en-US" sz="1000"/>
+              <a:t>5. All envoy proxy removes</a:t>
+            </a:r>
+          </a:p>
+          <a:p>
+            <a:pPr algn="ctr"/>
+            <a:r>
+              <a:rPr lang="en-US" sz="1000"/>
+              <a:t>forwarding rules for </a:t>
+            </a:r>
+          </a:p>
+          <a:p>
+            <a:pPr algn="ctr"/>
+            <a:r>
+              <a:rPr lang="en-US" sz="1000"/>
+              <a:t>the terminated pod </a:t>
+            </a:r>
+          </a:p>
+        </p:txBody>
+      </p:sp>
+      <p:sp>
+        <p:nvSpPr>
+          <p:cNvPr id="60" name="TextBox 59">
+            <a:extLst>
+              <a:ext uri="{FF2B5EF4-FFF2-40B4-BE49-F238E27FC236}">
+                <a16:creationId xmlns:a16="http://schemas.microsoft.com/office/drawing/2014/main" id="{844A34B9-471B-C345-8C00-7A4851064234}"/>
+              </a:ext>
+            </a:extLst>
+          </p:cNvPr>
+          <p:cNvSpPr txBox="1"/>
+          <p:nvPr/>
+        </p:nvSpPr>
+        <p:spPr>
+          <a:xfrm>
+            <a:off x="3060276" y="2190537"/>
+            <a:ext cx="1372491" cy="215444"/>
+          </a:xfrm>
+          <a:prstGeom prst="rect">
+            <a:avLst/>
+          </a:prstGeom>
+          <a:solidFill>
+            <a:schemeClr val="bg1"/>
+          </a:solidFill>
+        </p:spPr>
+        <p:txBody>
+          <a:bodyPr wrap="none" rtlCol="0">
+            <a:spAutoFit/>
+          </a:bodyPr>
+          <a:lstStyle/>
+          <a:p>
+            <a:pPr algn="ctr"/>
+            <a:r>
+              <a:rPr lang="en-US" sz="800"/>
+              <a:t>terminationDrainDuration</a:t>
+            </a:r>
+            <a:endParaRPr lang="en-KR" sz="800"/>
+          </a:p>
+        </p:txBody>
+      </p:sp>
+      <p:sp>
+        <p:nvSpPr>
+          <p:cNvPr id="44" name="사각형: 둥근 모서리 36">
+            <a:extLst>
+              <a:ext uri="{FF2B5EF4-FFF2-40B4-BE49-F238E27FC236}">
+                <a16:creationId xmlns:a16="http://schemas.microsoft.com/office/drawing/2014/main" id="{B57CD726-BBEC-B048-8DA4-E6AD249B8C5A}"/>
               </a:ext>
             </a:extLst>
           </p:cNvPr>
@@ -9905,8 +10371,8 @@
         </p:nvSpPr>
         <p:spPr>
           <a:xfrm>
-            <a:off x="539552" y="908508"/>
-            <a:ext cx="2246387" cy="294176"/>
+            <a:off x="4178023" y="908508"/>
+            <a:ext cx="3058274" cy="294176"/>
           </a:xfrm>
           <a:prstGeom prst="roundRect">
             <a:avLst>
@@ -9944,7 +10410,7 @@
                   <a:schemeClr val="accent2"/>
                 </a:solidFill>
               </a:rPr>
-              <a:t>Request Delivery Time</a:t>
+              <a:t>Request Delivery</a:t>
             </a:r>
           </a:p>
           <a:p>
@@ -9955,7 +10421,7 @@
                   <a:schemeClr val="accent2"/>
                 </a:solidFill>
               </a:rPr>
-              <a:t>(K8s API Server </a:t>
+              <a:t>(Istiod </a:t>
             </a:r>
             <a:r>
               <a:rPr lang="en-US" altLang="ko-KR" sz="800">
@@ -9964,7 +10430,7 @@
                 </a:solidFill>
                 <a:sym typeface="Wingdings" pitchFamily="2" charset="2"/>
               </a:rPr>
-              <a:t> Endpoint Slice Controller)</a:t>
+              <a:t> All Envoy Proxy)</a:t>
             </a:r>
             <a:endParaRPr lang="ko-KR" altLang="en-US" sz="800">
               <a:solidFill>
@@ -9976,23 +10442,400 @@
       </p:sp>
       <p:cxnSp>
         <p:nvCxnSpPr>
-          <p:cNvPr id="134" name="Straight Arrow Connector 133">
-            <a:extLst>
-              <a:ext uri="{FF2B5EF4-FFF2-40B4-BE49-F238E27FC236}">
-                <a16:creationId xmlns:a16="http://schemas.microsoft.com/office/drawing/2014/main" id="{5592B061-9C71-304C-B220-8167474B7D0C}"/>
+          <p:cNvPr id="47" name="Straight Arrow Connector 46">
+            <a:extLst>
+              <a:ext uri="{FF2B5EF4-FFF2-40B4-BE49-F238E27FC236}">
+                <a16:creationId xmlns:a16="http://schemas.microsoft.com/office/drawing/2014/main" id="{0F98317A-5153-6E4E-8123-576E1D2F53CF}"/>
               </a:ext>
             </a:extLst>
           </p:cNvPr>
           <p:cNvCxnSpPr>
             <a:cxnSpLocks/>
-            <a:stCxn id="142" idx="0"/>
           </p:cNvCxnSpPr>
           <p:nvPr/>
         </p:nvCxnSpPr>
         <p:spPr>
+          <a:xfrm flipH="1">
+            <a:off x="3275856" y="2982058"/>
+            <a:ext cx="1390194" cy="0"/>
+          </a:xfrm>
+          <a:prstGeom prst="straightConnector1">
+            <a:avLst/>
+          </a:prstGeom>
+          <a:ln w="12700">
+            <a:solidFill>
+              <a:schemeClr val="accent2"/>
+            </a:solidFill>
+            <a:prstDash val="solid"/>
+            <a:headEnd type="triangle" w="med" len="med"/>
+            <a:tailEnd type="triangle" w="med" len="med"/>
+          </a:ln>
+        </p:spPr>
+        <p:style>
+          <a:lnRef idx="1">
+            <a:schemeClr val="accent1"/>
+          </a:lnRef>
+          <a:fillRef idx="0">
+            <a:schemeClr val="accent1"/>
+          </a:fillRef>
+          <a:effectRef idx="0">
+            <a:schemeClr val="accent1"/>
+          </a:effectRef>
+          <a:fontRef idx="minor">
+            <a:schemeClr val="tx1"/>
+          </a:fontRef>
+        </p:style>
+      </p:cxnSp>
+      <p:sp>
+        <p:nvSpPr>
+          <p:cNvPr id="49" name="TextBox 48">
+            <a:extLst>
+              <a:ext uri="{FF2B5EF4-FFF2-40B4-BE49-F238E27FC236}">
+                <a16:creationId xmlns:a16="http://schemas.microsoft.com/office/drawing/2014/main" id="{079D1E86-2F6A-5B4D-827C-6EFE32D9C588}"/>
+              </a:ext>
+            </a:extLst>
+          </p:cNvPr>
+          <p:cNvSpPr txBox="1"/>
+          <p:nvPr/>
+        </p:nvSpPr>
+        <p:spPr>
+          <a:xfrm>
+            <a:off x="3401606" y="2989484"/>
+            <a:ext cx="1176925" cy="338554"/>
+          </a:xfrm>
+          <a:prstGeom prst="rect">
+            <a:avLst/>
+          </a:prstGeom>
+          <a:solidFill>
+            <a:schemeClr val="bg1"/>
+          </a:solidFill>
+        </p:spPr>
+        <p:txBody>
+          <a:bodyPr wrap="none" rtlCol="0">
+            <a:spAutoFit/>
+          </a:bodyPr>
+          <a:lstStyle/>
+          <a:p>
+            <a:pPr algn="ctr"/>
+            <a:r>
+              <a:rPr lang="en-US" sz="800" b="1">
+                <a:solidFill>
+                  <a:schemeClr val="accent2"/>
+                </a:solidFill>
+              </a:rPr>
+              <a:t>Request </a:t>
+            </a:r>
+            <a:r>
+              <a:rPr lang="en-US" altLang="ko-KR" sz="800" b="1">
+                <a:solidFill>
+                  <a:schemeClr val="accent2"/>
+                </a:solidFill>
+              </a:rPr>
+              <a:t>P</a:t>
+            </a:r>
+            <a:r>
+              <a:rPr lang="en-US" sz="800" b="1">
+                <a:solidFill>
+                  <a:schemeClr val="accent2"/>
+                </a:solidFill>
+              </a:rPr>
+              <a:t>rocessing </a:t>
+            </a:r>
+          </a:p>
+          <a:p>
+            <a:pPr algn="ctr"/>
+            <a:r>
+              <a:rPr lang="en-US" sz="800" b="1">
+                <a:solidFill>
+                  <a:schemeClr val="accent2"/>
+                </a:solidFill>
+              </a:rPr>
+              <a:t>Failure Section</a:t>
+            </a:r>
+            <a:endParaRPr lang="en-KR" sz="800" b="1">
+              <a:solidFill>
+                <a:schemeClr val="accent2"/>
+              </a:solidFill>
+            </a:endParaRPr>
+          </a:p>
+        </p:txBody>
+      </p:sp>
+    </p:spTree>
+    <p:extLst>
+      <p:ext uri="{BB962C8B-B14F-4D97-AF65-F5344CB8AC3E}">
+        <p14:creationId xmlns:p14="http://schemas.microsoft.com/office/powerpoint/2010/main" val="1736836633"/>
+      </p:ext>
+    </p:extLst>
+  </p:cSld>
+  <p:clrMapOvr>
+    <a:masterClrMapping/>
+  </p:clrMapOvr>
+</p:sld>
+</file>
+
+<file path=ppt/slides/slide5.xml><?xml version="1.0" encoding="utf-8"?>
+<p:sld xmlns:a="http://schemas.openxmlformats.org/drawingml/2006/main" xmlns:r="http://schemas.openxmlformats.org/officeDocument/2006/relationships" xmlns:p="http://schemas.openxmlformats.org/presentationml/2006/main">
+  <p:cSld>
+    <p:spTree>
+      <p:nvGrpSpPr>
+        <p:cNvPr id="1" name=""/>
+        <p:cNvGrpSpPr/>
+        <p:nvPr/>
+      </p:nvGrpSpPr>
+      <p:grpSpPr>
+        <a:xfrm>
+          <a:off x="0" y="0"/>
+          <a:ext cx="0" cy="0"/>
+          <a:chOff x="0" y="0"/>
+          <a:chExt cx="0" cy="0"/>
+        </a:xfrm>
+      </p:grpSpPr>
+      <p:sp>
+        <p:nvSpPr>
+          <p:cNvPr id="36" name="사각형: 둥근 모서리 36">
+            <a:extLst>
+              <a:ext uri="{FF2B5EF4-FFF2-40B4-BE49-F238E27FC236}">
+                <a16:creationId xmlns:a16="http://schemas.microsoft.com/office/drawing/2014/main" id="{BCFC3FC0-D0BC-4242-BBA0-C72D04B19CA8}"/>
+              </a:ext>
+            </a:extLst>
+          </p:cNvPr>
+          <p:cNvSpPr/>
+          <p:nvPr/>
+        </p:nvSpPr>
+        <p:spPr>
+          <a:xfrm>
+            <a:off x="1115619" y="3052293"/>
+            <a:ext cx="5472606" cy="360036"/>
+          </a:xfrm>
+          <a:prstGeom prst="roundRect">
+            <a:avLst>
+              <a:gd name="adj" fmla="val 0"/>
+            </a:avLst>
+          </a:prstGeom>
+          <a:ln w="12700"/>
+        </p:spPr>
+        <p:style>
+          <a:lnRef idx="2">
+            <a:schemeClr val="dk1"/>
+          </a:lnRef>
+          <a:fillRef idx="1">
+            <a:schemeClr val="lt1"/>
+          </a:fillRef>
+          <a:effectRef idx="0">
+            <a:schemeClr val="dk1"/>
+          </a:effectRef>
+          <a:fontRef idx="minor">
+            <a:schemeClr val="dk1"/>
+          </a:fontRef>
+        </p:style>
+        <p:txBody>
+          <a:bodyPr rtlCol="0" anchor="ctr"/>
+          <a:lstStyle/>
+          <a:p>
+            <a:pPr algn="ctr"/>
+            <a:r>
+              <a:rPr lang="en-US" altLang="ko-KR" sz="1000"/>
+              <a:t>pliot-agent</a:t>
+            </a:r>
+            <a:endParaRPr lang="ko-KR" altLang="en-US" sz="1000"/>
+          </a:p>
+        </p:txBody>
+      </p:sp>
+      <p:sp>
+        <p:nvSpPr>
+          <p:cNvPr id="2" name="사각형: 둥근 모서리 36">
+            <a:extLst>
+              <a:ext uri="{FF2B5EF4-FFF2-40B4-BE49-F238E27FC236}">
+                <a16:creationId xmlns:a16="http://schemas.microsoft.com/office/drawing/2014/main" id="{3EB36A7E-F0DF-BC45-BCC0-35344201C426}"/>
+              </a:ext>
+            </a:extLst>
+          </p:cNvPr>
+          <p:cNvSpPr/>
+          <p:nvPr/>
+        </p:nvSpPr>
+        <p:spPr>
+          <a:xfrm>
+            <a:off x="1115618" y="2544447"/>
+            <a:ext cx="5472606" cy="360036"/>
+          </a:xfrm>
+          <a:prstGeom prst="roundRect">
+            <a:avLst>
+              <a:gd name="adj" fmla="val 0"/>
+            </a:avLst>
+          </a:prstGeom>
+          <a:ln w="12700"/>
+        </p:spPr>
+        <p:style>
+          <a:lnRef idx="2">
+            <a:schemeClr val="dk1"/>
+          </a:lnRef>
+          <a:fillRef idx="1">
+            <a:schemeClr val="lt1"/>
+          </a:fillRef>
+          <a:effectRef idx="0">
+            <a:schemeClr val="dk1"/>
+          </a:effectRef>
+          <a:fontRef idx="minor">
+            <a:schemeClr val="dk1"/>
+          </a:fontRef>
+        </p:style>
+        <p:txBody>
+          <a:bodyPr rtlCol="0" anchor="ctr"/>
+          <a:lstStyle/>
+          <a:p>
+            <a:pPr algn="ctr"/>
+            <a:r>
+              <a:rPr lang="en-US" altLang="ko-KR" sz="1000"/>
+              <a:t>Envoy Proxy</a:t>
+            </a:r>
+            <a:endParaRPr lang="ko-KR" altLang="en-US" sz="1000"/>
+          </a:p>
+        </p:txBody>
+      </p:sp>
+      <p:cxnSp>
+        <p:nvCxnSpPr>
+          <p:cNvPr id="32" name="Straight Arrow Connector 31">
+            <a:extLst>
+              <a:ext uri="{FF2B5EF4-FFF2-40B4-BE49-F238E27FC236}">
+                <a16:creationId xmlns:a16="http://schemas.microsoft.com/office/drawing/2014/main" id="{CBBC83F6-95B7-1B4E-8433-263BCDBE442B}"/>
+              </a:ext>
+            </a:extLst>
+          </p:cNvPr>
+          <p:cNvCxnSpPr>
+            <a:cxnSpLocks/>
+          </p:cNvCxnSpPr>
+          <p:nvPr/>
+        </p:nvCxnSpPr>
+        <p:spPr>
+          <a:xfrm>
+            <a:off x="2398346" y="627534"/>
+            <a:ext cx="0" cy="2923156"/>
+          </a:xfrm>
+          <a:prstGeom prst="straightConnector1">
+            <a:avLst/>
+          </a:prstGeom>
+          <a:ln w="12700">
+            <a:solidFill>
+              <a:schemeClr val="tx1"/>
+            </a:solidFill>
+            <a:prstDash val="dash"/>
+            <a:headEnd type="none" w="med" len="med"/>
+            <a:tailEnd type="none" w="med" len="med"/>
+          </a:ln>
+        </p:spPr>
+        <p:style>
+          <a:lnRef idx="1">
+            <a:schemeClr val="accent1"/>
+          </a:lnRef>
+          <a:fillRef idx="0">
+            <a:schemeClr val="accent1"/>
+          </a:fillRef>
+          <a:effectRef idx="0">
+            <a:schemeClr val="accent1"/>
+          </a:effectRef>
+          <a:fontRef idx="minor">
+            <a:schemeClr val="tx1"/>
+          </a:fontRef>
+        </p:style>
+      </p:cxnSp>
+      <p:cxnSp>
+        <p:nvCxnSpPr>
+          <p:cNvPr id="6" name="Straight Arrow Connector 5">
+            <a:extLst>
+              <a:ext uri="{FF2B5EF4-FFF2-40B4-BE49-F238E27FC236}">
+                <a16:creationId xmlns:a16="http://schemas.microsoft.com/office/drawing/2014/main" id="{74871440-9BBE-E240-AB7C-F6C7B20A9CD0}"/>
+              </a:ext>
+            </a:extLst>
+          </p:cNvPr>
+          <p:cNvCxnSpPr>
+            <a:cxnSpLocks/>
+          </p:cNvCxnSpPr>
+          <p:nvPr/>
+        </p:nvCxnSpPr>
+        <p:spPr>
+          <a:xfrm>
+            <a:off x="899592" y="3550690"/>
+            <a:ext cx="6840760" cy="0"/>
+          </a:xfrm>
+          <a:prstGeom prst="straightConnector1">
+            <a:avLst/>
+          </a:prstGeom>
+          <a:ln w="28575">
+            <a:solidFill>
+              <a:schemeClr val="tx1"/>
+            </a:solidFill>
+            <a:headEnd type="none" w="med" len="med"/>
+            <a:tailEnd type="arrow" w="med" len="med"/>
+          </a:ln>
+        </p:spPr>
+        <p:style>
+          <a:lnRef idx="1">
+            <a:schemeClr val="accent1"/>
+          </a:lnRef>
+          <a:fillRef idx="0">
+            <a:schemeClr val="accent1"/>
+          </a:fillRef>
+          <a:effectRef idx="0">
+            <a:schemeClr val="accent1"/>
+          </a:effectRef>
+          <a:fontRef idx="minor">
+            <a:schemeClr val="tx1"/>
+          </a:fontRef>
+        </p:style>
+      </p:cxnSp>
+      <p:sp>
+        <p:nvSpPr>
+          <p:cNvPr id="8" name="TextBox 7">
+            <a:extLst>
+              <a:ext uri="{FF2B5EF4-FFF2-40B4-BE49-F238E27FC236}">
+                <a16:creationId xmlns:a16="http://schemas.microsoft.com/office/drawing/2014/main" id="{6703E843-BE1F-FA4C-9136-E280FBBAA2AA}"/>
+              </a:ext>
+            </a:extLst>
+          </p:cNvPr>
+          <p:cNvSpPr txBox="1"/>
+          <p:nvPr/>
+        </p:nvSpPr>
+        <p:spPr>
+          <a:xfrm>
+            <a:off x="905315" y="3562015"/>
+            <a:ext cx="484428" cy="246221"/>
+          </a:xfrm>
+          <a:prstGeom prst="rect">
+            <a:avLst/>
+          </a:prstGeom>
+          <a:noFill/>
+        </p:spPr>
+        <p:txBody>
+          <a:bodyPr wrap="none" rtlCol="0">
+            <a:spAutoFit/>
+          </a:bodyPr>
+          <a:lstStyle/>
+          <a:p>
+            <a:r>
+              <a:rPr lang="en-KR" sz="1000" b="1"/>
+              <a:t>Time</a:t>
+            </a:r>
+          </a:p>
+        </p:txBody>
+      </p:sp>
+      <p:cxnSp>
+        <p:nvCxnSpPr>
+          <p:cNvPr id="10" name="Straight Arrow Connector 9">
+            <a:extLst>
+              <a:ext uri="{FF2B5EF4-FFF2-40B4-BE49-F238E27FC236}">
+                <a16:creationId xmlns:a16="http://schemas.microsoft.com/office/drawing/2014/main" id="{820C7B36-44F7-EC4F-B465-E81EE04C42C6}"/>
+              </a:ext>
+            </a:extLst>
+          </p:cNvPr>
+          <p:cNvCxnSpPr>
+            <a:cxnSpLocks/>
+          </p:cNvCxnSpPr>
+          <p:nvPr/>
+        </p:nvCxnSpPr>
+        <p:spPr>
           <a:xfrm flipV="1">
-            <a:off x="2398345" y="3562017"/>
-            <a:ext cx="0" cy="855170"/>
+            <a:off x="2184856" y="3556346"/>
+            <a:ext cx="0" cy="209226"/>
           </a:xfrm>
           <a:prstGeom prst="straightConnector1">
             <a:avLst/>
@@ -10020,12 +10863,342 @@
           </a:fontRef>
         </p:style>
       </p:cxnSp>
-      <p:sp>
-        <p:nvSpPr>
-          <p:cNvPr id="137" name="TextBox 136">
-            <a:extLst>
-              <a:ext uri="{FF2B5EF4-FFF2-40B4-BE49-F238E27FC236}">
-                <a16:creationId xmlns:a16="http://schemas.microsoft.com/office/drawing/2014/main" id="{9A08028C-9D93-3E4D-BB52-9723D38F03EF}"/>
+      <p:cxnSp>
+        <p:nvCxnSpPr>
+          <p:cNvPr id="30" name="Straight Arrow Connector 29">
+            <a:extLst>
+              <a:ext uri="{FF2B5EF4-FFF2-40B4-BE49-F238E27FC236}">
+                <a16:creationId xmlns:a16="http://schemas.microsoft.com/office/drawing/2014/main" id="{6241CF7A-CD35-C248-9EF0-1A11F17CBA0B}"/>
+              </a:ext>
+            </a:extLst>
+          </p:cNvPr>
+          <p:cNvCxnSpPr>
+            <a:cxnSpLocks/>
+          </p:cNvCxnSpPr>
+          <p:nvPr/>
+        </p:nvCxnSpPr>
+        <p:spPr>
+          <a:xfrm>
+            <a:off x="2184607" y="1479926"/>
+            <a:ext cx="0" cy="2082089"/>
+          </a:xfrm>
+          <a:prstGeom prst="straightConnector1">
+            <a:avLst/>
+          </a:prstGeom>
+          <a:ln w="12700">
+            <a:solidFill>
+              <a:schemeClr val="tx1"/>
+            </a:solidFill>
+            <a:prstDash val="dash"/>
+            <a:headEnd type="none" w="med" len="med"/>
+            <a:tailEnd type="none" w="med" len="med"/>
+          </a:ln>
+        </p:spPr>
+        <p:style>
+          <a:lnRef idx="1">
+            <a:schemeClr val="accent1"/>
+          </a:lnRef>
+          <a:fillRef idx="0">
+            <a:schemeClr val="accent1"/>
+          </a:fillRef>
+          <a:effectRef idx="0">
+            <a:schemeClr val="accent1"/>
+          </a:effectRef>
+          <a:fontRef idx="minor">
+            <a:schemeClr val="tx1"/>
+          </a:fontRef>
+        </p:style>
+      </p:cxnSp>
+      <p:cxnSp>
+        <p:nvCxnSpPr>
+          <p:cNvPr id="54" name="Straight Arrow Connector 53">
+            <a:extLst>
+              <a:ext uri="{FF2B5EF4-FFF2-40B4-BE49-F238E27FC236}">
+                <a16:creationId xmlns:a16="http://schemas.microsoft.com/office/drawing/2014/main" id="{0D874EDB-25C5-6941-BD18-67AA9E05F05C}"/>
+              </a:ext>
+            </a:extLst>
+          </p:cNvPr>
+          <p:cNvCxnSpPr>
+            <a:cxnSpLocks/>
+          </p:cNvCxnSpPr>
+          <p:nvPr/>
+        </p:nvCxnSpPr>
+        <p:spPr>
+          <a:xfrm flipH="1">
+            <a:off x="2184359" y="2326554"/>
+            <a:ext cx="213987" cy="0"/>
+          </a:xfrm>
+          <a:prstGeom prst="straightConnector1">
+            <a:avLst/>
+          </a:prstGeom>
+          <a:ln w="12700">
+            <a:solidFill>
+              <a:schemeClr val="tx2"/>
+            </a:solidFill>
+            <a:prstDash val="solid"/>
+            <a:headEnd type="triangle" w="med" len="med"/>
+            <a:tailEnd type="triangle" w="med" len="med"/>
+          </a:ln>
+        </p:spPr>
+        <p:style>
+          <a:lnRef idx="1">
+            <a:schemeClr val="accent1"/>
+          </a:lnRef>
+          <a:fillRef idx="0">
+            <a:schemeClr val="accent1"/>
+          </a:fillRef>
+          <a:effectRef idx="0">
+            <a:schemeClr val="accent1"/>
+          </a:effectRef>
+          <a:fontRef idx="minor">
+            <a:schemeClr val="tx1"/>
+          </a:fontRef>
+        </p:style>
+      </p:cxnSp>
+      <p:sp>
+        <p:nvSpPr>
+          <p:cNvPr id="58" name="사각형: 둥근 모서리 36">
+            <a:extLst>
+              <a:ext uri="{FF2B5EF4-FFF2-40B4-BE49-F238E27FC236}">
+                <a16:creationId xmlns:a16="http://schemas.microsoft.com/office/drawing/2014/main" id="{2FC01194-2E2F-524E-849B-1872473B4AB9}"/>
+              </a:ext>
+            </a:extLst>
+          </p:cNvPr>
+          <p:cNvSpPr/>
+          <p:nvPr/>
+        </p:nvSpPr>
+        <p:spPr>
+          <a:xfrm>
+            <a:off x="1234852" y="1688144"/>
+            <a:ext cx="1824979" cy="294176"/>
+          </a:xfrm>
+          <a:prstGeom prst="roundRect">
+            <a:avLst>
+              <a:gd name="adj" fmla="val 0"/>
+            </a:avLst>
+          </a:prstGeom>
+          <a:ln w="12700">
+            <a:solidFill>
+              <a:schemeClr val="tx2"/>
+            </a:solidFill>
+          </a:ln>
+        </p:spPr>
+        <p:style>
+          <a:lnRef idx="2">
+            <a:schemeClr val="dk1"/>
+          </a:lnRef>
+          <a:fillRef idx="1">
+            <a:schemeClr val="lt1"/>
+          </a:fillRef>
+          <a:effectRef idx="0">
+            <a:schemeClr val="dk1"/>
+          </a:effectRef>
+          <a:fontRef idx="minor">
+            <a:schemeClr val="dk1"/>
+          </a:fontRef>
+        </p:style>
+        <p:txBody>
+          <a:bodyPr rtlCol="0" anchor="ctr"/>
+          <a:lstStyle/>
+          <a:p>
+            <a:pPr algn="ctr"/>
+            <a:r>
+              <a:rPr lang="en-US" altLang="ko-KR" sz="800">
+                <a:solidFill>
+                  <a:schemeClr val="tx2"/>
+                </a:solidFill>
+              </a:rPr>
+              <a:t>Request Delivery</a:t>
+            </a:r>
+          </a:p>
+          <a:p>
+            <a:pPr algn="ctr"/>
+            <a:r>
+              <a:rPr lang="en-US" altLang="ko-KR" sz="800">
+                <a:solidFill>
+                  <a:schemeClr val="tx2"/>
+                </a:solidFill>
+              </a:rPr>
+              <a:t>(K8s API Server </a:t>
+            </a:r>
+            <a:r>
+              <a:rPr lang="en-US" altLang="ko-KR" sz="800">
+                <a:solidFill>
+                  <a:schemeClr val="tx2"/>
+                </a:solidFill>
+                <a:sym typeface="Wingdings" pitchFamily="2" charset="2"/>
+              </a:rPr>
+              <a:t> kubelet) </a:t>
+            </a:r>
+            <a:endParaRPr lang="ko-KR" altLang="en-US" sz="800">
+              <a:solidFill>
+                <a:schemeClr val="tx2"/>
+              </a:solidFill>
+            </a:endParaRPr>
+          </a:p>
+        </p:txBody>
+      </p:sp>
+      <p:sp>
+        <p:nvSpPr>
+          <p:cNvPr id="59" name="사각형: 둥근 모서리 36">
+            <a:extLst>
+              <a:ext uri="{FF2B5EF4-FFF2-40B4-BE49-F238E27FC236}">
+                <a16:creationId xmlns:a16="http://schemas.microsoft.com/office/drawing/2014/main" id="{D44E83F9-5EC4-694E-9EB7-EE4CAAD2D7E6}"/>
+              </a:ext>
+            </a:extLst>
+          </p:cNvPr>
+          <p:cNvSpPr/>
+          <p:nvPr/>
+        </p:nvSpPr>
+        <p:spPr>
+          <a:xfrm>
+            <a:off x="3059832" y="1688144"/>
+            <a:ext cx="996746" cy="294176"/>
+          </a:xfrm>
+          <a:prstGeom prst="roundRect">
+            <a:avLst>
+              <a:gd name="adj" fmla="val 0"/>
+            </a:avLst>
+          </a:prstGeom>
+          <a:ln w="12700">
+            <a:solidFill>
+              <a:schemeClr val="tx2"/>
+            </a:solidFill>
+          </a:ln>
+        </p:spPr>
+        <p:style>
+          <a:lnRef idx="2">
+            <a:schemeClr val="dk1"/>
+          </a:lnRef>
+          <a:fillRef idx="1">
+            <a:schemeClr val="lt1"/>
+          </a:fillRef>
+          <a:effectRef idx="0">
+            <a:schemeClr val="dk1"/>
+          </a:effectRef>
+          <a:fontRef idx="minor">
+            <a:schemeClr val="dk1"/>
+          </a:fontRef>
+        </p:style>
+        <p:txBody>
+          <a:bodyPr rtlCol="0" anchor="ctr"/>
+          <a:lstStyle/>
+          <a:p>
+            <a:pPr algn="ctr"/>
+            <a:r>
+              <a:rPr lang="en-US" altLang="ko-KR" sz="800">
+                <a:solidFill>
+                  <a:schemeClr val="tx2"/>
+                </a:solidFill>
+              </a:rPr>
+              <a:t>kubelet Processing</a:t>
+            </a:r>
+            <a:endParaRPr lang="ko-KR" altLang="en-US" sz="800">
+              <a:solidFill>
+                <a:schemeClr val="tx2"/>
+              </a:solidFill>
+            </a:endParaRPr>
+          </a:p>
+        </p:txBody>
+      </p:sp>
+      <p:cxnSp>
+        <p:nvCxnSpPr>
+          <p:cNvPr id="62" name="Straight Arrow Connector 61">
+            <a:extLst>
+              <a:ext uri="{FF2B5EF4-FFF2-40B4-BE49-F238E27FC236}">
+                <a16:creationId xmlns:a16="http://schemas.microsoft.com/office/drawing/2014/main" id="{E033A689-1427-ED4D-B764-E2688CB38835}"/>
+              </a:ext>
+            </a:extLst>
+          </p:cNvPr>
+          <p:cNvCxnSpPr>
+            <a:cxnSpLocks/>
+          </p:cNvCxnSpPr>
+          <p:nvPr/>
+        </p:nvCxnSpPr>
+        <p:spPr>
+          <a:xfrm flipH="1">
+            <a:off x="2398348" y="1982320"/>
+            <a:ext cx="1649216" cy="344234"/>
+          </a:xfrm>
+          <a:prstGeom prst="straightConnector1">
+            <a:avLst/>
+          </a:prstGeom>
+          <a:ln w="12700">
+            <a:solidFill>
+              <a:schemeClr val="tx2"/>
+            </a:solidFill>
+            <a:prstDash val="solid"/>
+            <a:headEnd type="none" w="med" len="med"/>
+            <a:tailEnd type="none" w="med" len="med"/>
+          </a:ln>
+        </p:spPr>
+        <p:style>
+          <a:lnRef idx="1">
+            <a:schemeClr val="accent1"/>
+          </a:lnRef>
+          <a:fillRef idx="0">
+            <a:schemeClr val="accent1"/>
+          </a:fillRef>
+          <a:effectRef idx="0">
+            <a:schemeClr val="accent1"/>
+          </a:effectRef>
+          <a:fontRef idx="minor">
+            <a:schemeClr val="tx1"/>
+          </a:fontRef>
+        </p:style>
+      </p:cxnSp>
+      <p:cxnSp>
+        <p:nvCxnSpPr>
+          <p:cNvPr id="65" name="Straight Arrow Connector 64">
+            <a:extLst>
+              <a:ext uri="{FF2B5EF4-FFF2-40B4-BE49-F238E27FC236}">
+                <a16:creationId xmlns:a16="http://schemas.microsoft.com/office/drawing/2014/main" id="{329563B5-A050-6D47-930A-72147218A9F0}"/>
+              </a:ext>
+            </a:extLst>
+          </p:cNvPr>
+          <p:cNvCxnSpPr>
+            <a:cxnSpLocks/>
+          </p:cNvCxnSpPr>
+          <p:nvPr/>
+        </p:nvCxnSpPr>
+        <p:spPr>
+          <a:xfrm flipH="1" flipV="1">
+            <a:off x="1228590" y="1982320"/>
+            <a:ext cx="967156" cy="344236"/>
+          </a:xfrm>
+          <a:prstGeom prst="straightConnector1">
+            <a:avLst/>
+          </a:prstGeom>
+          <a:ln w="12700">
+            <a:solidFill>
+              <a:schemeClr val="tx2"/>
+            </a:solidFill>
+            <a:prstDash val="solid"/>
+            <a:headEnd type="none" w="med" len="med"/>
+            <a:tailEnd type="none" w="med" len="med"/>
+          </a:ln>
+        </p:spPr>
+        <p:style>
+          <a:lnRef idx="1">
+            <a:schemeClr val="accent1"/>
+          </a:lnRef>
+          <a:fillRef idx="0">
+            <a:schemeClr val="accent1"/>
+          </a:fillRef>
+          <a:effectRef idx="0">
+            <a:schemeClr val="accent1"/>
+          </a:effectRef>
+          <a:fontRef idx="minor">
+            <a:schemeClr val="tx1"/>
+          </a:fontRef>
+        </p:style>
+      </p:cxnSp>
+      <p:sp>
+        <p:nvSpPr>
+          <p:cNvPr id="69" name="TextBox 68">
+            <a:extLst>
+              <a:ext uri="{FF2B5EF4-FFF2-40B4-BE49-F238E27FC236}">
+                <a16:creationId xmlns:a16="http://schemas.microsoft.com/office/drawing/2014/main" id="{00D8FD36-BA7B-1C43-8024-41C61DEACF5A}"/>
               </a:ext>
             </a:extLst>
           </p:cNvPr>
@@ -10034,8 +11207,8 @@
         </p:nvSpPr>
         <p:spPr>
           <a:xfrm>
-            <a:off x="1309883" y="3765572"/>
-            <a:ext cx="1749946" cy="400110"/>
+            <a:off x="1385580" y="2028977"/>
+            <a:ext cx="1822936" cy="215444"/>
           </a:xfrm>
           <a:prstGeom prst="rect">
             <a:avLst/>
@@ -10045,6 +11218,609 @@
           </a:solidFill>
         </p:spPr>
         <p:txBody>
+          <a:bodyPr wrap="none" rtlCol="0">
+            <a:spAutoFit/>
+          </a:bodyPr>
+          <a:lstStyle/>
+          <a:p>
+            <a:pPr algn="ctr"/>
+            <a:r>
+              <a:rPr lang="en-US" sz="800">
+                <a:solidFill>
+                  <a:schemeClr val="tx2"/>
+                </a:solidFill>
+              </a:rPr>
+              <a:t>SIGTERM Signal Propagation Delay</a:t>
+            </a:r>
+            <a:endParaRPr lang="en-KR" sz="800">
+              <a:solidFill>
+                <a:schemeClr val="tx2"/>
+              </a:solidFill>
+            </a:endParaRPr>
+          </a:p>
+        </p:txBody>
+      </p:sp>
+      <p:cxnSp>
+        <p:nvCxnSpPr>
+          <p:cNvPr id="74" name="Straight Arrow Connector 73">
+            <a:extLst>
+              <a:ext uri="{FF2B5EF4-FFF2-40B4-BE49-F238E27FC236}">
+                <a16:creationId xmlns:a16="http://schemas.microsoft.com/office/drawing/2014/main" id="{BB2B02E8-FE1B-E841-A5A9-003F5BA25D07}"/>
+              </a:ext>
+            </a:extLst>
+          </p:cNvPr>
+          <p:cNvCxnSpPr>
+            <a:cxnSpLocks/>
+          </p:cNvCxnSpPr>
+          <p:nvPr/>
+        </p:nvCxnSpPr>
+        <p:spPr>
+          <a:xfrm>
+            <a:off x="4663069" y="1479926"/>
+            <a:ext cx="0" cy="2070764"/>
+          </a:xfrm>
+          <a:prstGeom prst="straightConnector1">
+            <a:avLst/>
+          </a:prstGeom>
+          <a:ln w="12700">
+            <a:solidFill>
+              <a:schemeClr val="tx1"/>
+            </a:solidFill>
+            <a:prstDash val="dash"/>
+            <a:headEnd type="none" w="med" len="med"/>
+            <a:tailEnd type="none" w="med" len="med"/>
+          </a:ln>
+        </p:spPr>
+        <p:style>
+          <a:lnRef idx="1">
+            <a:schemeClr val="accent1"/>
+          </a:lnRef>
+          <a:fillRef idx="0">
+            <a:schemeClr val="accent1"/>
+          </a:fillRef>
+          <a:effectRef idx="0">
+            <a:schemeClr val="accent1"/>
+          </a:effectRef>
+          <a:fontRef idx="minor">
+            <a:schemeClr val="tx1"/>
+          </a:fontRef>
+        </p:style>
+      </p:cxnSp>
+      <p:cxnSp>
+        <p:nvCxnSpPr>
+          <p:cNvPr id="78" name="Straight Arrow Connector 77">
+            <a:extLst>
+              <a:ext uri="{FF2B5EF4-FFF2-40B4-BE49-F238E27FC236}">
+                <a16:creationId xmlns:a16="http://schemas.microsoft.com/office/drawing/2014/main" id="{AC1C9DFB-879F-4449-8299-A6363C7C5171}"/>
+              </a:ext>
+            </a:extLst>
+          </p:cNvPr>
+          <p:cNvCxnSpPr>
+            <a:cxnSpLocks/>
+          </p:cNvCxnSpPr>
+          <p:nvPr/>
+        </p:nvCxnSpPr>
+        <p:spPr>
+          <a:xfrm flipV="1">
+            <a:off x="4666048" y="3556346"/>
+            <a:ext cx="0" cy="209226"/>
+          </a:xfrm>
+          <a:prstGeom prst="straightConnector1">
+            <a:avLst/>
+          </a:prstGeom>
+          <a:ln w="12700">
+            <a:solidFill>
+              <a:schemeClr val="tx1"/>
+            </a:solidFill>
+            <a:prstDash val="dash"/>
+            <a:tailEnd type="triangle"/>
+          </a:ln>
+        </p:spPr>
+        <p:style>
+          <a:lnRef idx="1">
+            <a:schemeClr val="accent1"/>
+          </a:lnRef>
+          <a:fillRef idx="0">
+            <a:schemeClr val="accent1"/>
+          </a:fillRef>
+          <a:effectRef idx="0">
+            <a:schemeClr val="accent1"/>
+          </a:effectRef>
+          <a:fontRef idx="minor">
+            <a:schemeClr val="tx1"/>
+          </a:fontRef>
+        </p:style>
+      </p:cxnSp>
+      <p:cxnSp>
+        <p:nvCxnSpPr>
+          <p:cNvPr id="82" name="Straight Arrow Connector 81">
+            <a:extLst>
+              <a:ext uri="{FF2B5EF4-FFF2-40B4-BE49-F238E27FC236}">
+                <a16:creationId xmlns:a16="http://schemas.microsoft.com/office/drawing/2014/main" id="{8FE03C6B-4CDA-BB42-BB86-B9DB7D0B068B}"/>
+              </a:ext>
+            </a:extLst>
+          </p:cNvPr>
+          <p:cNvCxnSpPr>
+            <a:cxnSpLocks/>
+          </p:cNvCxnSpPr>
+          <p:nvPr/>
+        </p:nvCxnSpPr>
+        <p:spPr>
+          <a:xfrm flipH="1">
+            <a:off x="2184360" y="1479926"/>
+            <a:ext cx="2478709" cy="0"/>
+          </a:xfrm>
+          <a:prstGeom prst="straightConnector1">
+            <a:avLst/>
+          </a:prstGeom>
+          <a:ln w="12700">
+            <a:solidFill>
+              <a:schemeClr val="accent2"/>
+            </a:solidFill>
+            <a:prstDash val="solid"/>
+            <a:headEnd type="triangle" w="med" len="med"/>
+            <a:tailEnd type="triangle" w="med" len="med"/>
+          </a:ln>
+        </p:spPr>
+        <p:style>
+          <a:lnRef idx="1">
+            <a:schemeClr val="accent1"/>
+          </a:lnRef>
+          <a:fillRef idx="0">
+            <a:schemeClr val="accent1"/>
+          </a:fillRef>
+          <a:effectRef idx="0">
+            <a:schemeClr val="accent1"/>
+          </a:effectRef>
+          <a:fontRef idx="minor">
+            <a:schemeClr val="tx1"/>
+          </a:fontRef>
+        </p:style>
+      </p:cxnSp>
+      <p:sp>
+        <p:nvSpPr>
+          <p:cNvPr id="87" name="사각형: 둥근 모서리 36">
+            <a:extLst>
+              <a:ext uri="{FF2B5EF4-FFF2-40B4-BE49-F238E27FC236}">
+                <a16:creationId xmlns:a16="http://schemas.microsoft.com/office/drawing/2014/main" id="{F22B39D0-1538-0F45-9D68-388D836FB71C}"/>
+              </a:ext>
+            </a:extLst>
+          </p:cNvPr>
+          <p:cNvSpPr/>
+          <p:nvPr/>
+        </p:nvSpPr>
+        <p:spPr>
+          <a:xfrm>
+            <a:off x="2783213" y="908508"/>
+            <a:ext cx="1423760" cy="294176"/>
+          </a:xfrm>
+          <a:prstGeom prst="roundRect">
+            <a:avLst>
+              <a:gd name="adj" fmla="val 0"/>
+            </a:avLst>
+          </a:prstGeom>
+          <a:ln w="12700">
+            <a:solidFill>
+              <a:schemeClr val="accent2"/>
+            </a:solidFill>
+          </a:ln>
+        </p:spPr>
+        <p:style>
+          <a:lnRef idx="2">
+            <a:schemeClr val="dk1"/>
+          </a:lnRef>
+          <a:fillRef idx="1">
+            <a:schemeClr val="lt1"/>
+          </a:fillRef>
+          <a:effectRef idx="0">
+            <a:schemeClr val="dk1"/>
+          </a:effectRef>
+          <a:fontRef idx="minor">
+            <a:schemeClr val="dk1"/>
+          </a:fontRef>
+        </p:style>
+        <p:txBody>
+          <a:bodyPr rtlCol="0" anchor="ctr"/>
+          <a:lstStyle/>
+          <a:p>
+            <a:pPr algn="ctr"/>
+            <a:r>
+              <a:rPr lang="en-US" altLang="ko-KR" sz="800">
+                <a:solidFill>
+                  <a:schemeClr val="accent2"/>
+                </a:solidFill>
+              </a:rPr>
+              <a:t>Istiod</a:t>
+            </a:r>
+            <a:br>
+              <a:rPr lang="en-US" altLang="ko-KR" sz="800">
+                <a:solidFill>
+                  <a:schemeClr val="accent2"/>
+                </a:solidFill>
+              </a:rPr>
+            </a:br>
+            <a:r>
+              <a:rPr lang="en-US" altLang="ko-KR" sz="800">
+                <a:solidFill>
+                  <a:schemeClr val="accent2"/>
+                </a:solidFill>
+              </a:rPr>
+              <a:t>Processing</a:t>
+            </a:r>
+            <a:endParaRPr lang="ko-KR" altLang="en-US" sz="800">
+              <a:solidFill>
+                <a:schemeClr val="accent2"/>
+              </a:solidFill>
+            </a:endParaRPr>
+          </a:p>
+        </p:txBody>
+      </p:sp>
+      <p:sp>
+        <p:nvSpPr>
+          <p:cNvPr id="88" name="사각형: 둥근 모서리 36">
+            <a:extLst>
+              <a:ext uri="{FF2B5EF4-FFF2-40B4-BE49-F238E27FC236}">
+                <a16:creationId xmlns:a16="http://schemas.microsoft.com/office/drawing/2014/main" id="{5E58F502-2544-8B42-9BCB-3670587FE911}"/>
+              </a:ext>
+            </a:extLst>
+          </p:cNvPr>
+          <p:cNvSpPr/>
+          <p:nvPr/>
+        </p:nvSpPr>
+        <p:spPr>
+          <a:xfrm>
+            <a:off x="7207346" y="908508"/>
+            <a:ext cx="941784" cy="294176"/>
+          </a:xfrm>
+          <a:prstGeom prst="roundRect">
+            <a:avLst>
+              <a:gd name="adj" fmla="val 0"/>
+            </a:avLst>
+          </a:prstGeom>
+          <a:ln w="12700">
+            <a:solidFill>
+              <a:schemeClr val="accent2"/>
+            </a:solidFill>
+          </a:ln>
+        </p:spPr>
+        <p:style>
+          <a:lnRef idx="2">
+            <a:schemeClr val="dk1"/>
+          </a:lnRef>
+          <a:fillRef idx="1">
+            <a:schemeClr val="lt1"/>
+          </a:fillRef>
+          <a:effectRef idx="0">
+            <a:schemeClr val="dk1"/>
+          </a:effectRef>
+          <a:fontRef idx="minor">
+            <a:schemeClr val="dk1"/>
+          </a:fontRef>
+        </p:style>
+        <p:txBody>
+          <a:bodyPr rtlCol="0" anchor="ctr"/>
+          <a:lstStyle/>
+          <a:p>
+            <a:pPr algn="ctr"/>
+            <a:r>
+              <a:rPr lang="en-US" altLang="ko-KR" sz="800">
+                <a:solidFill>
+                  <a:schemeClr val="accent2"/>
+                </a:solidFill>
+              </a:rPr>
+              <a:t>Envoy Proxy</a:t>
+            </a:r>
+          </a:p>
+          <a:p>
+            <a:pPr algn="ctr"/>
+            <a:r>
+              <a:rPr lang="en-US" altLang="ko-KR" sz="800">
+                <a:solidFill>
+                  <a:schemeClr val="accent2"/>
+                </a:solidFill>
+              </a:rPr>
+              <a:t>Processing</a:t>
+            </a:r>
+            <a:endParaRPr lang="ko-KR" altLang="en-US" sz="800">
+              <a:solidFill>
+                <a:schemeClr val="accent2"/>
+              </a:solidFill>
+            </a:endParaRPr>
+          </a:p>
+        </p:txBody>
+      </p:sp>
+      <p:cxnSp>
+        <p:nvCxnSpPr>
+          <p:cNvPr id="90" name="Straight Arrow Connector 89">
+            <a:extLst>
+              <a:ext uri="{FF2B5EF4-FFF2-40B4-BE49-F238E27FC236}">
+                <a16:creationId xmlns:a16="http://schemas.microsoft.com/office/drawing/2014/main" id="{564822DF-4B24-D448-92F0-85512728D326}"/>
+              </a:ext>
+            </a:extLst>
+          </p:cNvPr>
+          <p:cNvCxnSpPr>
+            <a:cxnSpLocks/>
+          </p:cNvCxnSpPr>
+          <p:nvPr/>
+        </p:nvCxnSpPr>
+        <p:spPr>
+          <a:xfrm flipH="1" flipV="1">
+            <a:off x="536574" y="1202684"/>
+            <a:ext cx="1647786" cy="277243"/>
+          </a:xfrm>
+          <a:prstGeom prst="straightConnector1">
+            <a:avLst/>
+          </a:prstGeom>
+          <a:ln w="12700">
+            <a:solidFill>
+              <a:schemeClr val="accent2"/>
+            </a:solidFill>
+            <a:prstDash val="solid"/>
+            <a:headEnd type="none" w="med" len="med"/>
+            <a:tailEnd type="none" w="med" len="med"/>
+          </a:ln>
+        </p:spPr>
+        <p:style>
+          <a:lnRef idx="1">
+            <a:schemeClr val="accent1"/>
+          </a:lnRef>
+          <a:fillRef idx="0">
+            <a:schemeClr val="accent1"/>
+          </a:fillRef>
+          <a:effectRef idx="0">
+            <a:schemeClr val="accent1"/>
+          </a:effectRef>
+          <a:fontRef idx="minor">
+            <a:schemeClr val="tx1"/>
+          </a:fontRef>
+        </p:style>
+      </p:cxnSp>
+      <p:cxnSp>
+        <p:nvCxnSpPr>
+          <p:cNvPr id="93" name="Straight Arrow Connector 92">
+            <a:extLst>
+              <a:ext uri="{FF2B5EF4-FFF2-40B4-BE49-F238E27FC236}">
+                <a16:creationId xmlns:a16="http://schemas.microsoft.com/office/drawing/2014/main" id="{15EFB21E-3A59-1844-A5F9-2CEA238BC4A0}"/>
+              </a:ext>
+            </a:extLst>
+          </p:cNvPr>
+          <p:cNvCxnSpPr>
+            <a:cxnSpLocks/>
+          </p:cNvCxnSpPr>
+          <p:nvPr/>
+        </p:nvCxnSpPr>
+        <p:spPr>
+          <a:xfrm flipH="1">
+            <a:off x="4658838" y="1202684"/>
+            <a:ext cx="3490292" cy="265918"/>
+          </a:xfrm>
+          <a:prstGeom prst="straightConnector1">
+            <a:avLst/>
+          </a:prstGeom>
+          <a:ln w="12700">
+            <a:solidFill>
+              <a:schemeClr val="accent2"/>
+            </a:solidFill>
+            <a:prstDash val="solid"/>
+            <a:headEnd type="none" w="med" len="med"/>
+            <a:tailEnd type="none" w="med" len="med"/>
+          </a:ln>
+        </p:spPr>
+        <p:style>
+          <a:lnRef idx="1">
+            <a:schemeClr val="accent1"/>
+          </a:lnRef>
+          <a:fillRef idx="0">
+            <a:schemeClr val="accent1"/>
+          </a:fillRef>
+          <a:effectRef idx="0">
+            <a:schemeClr val="accent1"/>
+          </a:effectRef>
+          <a:fontRef idx="minor">
+            <a:schemeClr val="tx1"/>
+          </a:fontRef>
+        </p:style>
+      </p:cxnSp>
+      <p:sp>
+        <p:nvSpPr>
+          <p:cNvPr id="96" name="TextBox 95">
+            <a:extLst>
+              <a:ext uri="{FF2B5EF4-FFF2-40B4-BE49-F238E27FC236}">
+                <a16:creationId xmlns:a16="http://schemas.microsoft.com/office/drawing/2014/main" id="{4085EB01-1D8F-5140-BE44-BBD28A468F89}"/>
+              </a:ext>
+            </a:extLst>
+          </p:cNvPr>
+          <p:cNvSpPr txBox="1"/>
+          <p:nvPr/>
+        </p:nvSpPr>
+        <p:spPr>
+          <a:xfrm>
+            <a:off x="2553293" y="1247845"/>
+            <a:ext cx="1736373" cy="215444"/>
+          </a:xfrm>
+          <a:prstGeom prst="rect">
+            <a:avLst/>
+          </a:prstGeom>
+          <a:solidFill>
+            <a:schemeClr val="bg1"/>
+          </a:solidFill>
+        </p:spPr>
+        <p:txBody>
+          <a:bodyPr wrap="none" rtlCol="0">
+            <a:spAutoFit/>
+          </a:bodyPr>
+          <a:lstStyle/>
+          <a:p>
+            <a:pPr algn="ctr"/>
+            <a:r>
+              <a:rPr lang="en-US" sz="800" b="1">
+                <a:solidFill>
+                  <a:schemeClr val="accent2"/>
+                </a:solidFill>
+              </a:rPr>
+              <a:t>Envoy Proxy Propagation Delay</a:t>
+            </a:r>
+            <a:endParaRPr lang="en-KR" sz="800" b="1">
+              <a:solidFill>
+                <a:schemeClr val="accent2"/>
+              </a:solidFill>
+            </a:endParaRPr>
+          </a:p>
+        </p:txBody>
+      </p:sp>
+      <p:sp>
+        <p:nvSpPr>
+          <p:cNvPr id="131" name="사각형: 둥근 모서리 36">
+            <a:extLst>
+              <a:ext uri="{FF2B5EF4-FFF2-40B4-BE49-F238E27FC236}">
+                <a16:creationId xmlns:a16="http://schemas.microsoft.com/office/drawing/2014/main" id="{9A03A025-F8ED-BE46-AB25-ED5F8B7EB4C7}"/>
+              </a:ext>
+            </a:extLst>
+          </p:cNvPr>
+          <p:cNvSpPr/>
+          <p:nvPr/>
+        </p:nvSpPr>
+        <p:spPr>
+          <a:xfrm>
+            <a:off x="539552" y="908508"/>
+            <a:ext cx="2246387" cy="294176"/>
+          </a:xfrm>
+          <a:prstGeom prst="roundRect">
+            <a:avLst>
+              <a:gd name="adj" fmla="val 0"/>
+            </a:avLst>
+          </a:prstGeom>
+          <a:ln w="12700">
+            <a:solidFill>
+              <a:schemeClr val="accent2"/>
+            </a:solidFill>
+          </a:ln>
+        </p:spPr>
+        <p:style>
+          <a:lnRef idx="2">
+            <a:schemeClr val="dk1"/>
+          </a:lnRef>
+          <a:fillRef idx="1">
+            <a:schemeClr val="lt1"/>
+          </a:fillRef>
+          <a:effectRef idx="0">
+            <a:schemeClr val="dk1"/>
+          </a:effectRef>
+          <a:fontRef idx="minor">
+            <a:schemeClr val="dk1"/>
+          </a:fontRef>
+        </p:style>
+        <p:txBody>
+          <a:bodyPr rtlCol="0" anchor="ctr"/>
+          <a:lstStyle/>
+          <a:p>
+            <a:pPr algn="ctr"/>
+            <a:r>
+              <a:rPr lang="en-US" altLang="ko-KR" sz="800">
+                <a:solidFill>
+                  <a:schemeClr val="accent2"/>
+                </a:solidFill>
+              </a:rPr>
+              <a:t>Request Delivery</a:t>
+            </a:r>
+          </a:p>
+          <a:p>
+            <a:pPr algn="ctr"/>
+            <a:r>
+              <a:rPr lang="en-US" altLang="ko-KR" sz="800">
+                <a:solidFill>
+                  <a:schemeClr val="accent2"/>
+                </a:solidFill>
+              </a:rPr>
+              <a:t>(K8s API Server </a:t>
+            </a:r>
+            <a:r>
+              <a:rPr lang="en-US" altLang="ko-KR" sz="800">
+                <a:solidFill>
+                  <a:schemeClr val="accent2"/>
+                </a:solidFill>
+                <a:sym typeface="Wingdings" pitchFamily="2" charset="2"/>
+              </a:rPr>
+              <a:t> Istiod)</a:t>
+            </a:r>
+            <a:endParaRPr lang="ko-KR" altLang="en-US" sz="800">
+              <a:solidFill>
+                <a:schemeClr val="accent2"/>
+              </a:solidFill>
+            </a:endParaRPr>
+          </a:p>
+        </p:txBody>
+      </p:sp>
+      <p:cxnSp>
+        <p:nvCxnSpPr>
+          <p:cNvPr id="134" name="Straight Arrow Connector 133">
+            <a:extLst>
+              <a:ext uri="{FF2B5EF4-FFF2-40B4-BE49-F238E27FC236}">
+                <a16:creationId xmlns:a16="http://schemas.microsoft.com/office/drawing/2014/main" id="{5592B061-9C71-304C-B220-8167474B7D0C}"/>
+              </a:ext>
+            </a:extLst>
+          </p:cNvPr>
+          <p:cNvCxnSpPr>
+            <a:cxnSpLocks/>
+          </p:cNvCxnSpPr>
+          <p:nvPr/>
+        </p:nvCxnSpPr>
+        <p:spPr>
+          <a:xfrm flipV="1">
+            <a:off x="2398345" y="3562017"/>
+            <a:ext cx="0" cy="855170"/>
+          </a:xfrm>
+          <a:prstGeom prst="straightConnector1">
+            <a:avLst/>
+          </a:prstGeom>
+          <a:ln w="12700">
+            <a:solidFill>
+              <a:schemeClr val="tx1"/>
+            </a:solidFill>
+            <a:prstDash val="dash"/>
+            <a:tailEnd type="triangle"/>
+          </a:ln>
+        </p:spPr>
+        <p:style>
+          <a:lnRef idx="1">
+            <a:schemeClr val="accent1"/>
+          </a:lnRef>
+          <a:fillRef idx="0">
+            <a:schemeClr val="accent1"/>
+          </a:fillRef>
+          <a:effectRef idx="0">
+            <a:schemeClr val="accent1"/>
+          </a:effectRef>
+          <a:fontRef idx="minor">
+            <a:schemeClr val="tx1"/>
+          </a:fontRef>
+        </p:style>
+      </p:cxnSp>
+      <p:sp>
+        <p:nvSpPr>
+          <p:cNvPr id="137" name="TextBox 136">
+            <a:extLst>
+              <a:ext uri="{FF2B5EF4-FFF2-40B4-BE49-F238E27FC236}">
+                <a16:creationId xmlns:a16="http://schemas.microsoft.com/office/drawing/2014/main" id="{9A08028C-9D93-3E4D-BB52-9723D38F03EF}"/>
+              </a:ext>
+            </a:extLst>
+          </p:cNvPr>
+          <p:cNvSpPr txBox="1"/>
+          <p:nvPr/>
+        </p:nvSpPr>
+        <p:spPr>
+          <a:xfrm>
+            <a:off x="1309883" y="3765572"/>
+            <a:ext cx="1749946" cy="400110"/>
+          </a:xfrm>
+          <a:prstGeom prst="rect">
+            <a:avLst/>
+          </a:prstGeom>
+          <a:solidFill>
+            <a:schemeClr val="bg1"/>
+          </a:solidFill>
+        </p:spPr>
+        <p:txBody>
           <a:bodyPr wrap="square" rtlCol="0">
             <a:spAutoFit/>
           </a:bodyPr>
@@ -10077,71 +11853,6 @@
             <a:r>
               <a:rPr lang="en-KR" sz="1000"/>
               <a:t>equest</a:t>
-            </a:r>
-          </a:p>
-        </p:txBody>
-      </p:sp>
-      <p:sp>
-        <p:nvSpPr>
-          <p:cNvPr id="142" name="TextBox 141">
-            <a:extLst>
-              <a:ext uri="{FF2B5EF4-FFF2-40B4-BE49-F238E27FC236}">
-                <a16:creationId xmlns:a16="http://schemas.microsoft.com/office/drawing/2014/main" id="{26B4938E-875C-A04F-9014-08091EE0215A}"/>
-              </a:ext>
-            </a:extLst>
-          </p:cNvPr>
-          <p:cNvSpPr txBox="1"/>
-          <p:nvPr/>
-        </p:nvSpPr>
-        <p:spPr>
-          <a:xfrm>
-            <a:off x="1448830" y="4417187"/>
-            <a:ext cx="1899030" cy="400110"/>
-          </a:xfrm>
-          <a:prstGeom prst="rect">
-            <a:avLst/>
-          </a:prstGeom>
-          <a:solidFill>
-            <a:schemeClr val="bg1"/>
-          </a:solidFill>
-        </p:spPr>
-        <p:txBody>
-          <a:bodyPr wrap="square" rtlCol="0">
-            <a:spAutoFit/>
-          </a:bodyPr>
-          <a:lstStyle/>
-          <a:p>
-            <a:pPr algn="ctr"/>
-            <a:r>
-              <a:rPr lang="en-KR" sz="1000"/>
-              <a:t>2. kubelet sends</a:t>
-            </a:r>
-            <a:r>
-              <a:rPr lang="ko-KR" altLang="en-US" sz="1000"/>
-              <a:t> </a:t>
-            </a:r>
-            <a:r>
-              <a:rPr lang="en-KR" sz="1000"/>
-              <a:t>SIGTERM </a:t>
-            </a:r>
-          </a:p>
-          <a:p>
-            <a:pPr algn="ctr"/>
-            <a:r>
-              <a:rPr lang="en-KR" sz="1000"/>
-              <a:t>signal</a:t>
-            </a:r>
-            <a:r>
-              <a:rPr lang="ko-KR" altLang="en-US" sz="1000"/>
-              <a:t> </a:t>
-            </a:r>
-            <a:r>
-              <a:rPr lang="en-US" sz="1000"/>
-              <a:t>t</a:t>
-            </a:r>
-            <a:r>
-              <a:rPr lang="en-KR" sz="1000"/>
-              <a:t>o pliot-agent</a:t>
             </a:r>
           </a:p>
         </p:txBody>
@@ -10469,7 +12180,7 @@
         <p:spPr>
           <a:xfrm>
             <a:off x="3918141" y="4419967"/>
-            <a:ext cx="1929942" cy="553998"/>
+            <a:ext cx="1929942" cy="400110"/>
           </a:xfrm>
           <a:prstGeom prst="rect">
             <a:avLst/>
@@ -10491,21 +12202,14 @@
             </a:r>
             <a:r>
               <a:rPr lang="en-US" sz="1000"/>
-              <a:t>set Envoy Proxy</a:t>
+              <a:t>waits</a:t>
             </a:r>
           </a:p>
           <a:p>
             <a:pPr algn="ctr"/>
             <a:r>
               <a:rPr lang="en-US" sz="1000"/>
-              <a:t>to Drain Mode and check</a:t>
-            </a:r>
-          </a:p>
-          <a:p>
-            <a:pPr algn="ctr"/>
-            <a:r>
-              <a:rPr lang="en-US" sz="1000"/>
-              <a:t>connections</a:t>
+              <a:t>0 connections</a:t>
             </a:r>
             <a:endParaRPr lang="en-KR" sz="1000"/>
           </a:p>
@@ -10525,8 +12229,8 @@
         </p:nvSpPr>
         <p:spPr>
           <a:xfrm>
-            <a:off x="3898058" y="3765572"/>
-            <a:ext cx="1521570" cy="553998"/>
+            <a:off x="3774627" y="3765572"/>
+            <a:ext cx="1768433" cy="553998"/>
           </a:xfrm>
           <a:prstGeom prst="rect">
             <a:avLst/>
@@ -10543,8 +12247,12 @@
           <a:p>
             <a:pPr algn="ctr"/>
             <a:r>
+              <a:rPr lang="en-US" altLang="ko-KR" sz="1000"/>
+              <a:t>4</a:t>
+            </a:r>
+            <a:r>
               <a:rPr lang="en-US" sz="1000"/>
-              <a:t>3. kube-proxy removes</a:t>
+              <a:t>. All envoy proxy removes</a:t>
             </a:r>
           </a:p>
           <a:p>
@@ -10649,7 +12357,7 @@
             <a:pPr algn="ctr"/>
             <a:r>
               <a:rPr lang="en-US" sz="1000"/>
-              <a:t>remove Envoy Proxy</a:t>
+              <a:t>remove envoy proxy</a:t>
             </a:r>
           </a:p>
           <a:p>
@@ -10707,6 +12415,185 @@
           </a:fontRef>
         </p:style>
       </p:cxnSp>
+      <p:sp>
+        <p:nvSpPr>
+          <p:cNvPr id="42" name="TextBox 41">
+            <a:extLst>
+              <a:ext uri="{FF2B5EF4-FFF2-40B4-BE49-F238E27FC236}">
+                <a16:creationId xmlns:a16="http://schemas.microsoft.com/office/drawing/2014/main" id="{3F2E8242-EDC2-A64C-A68C-4B3B1B171937}"/>
+              </a:ext>
+            </a:extLst>
+          </p:cNvPr>
+          <p:cNvSpPr txBox="1"/>
+          <p:nvPr/>
+        </p:nvSpPr>
+        <p:spPr>
+          <a:xfrm>
+            <a:off x="1376820" y="4319702"/>
+            <a:ext cx="2043050" cy="707886"/>
+          </a:xfrm>
+          <a:prstGeom prst="rect">
+            <a:avLst/>
+          </a:prstGeom>
+          <a:solidFill>
+            <a:schemeClr val="bg1"/>
+          </a:solidFill>
+        </p:spPr>
+        <p:txBody>
+          <a:bodyPr wrap="square" rtlCol="0">
+            <a:spAutoFit/>
+          </a:bodyPr>
+          <a:lstStyle/>
+          <a:p>
+            <a:pPr algn="ctr"/>
+            <a:r>
+              <a:rPr lang="en-KR" sz="1000"/>
+              <a:t>2. kubelet sends</a:t>
+            </a:r>
+            <a:r>
+              <a:rPr lang="ko-KR" altLang="en-US" sz="1000"/>
+              <a:t> </a:t>
+            </a:r>
+            <a:r>
+              <a:rPr lang="en-KR" sz="1000"/>
+              <a:t>SIGTERM </a:t>
+            </a:r>
+          </a:p>
+          <a:p>
+            <a:pPr algn="ctr"/>
+            <a:r>
+              <a:rPr lang="en-KR" sz="1000"/>
+              <a:t>signal</a:t>
+            </a:r>
+            <a:r>
+              <a:rPr lang="ko-KR" altLang="en-US" sz="1000"/>
+              <a:t> </a:t>
+            </a:r>
+            <a:r>
+              <a:rPr lang="en-US" sz="1000"/>
+              <a:t>t</a:t>
+            </a:r>
+            <a:r>
+              <a:rPr lang="en-KR" sz="1000"/>
+              <a:t>o pliot-agent</a:t>
+            </a:r>
+            <a:br>
+              <a:rPr lang="en-KR" sz="1000"/>
+            </a:br>
+            <a:r>
+              <a:rPr lang="en-US" altLang="ko-KR" sz="1000"/>
+              <a:t>3</a:t>
+            </a:r>
+            <a:r>
+              <a:rPr lang="en-KR" sz="1000"/>
+              <a:t>. pilot-agent </a:t>
+            </a:r>
+            <a:r>
+              <a:rPr lang="en-US" sz="1000"/>
+              <a:t>sets envoy </a:t>
+            </a:r>
+            <a:r>
+              <a:rPr lang="en-US" altLang="ko-KR" sz="1000"/>
+              <a:t>p</a:t>
+            </a:r>
+            <a:r>
+              <a:rPr lang="en-US" sz="1000"/>
+              <a:t>roxy</a:t>
+            </a:r>
+          </a:p>
+          <a:p>
+            <a:pPr algn="ctr"/>
+            <a:r>
+              <a:rPr lang="en-US" sz="1000"/>
+              <a:t>to drain mode and wait</a:t>
+            </a:r>
+            <a:endParaRPr lang="en-KR" sz="1000"/>
+          </a:p>
+        </p:txBody>
+      </p:sp>
+      <p:sp>
+        <p:nvSpPr>
+          <p:cNvPr id="44" name="사각형: 둥근 모서리 36">
+            <a:extLst>
+              <a:ext uri="{FF2B5EF4-FFF2-40B4-BE49-F238E27FC236}">
+                <a16:creationId xmlns:a16="http://schemas.microsoft.com/office/drawing/2014/main" id="{0F54A882-553A-7A42-9BA7-8C5B897AD6E2}"/>
+              </a:ext>
+            </a:extLst>
+          </p:cNvPr>
+          <p:cNvSpPr/>
+          <p:nvPr/>
+        </p:nvSpPr>
+        <p:spPr>
+          <a:xfrm>
+            <a:off x="4178023" y="908508"/>
+            <a:ext cx="3058274" cy="294176"/>
+          </a:xfrm>
+          <a:prstGeom prst="roundRect">
+            <a:avLst>
+              <a:gd name="adj" fmla="val 0"/>
+            </a:avLst>
+          </a:prstGeom>
+          <a:ln w="12700">
+            <a:solidFill>
+              <a:schemeClr val="accent2"/>
+            </a:solidFill>
+          </a:ln>
+        </p:spPr>
+        <p:style>
+          <a:lnRef idx="2">
+            <a:schemeClr val="dk1"/>
+          </a:lnRef>
+          <a:fillRef idx="1">
+            <a:schemeClr val="lt1"/>
+          </a:fillRef>
+          <a:effectRef idx="0">
+            <a:schemeClr val="dk1"/>
+          </a:effectRef>
+          <a:fontRef idx="minor">
+            <a:schemeClr val="dk1"/>
+          </a:fontRef>
+        </p:style>
+        <p:txBody>
+          <a:bodyPr rtlCol="0" anchor="ctr"/>
+          <a:lstStyle/>
+          <a:p>
+            <a:pPr algn="ctr"/>
+            <a:r>
+              <a:rPr lang="en-US" altLang="ko-KR" sz="800">
+                <a:solidFill>
+                  <a:schemeClr val="accent2"/>
+                </a:solidFill>
+              </a:rPr>
+              <a:t>Request Delivery</a:t>
+            </a:r>
+          </a:p>
+          <a:p>
+            <a:pPr algn="ctr"/>
+            <a:r>
+              <a:rPr lang="en-US" altLang="ko-KR" sz="800">
+                <a:solidFill>
+                  <a:schemeClr val="accent2"/>
+                </a:solidFill>
+              </a:rPr>
+              <a:t>(Istiod </a:t>
+            </a:r>
+            <a:r>
+              <a:rPr lang="en-US" altLang="ko-KR" sz="800">
+                <a:solidFill>
+                  <a:schemeClr val="accent2"/>
+                </a:solidFill>
+                <a:sym typeface="Wingdings" pitchFamily="2" charset="2"/>
+              </a:rPr>
+              <a:t> All Envoy Proxy)</a:t>
+            </a:r>
+            <a:endParaRPr lang="ko-KR" altLang="en-US" sz="800">
+              <a:solidFill>
+                <a:schemeClr val="accent2"/>
+              </a:solidFill>
+            </a:endParaRPr>
+          </a:p>
+        </p:txBody>
+      </p:sp>
     </p:spTree>
     <p:extLst>
       <p:ext uri="{BB962C8B-B14F-4D97-AF65-F5344CB8AC3E}">
@@ -10720,7 +12607,7 @@
 </p:sld>
 </file>
 
-<file path=ppt/slides/slide5.xml><?xml version="1.0" encoding="utf-8"?>
+<file path=ppt/slides/slide6.xml><?xml version="1.0" encoding="utf-8"?>
 <p:sld xmlns:a="http://schemas.openxmlformats.org/drawingml/2006/main" xmlns:r="http://schemas.openxmlformats.org/officeDocument/2006/relationships" xmlns:p="http://schemas.openxmlformats.org/presentationml/2006/main">
   <p:cSld>
     <p:spTree>
@@ -10750,7 +12637,7 @@
 </p:sld>
 </file>
 
-<file path=ppt/slides/slide6.xml><?xml version="1.0" encoding="utf-8"?>
+<file path=ppt/slides/slide7.xml><?xml version="1.0" encoding="utf-8"?>
 <p:sld xmlns:a="http://schemas.openxmlformats.org/drawingml/2006/main" xmlns:r="http://schemas.openxmlformats.org/officeDocument/2006/relationships" xmlns:p="http://schemas.openxmlformats.org/presentationml/2006/main">
   <p:cSld>
     <p:spTree>

--- a/content/docs/theory-analysis/istio-pod-gracefully-termination/images/images.pptx
+++ b/content/docs/theory-analysis/istio-pod-gracefully-termination/images/images.pptx
@@ -11,9 +11,9 @@
     <p:sldId id="365" r:id="rId2"/>
     <p:sldId id="394" r:id="rId3"/>
     <p:sldId id="380" r:id="rId4"/>
-    <p:sldId id="395" r:id="rId5"/>
-    <p:sldId id="393" r:id="rId6"/>
-    <p:sldId id="391" r:id="rId7"/>
+    <p:sldId id="393" r:id="rId5"/>
+    <p:sldId id="391" r:id="rId6"/>
+    <p:sldId id="395" r:id="rId7"/>
     <p:sldId id="392" r:id="rId8"/>
   </p:sldIdLst>
   <p:sldSz cx="9144000" cy="5143500" type="screen16x9"/>
@@ -219,7 +219,7 @@
           <a:p>
             <a:fld id="{6CD5550B-26C4-49A9-A5BA-636EF7BE6CE9}" type="datetimeFigureOut">
               <a:rPr lang="ko-KR" altLang="en-US" smtClean="0"/>
-              <a:t>2025. 1. 7.</a:t>
+              <a:t>2025. 5. 24.</a:t>
             </a:fld>
             <a:endParaRPr lang="ko-KR" altLang="en-US"/>
           </a:p>
@@ -812,7 +812,7 @@
     </p:spTree>
     <p:extLst>
       <p:ext uri="{BB962C8B-B14F-4D97-AF65-F5344CB8AC3E}">
-        <p14:creationId xmlns:p14="http://schemas.microsoft.com/office/powerpoint/2010/main" val="1876292716"/>
+        <p14:creationId xmlns:p14="http://schemas.microsoft.com/office/powerpoint/2010/main" val="3162792737"/>
       </p:ext>
     </p:extLst>
   </p:cSld>
@@ -887,7 +887,7 @@
           <a:p>
             <a:fld id="{BA5DFA43-8D57-47FB-BC46-057616015C3B}" type="slidenum">
               <a:rPr lang="ko-KR" altLang="en-US" smtClean="0"/>
-              <a:t>5</a:t>
+              <a:t>6</a:t>
             </a:fld>
             <a:endParaRPr lang="ko-KR" altLang="en-US"/>
           </a:p>
@@ -896,7 +896,7 @@
     </p:spTree>
     <p:extLst>
       <p:ext uri="{BB962C8B-B14F-4D97-AF65-F5344CB8AC3E}">
-        <p14:creationId xmlns:p14="http://schemas.microsoft.com/office/powerpoint/2010/main" val="3162792737"/>
+        <p14:creationId xmlns:p14="http://schemas.microsoft.com/office/powerpoint/2010/main" val="1876292716"/>
       </p:ext>
     </p:extLst>
   </p:cSld>
@@ -1169,7 +1169,7 @@
           <a:p>
             <a:fld id="{FB30EDBD-1C2D-4C1E-B459-B60219FAB484}" type="datetimeFigureOut">
               <a:rPr lang="ko-KR" altLang="en-US" smtClean="0"/>
-              <a:t>2025. 1. 7.</a:t>
+              <a:t>2025. 5. 24.</a:t>
             </a:fld>
             <a:endParaRPr lang="ko-KR" altLang="en-US"/>
           </a:p>
@@ -1332,7 +1332,7 @@
           <a:p>
             <a:fld id="{FB30EDBD-1C2D-4C1E-B459-B60219FAB484}" type="datetimeFigureOut">
               <a:rPr lang="ko-KR" altLang="en-US" smtClean="0"/>
-              <a:t>2025. 1. 7.</a:t>
+              <a:t>2025. 5. 24.</a:t>
             </a:fld>
             <a:endParaRPr lang="ko-KR" altLang="en-US"/>
           </a:p>
@@ -1505,7 +1505,7 @@
           <a:p>
             <a:fld id="{FB30EDBD-1C2D-4C1E-B459-B60219FAB484}" type="datetimeFigureOut">
               <a:rPr lang="ko-KR" altLang="en-US" smtClean="0"/>
-              <a:t>2025. 1. 7.</a:t>
+              <a:t>2025. 5. 24.</a:t>
             </a:fld>
             <a:endParaRPr lang="ko-KR" altLang="en-US"/>
           </a:p>
@@ -1668,7 +1668,7 @@
           <a:p>
             <a:fld id="{FB30EDBD-1C2D-4C1E-B459-B60219FAB484}" type="datetimeFigureOut">
               <a:rPr lang="ko-KR" altLang="en-US" smtClean="0"/>
-              <a:t>2025. 1. 7.</a:t>
+              <a:t>2025. 5. 24.</a:t>
             </a:fld>
             <a:endParaRPr lang="ko-KR" altLang="en-US"/>
           </a:p>
@@ -1908,7 +1908,7 @@
           <a:p>
             <a:fld id="{FB30EDBD-1C2D-4C1E-B459-B60219FAB484}" type="datetimeFigureOut">
               <a:rPr lang="ko-KR" altLang="en-US" smtClean="0"/>
-              <a:t>2025. 1. 7.</a:t>
+              <a:t>2025. 5. 24.</a:t>
             </a:fld>
             <a:endParaRPr lang="ko-KR" altLang="en-US"/>
           </a:p>
@@ -2188,7 +2188,7 @@
           <a:p>
             <a:fld id="{FB30EDBD-1C2D-4C1E-B459-B60219FAB484}" type="datetimeFigureOut">
               <a:rPr lang="ko-KR" altLang="en-US" smtClean="0"/>
-              <a:t>2025. 1. 7.</a:t>
+              <a:t>2025. 5. 24.</a:t>
             </a:fld>
             <a:endParaRPr lang="ko-KR" altLang="en-US"/>
           </a:p>
@@ -2602,7 +2602,7 @@
           <a:p>
             <a:fld id="{FB30EDBD-1C2D-4C1E-B459-B60219FAB484}" type="datetimeFigureOut">
               <a:rPr lang="ko-KR" altLang="en-US" smtClean="0"/>
-              <a:t>2025. 1. 7.</a:t>
+              <a:t>2025. 5. 24.</a:t>
             </a:fld>
             <a:endParaRPr lang="ko-KR" altLang="en-US"/>
           </a:p>
@@ -2714,7 +2714,7 @@
           <a:p>
             <a:fld id="{FB30EDBD-1C2D-4C1E-B459-B60219FAB484}" type="datetimeFigureOut">
               <a:rPr lang="ko-KR" altLang="en-US" smtClean="0"/>
-              <a:t>2025. 1. 7.</a:t>
+              <a:t>2025. 5. 24.</a:t>
             </a:fld>
             <a:endParaRPr lang="ko-KR" altLang="en-US"/>
           </a:p>
@@ -2804,7 +2804,7 @@
           <a:p>
             <a:fld id="{FB30EDBD-1C2D-4C1E-B459-B60219FAB484}" type="datetimeFigureOut">
               <a:rPr lang="ko-KR" altLang="en-US" smtClean="0"/>
-              <a:t>2025. 1. 7.</a:t>
+              <a:t>2025. 5. 24.</a:t>
             </a:fld>
             <a:endParaRPr lang="ko-KR" altLang="en-US"/>
           </a:p>
@@ -3074,7 +3074,7 @@
           <a:p>
             <a:fld id="{FB30EDBD-1C2D-4C1E-B459-B60219FAB484}" type="datetimeFigureOut">
               <a:rPr lang="ko-KR" altLang="en-US" smtClean="0"/>
-              <a:t>2025. 1. 7.</a:t>
+              <a:t>2025. 5. 24.</a:t>
             </a:fld>
             <a:endParaRPr lang="ko-KR" altLang="en-US"/>
           </a:p>
@@ -3321,7 +3321,7 @@
           <a:p>
             <a:fld id="{FB30EDBD-1C2D-4C1E-B459-B60219FAB484}" type="datetimeFigureOut">
               <a:rPr lang="ko-KR" altLang="en-US" smtClean="0"/>
-              <a:t>2025. 1. 7.</a:t>
+              <a:t>2025. 5. 24.</a:t>
             </a:fld>
             <a:endParaRPr lang="ko-KR" altLang="en-US"/>
           </a:p>
@@ -3527,7 +3527,7 @@
           <a:p>
             <a:fld id="{FB30EDBD-1C2D-4C1E-B459-B60219FAB484}" type="datetimeFigureOut">
               <a:rPr lang="ko-KR" altLang="en-US" smtClean="0"/>
-              <a:t>2025. 1. 7.</a:t>
+              <a:t>2025. 5. 24.</a:t>
             </a:fld>
             <a:endParaRPr lang="ko-KR" altLang="en-US"/>
           </a:p>
@@ -6700,8 +6700,8 @@
         </p:nvSpPr>
         <p:spPr>
           <a:xfrm>
-            <a:off x="1115619" y="3052293"/>
-            <a:ext cx="3765448" cy="360036"/>
+            <a:off x="1115618" y="3052293"/>
+            <a:ext cx="5017814" cy="360036"/>
           </a:xfrm>
           <a:prstGeom prst="roundRect">
             <a:avLst>
@@ -6751,8 +6751,8 @@
         </p:nvSpPr>
         <p:spPr>
           <a:xfrm>
-            <a:off x="1115618" y="2544447"/>
-            <a:ext cx="3765450" cy="360036"/>
+            <a:off x="1115617" y="2544447"/>
+            <a:ext cx="5017816" cy="360036"/>
           </a:xfrm>
           <a:prstGeom prst="roundRect">
             <a:avLst>
@@ -8150,7 +8150,7 @@
         </p:nvCxnSpPr>
         <p:spPr>
           <a:xfrm>
-            <a:off x="4881067" y="2326554"/>
+            <a:off x="6133432" y="2326554"/>
             <a:ext cx="0" cy="1235461"/>
           </a:xfrm>
           <a:prstGeom prst="straightConnector1">
@@ -8242,8 +8242,8 @@
         </p:nvCxnSpPr>
         <p:spPr>
           <a:xfrm flipH="1">
-            <a:off x="2398346" y="2427734"/>
-            <a:ext cx="2482721" cy="0"/>
+            <a:off x="2398347" y="2427734"/>
+            <a:ext cx="3735085" cy="0"/>
           </a:xfrm>
           <a:prstGeom prst="straightConnector1">
             <a:avLst/>
@@ -8289,7 +8289,7 @@
         </p:nvCxnSpPr>
         <p:spPr>
           <a:xfrm flipV="1">
-            <a:off x="4883112" y="3550691"/>
+            <a:off x="6133432" y="3550691"/>
             <a:ext cx="0" cy="869276"/>
           </a:xfrm>
           <a:prstGeom prst="straightConnector1">
@@ -8332,7 +8332,7 @@
         </p:nvSpPr>
         <p:spPr>
           <a:xfrm>
-            <a:off x="3918141" y="4419967"/>
+            <a:off x="5168461" y="4419967"/>
             <a:ext cx="1929942" cy="400110"/>
           </a:xfrm>
           <a:prstGeom prst="rect">
@@ -8442,7 +8442,7 @@
         </p:nvSpPr>
         <p:spPr>
           <a:xfrm>
-            <a:off x="3060276" y="2190537"/>
+            <a:off x="3504479" y="2190537"/>
             <a:ext cx="1372491" cy="215444"/>
           </a:xfrm>
           <a:prstGeom prst="rect">
@@ -8595,7 +8595,7 @@
         <p:spPr>
           <a:xfrm>
             <a:off x="1115619" y="3052293"/>
-            <a:ext cx="3240357" cy="360036"/>
+            <a:ext cx="5472606" cy="360036"/>
           </a:xfrm>
           <a:prstGeom prst="roundRect">
             <a:avLst>
@@ -8646,7 +8646,7 @@
         <p:spPr>
           <a:xfrm>
             <a:off x="1115618" y="2544447"/>
-            <a:ext cx="3240359" cy="360036"/>
+            <a:ext cx="5472606" cy="360036"/>
           </a:xfrm>
           <a:prstGeom prst="roundRect">
             <a:avLst>
@@ -9625,7 +9625,7 @@
         </p:nvSpPr>
         <p:spPr>
           <a:xfrm>
-            <a:off x="2553297" y="1247845"/>
+            <a:off x="2553293" y="1247845"/>
             <a:ext cx="1736373" cy="215444"/>
           </a:xfrm>
           <a:prstGeom prst="rect">
@@ -9758,7 +9758,7 @@
         <p:spPr>
           <a:xfrm flipV="1">
             <a:off x="2398345" y="3562017"/>
-            <a:ext cx="0" cy="757553"/>
+            <a:ext cx="0" cy="855170"/>
           </a:xfrm>
           <a:prstGeom prst="straightConnector1">
             <a:avLst/>
@@ -9844,102 +9844,6 @@
               <a:rPr lang="en-KR" sz="1000"/>
               <a:t>equest</a:t>
             </a:r>
-          </a:p>
-        </p:txBody>
-      </p:sp>
-      <p:sp>
-        <p:nvSpPr>
-          <p:cNvPr id="142" name="TextBox 141">
-            <a:extLst>
-              <a:ext uri="{FF2B5EF4-FFF2-40B4-BE49-F238E27FC236}">
-                <a16:creationId xmlns:a16="http://schemas.microsoft.com/office/drawing/2014/main" id="{26B4938E-875C-A04F-9014-08091EE0215A}"/>
-              </a:ext>
-            </a:extLst>
-          </p:cNvPr>
-          <p:cNvSpPr txBox="1"/>
-          <p:nvPr/>
-        </p:nvSpPr>
-        <p:spPr>
-          <a:xfrm>
-            <a:off x="1376820" y="4319702"/>
-            <a:ext cx="2043050" cy="707886"/>
-          </a:xfrm>
-          <a:prstGeom prst="rect">
-            <a:avLst/>
-          </a:prstGeom>
-          <a:solidFill>
-            <a:schemeClr val="bg1"/>
-          </a:solidFill>
-        </p:spPr>
-        <p:txBody>
-          <a:bodyPr wrap="square" rtlCol="0">
-            <a:spAutoFit/>
-          </a:bodyPr>
-          <a:lstStyle/>
-          <a:p>
-            <a:pPr algn="ctr"/>
-            <a:r>
-              <a:rPr lang="en-KR" sz="1000"/>
-              <a:t>2. kubelet sends</a:t>
-            </a:r>
-            <a:r>
-              <a:rPr lang="ko-KR" altLang="en-US" sz="1000"/>
-              <a:t> </a:t>
-            </a:r>
-            <a:r>
-              <a:rPr lang="en-KR" sz="1000"/>
-              <a:t>SIGTERM </a:t>
-            </a:r>
-          </a:p>
-          <a:p>
-            <a:pPr algn="ctr"/>
-            <a:r>
-              <a:rPr lang="en-KR" sz="1000"/>
-              <a:t>signal</a:t>
-            </a:r>
-            <a:r>
-              <a:rPr lang="ko-KR" altLang="en-US" sz="1000"/>
-              <a:t> </a:t>
-            </a:r>
-            <a:r>
-              <a:rPr lang="en-US" sz="1000"/>
-              <a:t>t</a:t>
-            </a:r>
-            <a:r>
-              <a:rPr lang="en-KR" sz="1000"/>
-              <a:t>o pliot-agent</a:t>
-            </a:r>
-            <a:br>
-              <a:rPr lang="en-KR" sz="1000"/>
-            </a:br>
-            <a:r>
-              <a:rPr lang="en-US" altLang="ko-KR" sz="1000"/>
-              <a:t>3</a:t>
-            </a:r>
-            <a:r>
-              <a:rPr lang="en-KR" sz="1000"/>
-              <a:t>. pilot-agent </a:t>
-            </a:r>
-            <a:r>
-              <a:rPr lang="en-US" sz="1000"/>
-              <a:t>sets envoy </a:t>
-            </a:r>
-            <a:r>
-              <a:rPr lang="en-US" altLang="ko-KR" sz="1000"/>
-              <a:t>p</a:t>
-            </a:r>
-            <a:r>
-              <a:rPr lang="en-US" sz="1000"/>
-              <a:t>roxy</a:t>
-            </a:r>
-          </a:p>
-          <a:p>
-            <a:pPr algn="ctr"/>
-            <a:r>
-              <a:rPr lang="en-US" sz="1000"/>
-              <a:t>to drain mode and wait</a:t>
-            </a:r>
-            <a:endParaRPr lang="en-KR" sz="1000"/>
           </a:p>
         </p:txBody>
       </p:sp>
@@ -10044,7 +9948,7 @@
         </p:nvCxnSpPr>
         <p:spPr>
           <a:xfrm>
-            <a:off x="4355976" y="2326554"/>
+            <a:off x="6370155" y="2326554"/>
             <a:ext cx="0" cy="1235461"/>
           </a:xfrm>
           <a:prstGeom prst="straightConnector1">
@@ -10136,8 +10040,8 @@
         </p:nvCxnSpPr>
         <p:spPr>
           <a:xfrm flipH="1">
-            <a:off x="2398346" y="2427734"/>
-            <a:ext cx="2482721" cy="0"/>
+            <a:off x="2398347" y="2427734"/>
+            <a:ext cx="2821725" cy="0"/>
           </a:xfrm>
           <a:prstGeom prst="straightConnector1">
             <a:avLst/>
@@ -10166,6 +10070,45 @@
           </a:fontRef>
         </p:style>
       </p:cxnSp>
+      <p:sp>
+        <p:nvSpPr>
+          <p:cNvPr id="40" name="TextBox 39">
+            <a:extLst>
+              <a:ext uri="{FF2B5EF4-FFF2-40B4-BE49-F238E27FC236}">
+                <a16:creationId xmlns:a16="http://schemas.microsoft.com/office/drawing/2014/main" id="{4EF4A4E1-1DFA-2E4F-9681-E1618DE43572}"/>
+              </a:ext>
+            </a:extLst>
+          </p:cNvPr>
+          <p:cNvSpPr txBox="1"/>
+          <p:nvPr/>
+        </p:nvSpPr>
+        <p:spPr>
+          <a:xfrm>
+            <a:off x="3258375" y="2190537"/>
+            <a:ext cx="1585690" cy="215444"/>
+          </a:xfrm>
+          <a:prstGeom prst="rect">
+            <a:avLst/>
+          </a:prstGeom>
+          <a:solidFill>
+            <a:schemeClr val="bg1"/>
+          </a:solidFill>
+        </p:spPr>
+        <p:txBody>
+          <a:bodyPr wrap="none" rtlCol="0">
+            <a:spAutoFit/>
+          </a:bodyPr>
+          <a:lstStyle/>
+          <a:p>
+            <a:pPr algn="ctr"/>
+            <a:r>
+              <a:rPr lang="en-US" sz="800"/>
+              <a:t>MINIMUM_DRAIN_DURATION</a:t>
+            </a:r>
+            <a:endParaRPr lang="en-KR" sz="800"/>
+          </a:p>
+        </p:txBody>
+      </p:sp>
       <p:cxnSp>
         <p:nvCxnSpPr>
           <p:cNvPr id="43" name="Straight Arrow Connector 42">
@@ -10177,13 +10120,12 @@
           </p:cNvPr>
           <p:cNvCxnSpPr>
             <a:cxnSpLocks/>
-            <a:stCxn id="45" idx="0"/>
           </p:cNvCxnSpPr>
           <p:nvPr/>
         </p:nvCxnSpPr>
         <p:spPr>
           <a:xfrm flipV="1">
-            <a:off x="4358021" y="3550691"/>
+            <a:off x="6372200" y="3550691"/>
             <a:ext cx="0" cy="869276"/>
           </a:xfrm>
           <a:prstGeom prst="straightConnector1">
@@ -10226,7 +10168,7 @@
         </p:nvSpPr>
         <p:spPr>
           <a:xfrm>
-            <a:off x="3393050" y="4419967"/>
+            <a:off x="5405184" y="4419967"/>
             <a:ext cx="1929942" cy="400110"/>
           </a:xfrm>
           <a:prstGeom prst="rect">
@@ -10244,23 +10186,19 @@
           <a:p>
             <a:pPr algn="ctr"/>
             <a:r>
+              <a:rPr lang="en-KR" sz="1000"/>
+              <a:t>5. pilot-agent </a:t>
+            </a:r>
+            <a:r>
               <a:rPr lang="en-US" sz="1000"/>
-              <a:t>4</a:t>
-            </a:r>
-            <a:r>
-              <a:rPr lang="en-KR" sz="1000"/>
-              <a:t>. pilot-agent </a:t>
-            </a:r>
+              <a:t>waits</a:t>
+            </a:r>
+          </a:p>
+          <a:p>
+            <a:pPr algn="ctr"/>
             <a:r>
               <a:rPr lang="en-US" sz="1000"/>
-              <a:t>removes</a:t>
-            </a:r>
-          </a:p>
-          <a:p>
-            <a:pPr algn="ctr"/>
-            <a:r>
-              <a:rPr lang="en-US" sz="1000"/>
-              <a:t>envoy proxy</a:t>
+              <a:t>0 connections</a:t>
             </a:r>
             <a:endParaRPr lang="en-KR" sz="1000"/>
           </a:p>
@@ -10280,8 +10218,8 @@
         </p:nvSpPr>
         <p:spPr>
           <a:xfrm>
-            <a:off x="3776229" y="3765572"/>
-            <a:ext cx="1765228" cy="553998"/>
+            <a:off x="3774627" y="3765572"/>
+            <a:ext cx="1768433" cy="553998"/>
           </a:xfrm>
           <a:prstGeom prst="rect">
             <a:avLst/>
@@ -10298,8 +10236,12 @@
           <a:p>
             <a:pPr algn="ctr"/>
             <a:r>
+              <a:rPr lang="en-US" altLang="ko-KR" sz="1000"/>
+              <a:t>4</a:t>
+            </a:r>
+            <a:r>
               <a:rPr lang="en-US" sz="1000"/>
-              <a:t>5. All envoy proxy removes</a:t>
+              <a:t>. All envoy proxy removes</a:t>
             </a:r>
           </a:p>
           <a:p>
@@ -10318,12 +10260,58 @@
           </a:p>
         </p:txBody>
       </p:sp>
-      <p:sp>
-        <p:nvSpPr>
-          <p:cNvPr id="60" name="TextBox 59">
-            <a:extLst>
-              <a:ext uri="{FF2B5EF4-FFF2-40B4-BE49-F238E27FC236}">
-                <a16:creationId xmlns:a16="http://schemas.microsoft.com/office/drawing/2014/main" id="{844A34B9-471B-C345-8C00-7A4851064234}"/>
+      <p:cxnSp>
+        <p:nvCxnSpPr>
+          <p:cNvPr id="53" name="Straight Arrow Connector 52">
+            <a:extLst>
+              <a:ext uri="{FF2B5EF4-FFF2-40B4-BE49-F238E27FC236}">
+                <a16:creationId xmlns:a16="http://schemas.microsoft.com/office/drawing/2014/main" id="{D0A16FA5-C0E4-624F-BCB9-80AB326E0F07}"/>
+              </a:ext>
+            </a:extLst>
+          </p:cNvPr>
+          <p:cNvCxnSpPr>
+            <a:cxnSpLocks/>
+          </p:cNvCxnSpPr>
+          <p:nvPr/>
+        </p:nvCxnSpPr>
+        <p:spPr>
+          <a:xfrm>
+            <a:off x="6588224" y="2326554"/>
+            <a:ext cx="0" cy="1235461"/>
+          </a:xfrm>
+          <a:prstGeom prst="straightConnector1">
+            <a:avLst/>
+          </a:prstGeom>
+          <a:ln w="12700">
+            <a:solidFill>
+              <a:schemeClr val="tx1"/>
+            </a:solidFill>
+            <a:prstDash val="dash"/>
+            <a:headEnd type="none" w="med" len="med"/>
+            <a:tailEnd type="none" w="med" len="med"/>
+          </a:ln>
+        </p:spPr>
+        <p:style>
+          <a:lnRef idx="1">
+            <a:schemeClr val="accent1"/>
+          </a:lnRef>
+          <a:fillRef idx="0">
+            <a:schemeClr val="accent1"/>
+          </a:fillRef>
+          <a:effectRef idx="0">
+            <a:schemeClr val="accent1"/>
+          </a:effectRef>
+          <a:fontRef idx="minor">
+            <a:schemeClr val="tx1"/>
+          </a:fontRef>
+        </p:style>
+      </p:cxnSp>
+      <p:sp>
+        <p:nvSpPr>
+          <p:cNvPr id="55" name="TextBox 54">
+            <a:extLst>
+              <a:ext uri="{FF2B5EF4-FFF2-40B4-BE49-F238E27FC236}">
+                <a16:creationId xmlns:a16="http://schemas.microsoft.com/office/drawing/2014/main" id="{2910A9C4-710D-4B46-A542-1CB927D5A19F}"/>
               </a:ext>
             </a:extLst>
           </p:cNvPr>
@@ -10332,8 +10320,8 @@
         </p:nvSpPr>
         <p:spPr>
           <a:xfrm>
-            <a:off x="3060276" y="2190537"/>
-            <a:ext cx="1372491" cy="215444"/>
+            <a:off x="5623253" y="3760240"/>
+            <a:ext cx="1929942" cy="553998"/>
           </a:xfrm>
           <a:prstGeom prst="rect">
             <a:avLst/>
@@ -10343,17 +10331,172 @@
           </a:solidFill>
         </p:spPr>
         <p:txBody>
-          <a:bodyPr wrap="none" rtlCol="0">
+          <a:bodyPr wrap="square" rtlCol="0">
             <a:spAutoFit/>
           </a:bodyPr>
           <a:lstStyle/>
           <a:p>
             <a:pPr algn="ctr"/>
             <a:r>
-              <a:rPr lang="en-US" sz="800"/>
-              <a:t>terminationDrainDuration</a:t>
-            </a:r>
-            <a:endParaRPr lang="en-KR" sz="800"/>
+              <a:rPr lang="en-KR" sz="1000"/>
+              <a:t>6. pilot-agent</a:t>
+            </a:r>
+          </a:p>
+          <a:p>
+            <a:pPr algn="ctr"/>
+            <a:r>
+              <a:rPr lang="en-US" sz="1000"/>
+              <a:t>remove envoy proxy</a:t>
+            </a:r>
+          </a:p>
+          <a:p>
+            <a:pPr algn="ctr"/>
+            <a:r>
+              <a:rPr lang="en-US" sz="1000"/>
+              <a:t>after 0 connections</a:t>
+            </a:r>
+            <a:endParaRPr lang="en-KR" sz="1000"/>
+          </a:p>
+        </p:txBody>
+      </p:sp>
+      <p:cxnSp>
+        <p:nvCxnSpPr>
+          <p:cNvPr id="56" name="Straight Arrow Connector 55">
+            <a:extLst>
+              <a:ext uri="{FF2B5EF4-FFF2-40B4-BE49-F238E27FC236}">
+                <a16:creationId xmlns:a16="http://schemas.microsoft.com/office/drawing/2014/main" id="{3887B961-399F-DB46-BE89-CE10467CA28B}"/>
+              </a:ext>
+            </a:extLst>
+          </p:cNvPr>
+          <p:cNvCxnSpPr>
+            <a:cxnSpLocks/>
+          </p:cNvCxnSpPr>
+          <p:nvPr/>
+        </p:nvCxnSpPr>
+        <p:spPr>
+          <a:xfrm flipV="1">
+            <a:off x="6588224" y="3556346"/>
+            <a:ext cx="0" cy="209226"/>
+          </a:xfrm>
+          <a:prstGeom prst="straightConnector1">
+            <a:avLst/>
+          </a:prstGeom>
+          <a:ln w="12700">
+            <a:solidFill>
+              <a:schemeClr val="tx1"/>
+            </a:solidFill>
+            <a:prstDash val="dash"/>
+            <a:tailEnd type="triangle"/>
+          </a:ln>
+        </p:spPr>
+        <p:style>
+          <a:lnRef idx="1">
+            <a:schemeClr val="accent1"/>
+          </a:lnRef>
+          <a:fillRef idx="0">
+            <a:schemeClr val="accent1"/>
+          </a:fillRef>
+          <a:effectRef idx="0">
+            <a:schemeClr val="accent1"/>
+          </a:effectRef>
+          <a:fontRef idx="minor">
+            <a:schemeClr val="tx1"/>
+          </a:fontRef>
+        </p:style>
+      </p:cxnSp>
+      <p:sp>
+        <p:nvSpPr>
+          <p:cNvPr id="42" name="TextBox 41">
+            <a:extLst>
+              <a:ext uri="{FF2B5EF4-FFF2-40B4-BE49-F238E27FC236}">
+                <a16:creationId xmlns:a16="http://schemas.microsoft.com/office/drawing/2014/main" id="{3F2E8242-EDC2-A64C-A68C-4B3B1B171937}"/>
+              </a:ext>
+            </a:extLst>
+          </p:cNvPr>
+          <p:cNvSpPr txBox="1"/>
+          <p:nvPr/>
+        </p:nvSpPr>
+        <p:spPr>
+          <a:xfrm>
+            <a:off x="1376820" y="4319702"/>
+            <a:ext cx="2043050" cy="707886"/>
+          </a:xfrm>
+          <a:prstGeom prst="rect">
+            <a:avLst/>
+          </a:prstGeom>
+          <a:solidFill>
+            <a:schemeClr val="bg1"/>
+          </a:solidFill>
+        </p:spPr>
+        <p:txBody>
+          <a:bodyPr wrap="square" rtlCol="0">
+            <a:spAutoFit/>
+          </a:bodyPr>
+          <a:lstStyle/>
+          <a:p>
+            <a:pPr algn="ctr"/>
+            <a:r>
+              <a:rPr lang="en-KR" sz="1000"/>
+              <a:t>2. kubelet sends</a:t>
+            </a:r>
+            <a:r>
+              <a:rPr lang="ko-KR" altLang="en-US" sz="1000"/>
+              <a:t> </a:t>
+            </a:r>
+            <a:r>
+              <a:rPr lang="en-KR" sz="1000"/>
+              <a:t>SIGTERM </a:t>
+            </a:r>
+          </a:p>
+          <a:p>
+            <a:pPr algn="ctr"/>
+            <a:r>
+              <a:rPr lang="en-KR" sz="1000"/>
+              <a:t>signal</a:t>
+            </a:r>
+            <a:r>
+              <a:rPr lang="ko-KR" altLang="en-US" sz="1000"/>
+              <a:t> </a:t>
+            </a:r>
+            <a:r>
+              <a:rPr lang="en-US" sz="1000"/>
+              <a:t>t</a:t>
+            </a:r>
+            <a:r>
+              <a:rPr lang="en-KR" sz="1000"/>
+              <a:t>o pliot-agent</a:t>
+            </a:r>
+            <a:br>
+              <a:rPr lang="en-KR" sz="1000"/>
+            </a:br>
+            <a:r>
+              <a:rPr lang="en-US" altLang="ko-KR" sz="1000"/>
+              <a:t>3</a:t>
+            </a:r>
+            <a:r>
+              <a:rPr lang="en-KR" sz="1000"/>
+              <a:t>. pilot-agent </a:t>
+            </a:r>
+            <a:r>
+              <a:rPr lang="en-US" sz="1000"/>
+              <a:t>sets envoy </a:t>
+            </a:r>
+            <a:r>
+              <a:rPr lang="en-US" altLang="ko-KR" sz="1000"/>
+              <a:t>p</a:t>
+            </a:r>
+            <a:r>
+              <a:rPr lang="en-US" sz="1000"/>
+              <a:t>roxy</a:t>
+            </a:r>
+          </a:p>
+          <a:p>
+            <a:pPr algn="ctr"/>
+            <a:r>
+              <a:rPr lang="en-US" sz="1000"/>
+              <a:t>to drain mode and wait</a:t>
+            </a:r>
+            <a:endParaRPr lang="en-KR" sz="1000"/>
           </a:p>
         </p:txBody>
       </p:sp>
@@ -10362,7 +10505,7 @@
           <p:cNvPr id="44" name="사각형: 둥근 모서리 36">
             <a:extLst>
               <a:ext uri="{FF2B5EF4-FFF2-40B4-BE49-F238E27FC236}">
-                <a16:creationId xmlns:a16="http://schemas.microsoft.com/office/drawing/2014/main" id="{B57CD726-BBEC-B048-8DA4-E6AD249B8C5A}"/>
+                <a16:creationId xmlns:a16="http://schemas.microsoft.com/office/drawing/2014/main" id="{0F54A882-553A-7A42-9BA7-8C5B897AD6E2}"/>
               </a:ext>
             </a:extLst>
           </p:cNvPr>
@@ -10442,10 +10585,10 @@
       </p:sp>
       <p:cxnSp>
         <p:nvCxnSpPr>
-          <p:cNvPr id="47" name="Straight Arrow Connector 46">
-            <a:extLst>
-              <a:ext uri="{FF2B5EF4-FFF2-40B4-BE49-F238E27FC236}">
-                <a16:creationId xmlns:a16="http://schemas.microsoft.com/office/drawing/2014/main" id="{0F98317A-5153-6E4E-8123-576E1D2F53CF}"/>
+          <p:cNvPr id="41" name="Straight Arrow Connector 40">
+            <a:extLst>
+              <a:ext uri="{FF2B5EF4-FFF2-40B4-BE49-F238E27FC236}">
+                <a16:creationId xmlns:a16="http://schemas.microsoft.com/office/drawing/2014/main" id="{D9F312B8-4C00-8B48-B83A-4FA938D19484}"/>
               </a:ext>
             </a:extLst>
           </p:cNvPr>
@@ -10456,15 +10599,15 @@
         </p:nvCxnSpPr>
         <p:spPr>
           <a:xfrm flipH="1">
-            <a:off x="3275856" y="2982058"/>
-            <a:ext cx="1390194" cy="0"/>
+            <a:off x="6366499" y="2326554"/>
+            <a:ext cx="213987" cy="0"/>
           </a:xfrm>
           <a:prstGeom prst="straightConnector1">
             <a:avLst/>
           </a:prstGeom>
           <a:ln w="12700">
             <a:solidFill>
-              <a:schemeClr val="accent2"/>
+              <a:schemeClr val="tx2"/>
             </a:solidFill>
             <a:prstDash val="solid"/>
             <a:headEnd type="triangle" w="med" len="med"/>
@@ -10488,82 +10631,174 @@
       </p:cxnSp>
       <p:sp>
         <p:nvSpPr>
-          <p:cNvPr id="49" name="TextBox 48">
-            <a:extLst>
-              <a:ext uri="{FF2B5EF4-FFF2-40B4-BE49-F238E27FC236}">
-                <a16:creationId xmlns:a16="http://schemas.microsoft.com/office/drawing/2014/main" id="{079D1E86-2F6A-5B4D-827C-6EFE32D9C588}"/>
-              </a:ext>
-            </a:extLst>
-          </p:cNvPr>
-          <p:cNvSpPr txBox="1"/>
-          <p:nvPr/>
-        </p:nvSpPr>
-        <p:spPr>
-          <a:xfrm>
-            <a:off x="3401606" y="2989484"/>
-            <a:ext cx="1176925" cy="338554"/>
-          </a:xfrm>
-          <a:prstGeom prst="rect">
-            <a:avLst/>
-          </a:prstGeom>
-          <a:solidFill>
-            <a:schemeClr val="bg1"/>
-          </a:solidFill>
-        </p:spPr>
-        <p:txBody>
-          <a:bodyPr wrap="none" rtlCol="0">
-            <a:spAutoFit/>
-          </a:bodyPr>
+          <p:cNvPr id="46" name="사각형: 둥근 모서리 36">
+            <a:extLst>
+              <a:ext uri="{FF2B5EF4-FFF2-40B4-BE49-F238E27FC236}">
+                <a16:creationId xmlns:a16="http://schemas.microsoft.com/office/drawing/2014/main" id="{14020DFF-F56D-DB4F-8286-6A8FAF5B3776}"/>
+              </a:ext>
+            </a:extLst>
+          </p:cNvPr>
+          <p:cNvSpPr/>
+          <p:nvPr/>
+        </p:nvSpPr>
+        <p:spPr>
+          <a:xfrm>
+            <a:off x="5989142" y="1688144"/>
+            <a:ext cx="996746" cy="294176"/>
+          </a:xfrm>
+          <a:prstGeom prst="roundRect">
+            <a:avLst>
+              <a:gd name="adj" fmla="val 0"/>
+            </a:avLst>
+          </a:prstGeom>
+          <a:ln w="12700">
+            <a:solidFill>
+              <a:schemeClr val="tx2"/>
+            </a:solidFill>
+          </a:ln>
+        </p:spPr>
+        <p:style>
+          <a:lnRef idx="2">
+            <a:schemeClr val="dk1"/>
+          </a:lnRef>
+          <a:fillRef idx="1">
+            <a:schemeClr val="lt1"/>
+          </a:fillRef>
+          <a:effectRef idx="0">
+            <a:schemeClr val="dk1"/>
+          </a:effectRef>
+          <a:fontRef idx="minor">
+            <a:schemeClr val="dk1"/>
+          </a:fontRef>
+        </p:style>
+        <p:txBody>
+          <a:bodyPr rtlCol="0" anchor="ctr"/>
           <a:lstStyle/>
           <a:p>
             <a:pPr algn="ctr"/>
             <a:r>
-              <a:rPr lang="en-US" sz="800" b="1">
+              <a:rPr lang="en-US" altLang="ko-KR" sz="800">
                 <a:solidFill>
-                  <a:schemeClr val="accent2"/>
+                  <a:schemeClr val="tx2"/>
                 </a:solidFill>
               </a:rPr>
-              <a:t>Request </a:t>
-            </a:r>
-            <a:r>
-              <a:rPr lang="en-US" altLang="ko-KR" sz="800" b="1">
+              <a:t>pilot-agent</a:t>
+            </a:r>
+          </a:p>
+          <a:p>
+            <a:pPr algn="ctr"/>
+            <a:r>
+              <a:rPr lang="en-US" altLang="ko-KR" sz="800">
                 <a:solidFill>
-                  <a:schemeClr val="accent2"/>
+                  <a:schemeClr val="tx2"/>
                 </a:solidFill>
               </a:rPr>
-              <a:t>P</a:t>
-            </a:r>
-            <a:r>
-              <a:rPr lang="en-US" sz="800" b="1">
-                <a:solidFill>
-                  <a:schemeClr val="accent2"/>
-                </a:solidFill>
-              </a:rPr>
-              <a:t>rocessing </a:t>
-            </a:r>
-          </a:p>
-          <a:p>
-            <a:pPr algn="ctr"/>
-            <a:r>
-              <a:rPr lang="en-US" sz="800" b="1">
-                <a:solidFill>
-                  <a:schemeClr val="accent2"/>
-                </a:solidFill>
-              </a:rPr>
-              <a:t>Failure Section</a:t>
-            </a:r>
-            <a:endParaRPr lang="en-KR" sz="800" b="1">
+              <a:t>Processing</a:t>
+            </a:r>
+            <a:endParaRPr lang="ko-KR" altLang="en-US" sz="800">
               <a:solidFill>
-                <a:schemeClr val="accent2"/>
+                <a:schemeClr val="tx2"/>
               </a:solidFill>
             </a:endParaRPr>
           </a:p>
         </p:txBody>
       </p:sp>
+      <p:cxnSp>
+        <p:nvCxnSpPr>
+          <p:cNvPr id="49" name="Straight Arrow Connector 48">
+            <a:extLst>
+              <a:ext uri="{FF2B5EF4-FFF2-40B4-BE49-F238E27FC236}">
+                <a16:creationId xmlns:a16="http://schemas.microsoft.com/office/drawing/2014/main" id="{974DBA72-949E-B74B-9878-9BCA5B8CF602}"/>
+              </a:ext>
+            </a:extLst>
+          </p:cNvPr>
+          <p:cNvCxnSpPr>
+            <a:cxnSpLocks/>
+          </p:cNvCxnSpPr>
+          <p:nvPr/>
+        </p:nvCxnSpPr>
+        <p:spPr>
+          <a:xfrm flipH="1">
+            <a:off x="6604839" y="1982320"/>
+            <a:ext cx="377034" cy="344234"/>
+          </a:xfrm>
+          <a:prstGeom prst="straightConnector1">
+            <a:avLst/>
+          </a:prstGeom>
+          <a:ln w="12700">
+            <a:solidFill>
+              <a:schemeClr val="tx2"/>
+            </a:solidFill>
+            <a:prstDash val="solid"/>
+            <a:headEnd type="none" w="med" len="med"/>
+            <a:tailEnd type="none" w="med" len="med"/>
+          </a:ln>
+        </p:spPr>
+        <p:style>
+          <a:lnRef idx="1">
+            <a:schemeClr val="accent1"/>
+          </a:lnRef>
+          <a:fillRef idx="0">
+            <a:schemeClr val="accent1"/>
+          </a:fillRef>
+          <a:effectRef idx="0">
+            <a:schemeClr val="accent1"/>
+          </a:effectRef>
+          <a:fontRef idx="minor">
+            <a:schemeClr val="tx1"/>
+          </a:fontRef>
+        </p:style>
+      </p:cxnSp>
+      <p:cxnSp>
+        <p:nvCxnSpPr>
+          <p:cNvPr id="50" name="Straight Arrow Connector 49">
+            <a:extLst>
+              <a:ext uri="{FF2B5EF4-FFF2-40B4-BE49-F238E27FC236}">
+                <a16:creationId xmlns:a16="http://schemas.microsoft.com/office/drawing/2014/main" id="{1CD612F6-F832-7B4B-811D-CA05F38539A7}"/>
+              </a:ext>
+            </a:extLst>
+          </p:cNvPr>
+          <p:cNvCxnSpPr>
+            <a:cxnSpLocks/>
+          </p:cNvCxnSpPr>
+          <p:nvPr/>
+        </p:nvCxnSpPr>
+        <p:spPr>
+          <a:xfrm flipH="1" flipV="1">
+            <a:off x="5989333" y="1982320"/>
+            <a:ext cx="373151" cy="344234"/>
+          </a:xfrm>
+          <a:prstGeom prst="straightConnector1">
+            <a:avLst/>
+          </a:prstGeom>
+          <a:ln w="12700">
+            <a:solidFill>
+              <a:schemeClr val="tx2"/>
+            </a:solidFill>
+            <a:prstDash val="solid"/>
+            <a:headEnd type="none" w="med" len="med"/>
+            <a:tailEnd type="none" w="med" len="med"/>
+          </a:ln>
+        </p:spPr>
+        <p:style>
+          <a:lnRef idx="1">
+            <a:schemeClr val="accent1"/>
+          </a:lnRef>
+          <a:fillRef idx="0">
+            <a:schemeClr val="accent1"/>
+          </a:fillRef>
+          <a:effectRef idx="0">
+            <a:schemeClr val="accent1"/>
+          </a:effectRef>
+          <a:fontRef idx="minor">
+            <a:schemeClr val="tx1"/>
+          </a:fontRef>
+        </p:style>
+      </p:cxnSp>
     </p:spTree>
     <p:extLst>
       <p:ext uri="{BB962C8B-B14F-4D97-AF65-F5344CB8AC3E}">
-        <p14:creationId xmlns:p14="http://schemas.microsoft.com/office/powerpoint/2010/main" val="1736836633"/>
+        <p14:creationId xmlns:p14="http://schemas.microsoft.com/office/powerpoint/2010/main" val="3695182436"/>
       </p:ext>
     </p:extLst>
   </p:cSld>
@@ -10590,2014 +10825,10 @@
           <a:chExt cx="0" cy="0"/>
         </a:xfrm>
       </p:grpSpPr>
-      <p:sp>
-        <p:nvSpPr>
-          <p:cNvPr id="36" name="사각형: 둥근 모서리 36">
-            <a:extLst>
-              <a:ext uri="{FF2B5EF4-FFF2-40B4-BE49-F238E27FC236}">
-                <a16:creationId xmlns:a16="http://schemas.microsoft.com/office/drawing/2014/main" id="{BCFC3FC0-D0BC-4242-BBA0-C72D04B19CA8}"/>
-              </a:ext>
-            </a:extLst>
-          </p:cNvPr>
-          <p:cNvSpPr/>
-          <p:nvPr/>
-        </p:nvSpPr>
-        <p:spPr>
-          <a:xfrm>
-            <a:off x="1115619" y="3052293"/>
-            <a:ext cx="5472606" cy="360036"/>
-          </a:xfrm>
-          <a:prstGeom prst="roundRect">
-            <a:avLst>
-              <a:gd name="adj" fmla="val 0"/>
-            </a:avLst>
-          </a:prstGeom>
-          <a:ln w="12700"/>
-        </p:spPr>
-        <p:style>
-          <a:lnRef idx="2">
-            <a:schemeClr val="dk1"/>
-          </a:lnRef>
-          <a:fillRef idx="1">
-            <a:schemeClr val="lt1"/>
-          </a:fillRef>
-          <a:effectRef idx="0">
-            <a:schemeClr val="dk1"/>
-          </a:effectRef>
-          <a:fontRef idx="minor">
-            <a:schemeClr val="dk1"/>
-          </a:fontRef>
-        </p:style>
-        <p:txBody>
-          <a:bodyPr rtlCol="0" anchor="ctr"/>
-          <a:lstStyle/>
-          <a:p>
-            <a:pPr algn="ctr"/>
-            <a:r>
-              <a:rPr lang="en-US" altLang="ko-KR" sz="1000"/>
-              <a:t>pliot-agent</a:t>
-            </a:r>
-            <a:endParaRPr lang="ko-KR" altLang="en-US" sz="1000"/>
-          </a:p>
-        </p:txBody>
-      </p:sp>
-      <p:sp>
-        <p:nvSpPr>
-          <p:cNvPr id="2" name="사각형: 둥근 모서리 36">
-            <a:extLst>
-              <a:ext uri="{FF2B5EF4-FFF2-40B4-BE49-F238E27FC236}">
-                <a16:creationId xmlns:a16="http://schemas.microsoft.com/office/drawing/2014/main" id="{3EB36A7E-F0DF-BC45-BCC0-35344201C426}"/>
-              </a:ext>
-            </a:extLst>
-          </p:cNvPr>
-          <p:cNvSpPr/>
-          <p:nvPr/>
-        </p:nvSpPr>
-        <p:spPr>
-          <a:xfrm>
-            <a:off x="1115618" y="2544447"/>
-            <a:ext cx="5472606" cy="360036"/>
-          </a:xfrm>
-          <a:prstGeom prst="roundRect">
-            <a:avLst>
-              <a:gd name="adj" fmla="val 0"/>
-            </a:avLst>
-          </a:prstGeom>
-          <a:ln w="12700"/>
-        </p:spPr>
-        <p:style>
-          <a:lnRef idx="2">
-            <a:schemeClr val="dk1"/>
-          </a:lnRef>
-          <a:fillRef idx="1">
-            <a:schemeClr val="lt1"/>
-          </a:fillRef>
-          <a:effectRef idx="0">
-            <a:schemeClr val="dk1"/>
-          </a:effectRef>
-          <a:fontRef idx="minor">
-            <a:schemeClr val="dk1"/>
-          </a:fontRef>
-        </p:style>
-        <p:txBody>
-          <a:bodyPr rtlCol="0" anchor="ctr"/>
-          <a:lstStyle/>
-          <a:p>
-            <a:pPr algn="ctr"/>
-            <a:r>
-              <a:rPr lang="en-US" altLang="ko-KR" sz="1000"/>
-              <a:t>Envoy Proxy</a:t>
-            </a:r>
-            <a:endParaRPr lang="ko-KR" altLang="en-US" sz="1000"/>
-          </a:p>
-        </p:txBody>
-      </p:sp>
-      <p:cxnSp>
-        <p:nvCxnSpPr>
-          <p:cNvPr id="32" name="Straight Arrow Connector 31">
-            <a:extLst>
-              <a:ext uri="{FF2B5EF4-FFF2-40B4-BE49-F238E27FC236}">
-                <a16:creationId xmlns:a16="http://schemas.microsoft.com/office/drawing/2014/main" id="{CBBC83F6-95B7-1B4E-8433-263BCDBE442B}"/>
-              </a:ext>
-            </a:extLst>
-          </p:cNvPr>
-          <p:cNvCxnSpPr>
-            <a:cxnSpLocks/>
-          </p:cNvCxnSpPr>
-          <p:nvPr/>
-        </p:nvCxnSpPr>
-        <p:spPr>
-          <a:xfrm>
-            <a:off x="2398346" y="627534"/>
-            <a:ext cx="0" cy="2923156"/>
-          </a:xfrm>
-          <a:prstGeom prst="straightConnector1">
-            <a:avLst/>
-          </a:prstGeom>
-          <a:ln w="12700">
-            <a:solidFill>
-              <a:schemeClr val="tx1"/>
-            </a:solidFill>
-            <a:prstDash val="dash"/>
-            <a:headEnd type="none" w="med" len="med"/>
-            <a:tailEnd type="none" w="med" len="med"/>
-          </a:ln>
-        </p:spPr>
-        <p:style>
-          <a:lnRef idx="1">
-            <a:schemeClr val="accent1"/>
-          </a:lnRef>
-          <a:fillRef idx="0">
-            <a:schemeClr val="accent1"/>
-          </a:fillRef>
-          <a:effectRef idx="0">
-            <a:schemeClr val="accent1"/>
-          </a:effectRef>
-          <a:fontRef idx="minor">
-            <a:schemeClr val="tx1"/>
-          </a:fontRef>
-        </p:style>
-      </p:cxnSp>
-      <p:cxnSp>
-        <p:nvCxnSpPr>
-          <p:cNvPr id="6" name="Straight Arrow Connector 5">
-            <a:extLst>
-              <a:ext uri="{FF2B5EF4-FFF2-40B4-BE49-F238E27FC236}">
-                <a16:creationId xmlns:a16="http://schemas.microsoft.com/office/drawing/2014/main" id="{74871440-9BBE-E240-AB7C-F6C7B20A9CD0}"/>
-              </a:ext>
-            </a:extLst>
-          </p:cNvPr>
-          <p:cNvCxnSpPr>
-            <a:cxnSpLocks/>
-          </p:cNvCxnSpPr>
-          <p:nvPr/>
-        </p:nvCxnSpPr>
-        <p:spPr>
-          <a:xfrm>
-            <a:off x="899592" y="3550690"/>
-            <a:ext cx="6840760" cy="0"/>
-          </a:xfrm>
-          <a:prstGeom prst="straightConnector1">
-            <a:avLst/>
-          </a:prstGeom>
-          <a:ln w="28575">
-            <a:solidFill>
-              <a:schemeClr val="tx1"/>
-            </a:solidFill>
-            <a:headEnd type="none" w="med" len="med"/>
-            <a:tailEnd type="arrow" w="med" len="med"/>
-          </a:ln>
-        </p:spPr>
-        <p:style>
-          <a:lnRef idx="1">
-            <a:schemeClr val="accent1"/>
-          </a:lnRef>
-          <a:fillRef idx="0">
-            <a:schemeClr val="accent1"/>
-          </a:fillRef>
-          <a:effectRef idx="0">
-            <a:schemeClr val="accent1"/>
-          </a:effectRef>
-          <a:fontRef idx="minor">
-            <a:schemeClr val="tx1"/>
-          </a:fontRef>
-        </p:style>
-      </p:cxnSp>
-      <p:sp>
-        <p:nvSpPr>
-          <p:cNvPr id="8" name="TextBox 7">
-            <a:extLst>
-              <a:ext uri="{FF2B5EF4-FFF2-40B4-BE49-F238E27FC236}">
-                <a16:creationId xmlns:a16="http://schemas.microsoft.com/office/drawing/2014/main" id="{6703E843-BE1F-FA4C-9136-E280FBBAA2AA}"/>
-              </a:ext>
-            </a:extLst>
-          </p:cNvPr>
-          <p:cNvSpPr txBox="1"/>
-          <p:nvPr/>
-        </p:nvSpPr>
-        <p:spPr>
-          <a:xfrm>
-            <a:off x="905315" y="3562015"/>
-            <a:ext cx="484428" cy="246221"/>
-          </a:xfrm>
-          <a:prstGeom prst="rect">
-            <a:avLst/>
-          </a:prstGeom>
-          <a:noFill/>
-        </p:spPr>
-        <p:txBody>
-          <a:bodyPr wrap="none" rtlCol="0">
-            <a:spAutoFit/>
-          </a:bodyPr>
-          <a:lstStyle/>
-          <a:p>
-            <a:r>
-              <a:rPr lang="en-KR" sz="1000" b="1"/>
-              <a:t>Time</a:t>
-            </a:r>
-          </a:p>
-        </p:txBody>
-      </p:sp>
-      <p:cxnSp>
-        <p:nvCxnSpPr>
-          <p:cNvPr id="10" name="Straight Arrow Connector 9">
-            <a:extLst>
-              <a:ext uri="{FF2B5EF4-FFF2-40B4-BE49-F238E27FC236}">
-                <a16:creationId xmlns:a16="http://schemas.microsoft.com/office/drawing/2014/main" id="{820C7B36-44F7-EC4F-B465-E81EE04C42C6}"/>
-              </a:ext>
-            </a:extLst>
-          </p:cNvPr>
-          <p:cNvCxnSpPr>
-            <a:cxnSpLocks/>
-          </p:cNvCxnSpPr>
-          <p:nvPr/>
-        </p:nvCxnSpPr>
-        <p:spPr>
-          <a:xfrm flipV="1">
-            <a:off x="2184856" y="3556346"/>
-            <a:ext cx="0" cy="209226"/>
-          </a:xfrm>
-          <a:prstGeom prst="straightConnector1">
-            <a:avLst/>
-          </a:prstGeom>
-          <a:ln w="12700">
-            <a:solidFill>
-              <a:schemeClr val="tx1"/>
-            </a:solidFill>
-            <a:prstDash val="dash"/>
-            <a:tailEnd type="triangle"/>
-          </a:ln>
-        </p:spPr>
-        <p:style>
-          <a:lnRef idx="1">
-            <a:schemeClr val="accent1"/>
-          </a:lnRef>
-          <a:fillRef idx="0">
-            <a:schemeClr val="accent1"/>
-          </a:fillRef>
-          <a:effectRef idx="0">
-            <a:schemeClr val="accent1"/>
-          </a:effectRef>
-          <a:fontRef idx="minor">
-            <a:schemeClr val="tx1"/>
-          </a:fontRef>
-        </p:style>
-      </p:cxnSp>
-      <p:cxnSp>
-        <p:nvCxnSpPr>
-          <p:cNvPr id="30" name="Straight Arrow Connector 29">
-            <a:extLst>
-              <a:ext uri="{FF2B5EF4-FFF2-40B4-BE49-F238E27FC236}">
-                <a16:creationId xmlns:a16="http://schemas.microsoft.com/office/drawing/2014/main" id="{6241CF7A-CD35-C248-9EF0-1A11F17CBA0B}"/>
-              </a:ext>
-            </a:extLst>
-          </p:cNvPr>
-          <p:cNvCxnSpPr>
-            <a:cxnSpLocks/>
-          </p:cNvCxnSpPr>
-          <p:nvPr/>
-        </p:nvCxnSpPr>
-        <p:spPr>
-          <a:xfrm>
-            <a:off x="2184607" y="1479926"/>
-            <a:ext cx="0" cy="2082089"/>
-          </a:xfrm>
-          <a:prstGeom prst="straightConnector1">
-            <a:avLst/>
-          </a:prstGeom>
-          <a:ln w="12700">
-            <a:solidFill>
-              <a:schemeClr val="tx1"/>
-            </a:solidFill>
-            <a:prstDash val="dash"/>
-            <a:headEnd type="none" w="med" len="med"/>
-            <a:tailEnd type="none" w="med" len="med"/>
-          </a:ln>
-        </p:spPr>
-        <p:style>
-          <a:lnRef idx="1">
-            <a:schemeClr val="accent1"/>
-          </a:lnRef>
-          <a:fillRef idx="0">
-            <a:schemeClr val="accent1"/>
-          </a:fillRef>
-          <a:effectRef idx="0">
-            <a:schemeClr val="accent1"/>
-          </a:effectRef>
-          <a:fontRef idx="minor">
-            <a:schemeClr val="tx1"/>
-          </a:fontRef>
-        </p:style>
-      </p:cxnSp>
-      <p:cxnSp>
-        <p:nvCxnSpPr>
-          <p:cNvPr id="54" name="Straight Arrow Connector 53">
-            <a:extLst>
-              <a:ext uri="{FF2B5EF4-FFF2-40B4-BE49-F238E27FC236}">
-                <a16:creationId xmlns:a16="http://schemas.microsoft.com/office/drawing/2014/main" id="{0D874EDB-25C5-6941-BD18-67AA9E05F05C}"/>
-              </a:ext>
-            </a:extLst>
-          </p:cNvPr>
-          <p:cNvCxnSpPr>
-            <a:cxnSpLocks/>
-          </p:cNvCxnSpPr>
-          <p:nvPr/>
-        </p:nvCxnSpPr>
-        <p:spPr>
-          <a:xfrm flipH="1">
-            <a:off x="2184359" y="2326554"/>
-            <a:ext cx="213987" cy="0"/>
-          </a:xfrm>
-          <a:prstGeom prst="straightConnector1">
-            <a:avLst/>
-          </a:prstGeom>
-          <a:ln w="12700">
-            <a:solidFill>
-              <a:schemeClr val="tx2"/>
-            </a:solidFill>
-            <a:prstDash val="solid"/>
-            <a:headEnd type="triangle" w="med" len="med"/>
-            <a:tailEnd type="triangle" w="med" len="med"/>
-          </a:ln>
-        </p:spPr>
-        <p:style>
-          <a:lnRef idx="1">
-            <a:schemeClr val="accent1"/>
-          </a:lnRef>
-          <a:fillRef idx="0">
-            <a:schemeClr val="accent1"/>
-          </a:fillRef>
-          <a:effectRef idx="0">
-            <a:schemeClr val="accent1"/>
-          </a:effectRef>
-          <a:fontRef idx="minor">
-            <a:schemeClr val="tx1"/>
-          </a:fontRef>
-        </p:style>
-      </p:cxnSp>
-      <p:sp>
-        <p:nvSpPr>
-          <p:cNvPr id="58" name="사각형: 둥근 모서리 36">
-            <a:extLst>
-              <a:ext uri="{FF2B5EF4-FFF2-40B4-BE49-F238E27FC236}">
-                <a16:creationId xmlns:a16="http://schemas.microsoft.com/office/drawing/2014/main" id="{2FC01194-2E2F-524E-849B-1872473B4AB9}"/>
-              </a:ext>
-            </a:extLst>
-          </p:cNvPr>
-          <p:cNvSpPr/>
-          <p:nvPr/>
-        </p:nvSpPr>
-        <p:spPr>
-          <a:xfrm>
-            <a:off x="1234852" y="1688144"/>
-            <a:ext cx="1824979" cy="294176"/>
-          </a:xfrm>
-          <a:prstGeom prst="roundRect">
-            <a:avLst>
-              <a:gd name="adj" fmla="val 0"/>
-            </a:avLst>
-          </a:prstGeom>
-          <a:ln w="12700">
-            <a:solidFill>
-              <a:schemeClr val="tx2"/>
-            </a:solidFill>
-          </a:ln>
-        </p:spPr>
-        <p:style>
-          <a:lnRef idx="2">
-            <a:schemeClr val="dk1"/>
-          </a:lnRef>
-          <a:fillRef idx="1">
-            <a:schemeClr val="lt1"/>
-          </a:fillRef>
-          <a:effectRef idx="0">
-            <a:schemeClr val="dk1"/>
-          </a:effectRef>
-          <a:fontRef idx="minor">
-            <a:schemeClr val="dk1"/>
-          </a:fontRef>
-        </p:style>
-        <p:txBody>
-          <a:bodyPr rtlCol="0" anchor="ctr"/>
-          <a:lstStyle/>
-          <a:p>
-            <a:pPr algn="ctr"/>
-            <a:r>
-              <a:rPr lang="en-US" altLang="ko-KR" sz="800">
-                <a:solidFill>
-                  <a:schemeClr val="tx2"/>
-                </a:solidFill>
-              </a:rPr>
-              <a:t>Request Delivery</a:t>
-            </a:r>
-          </a:p>
-          <a:p>
-            <a:pPr algn="ctr"/>
-            <a:r>
-              <a:rPr lang="en-US" altLang="ko-KR" sz="800">
-                <a:solidFill>
-                  <a:schemeClr val="tx2"/>
-                </a:solidFill>
-              </a:rPr>
-              <a:t>(K8s API Server </a:t>
-            </a:r>
-            <a:r>
-              <a:rPr lang="en-US" altLang="ko-KR" sz="800">
-                <a:solidFill>
-                  <a:schemeClr val="tx2"/>
-                </a:solidFill>
-                <a:sym typeface="Wingdings" pitchFamily="2" charset="2"/>
-              </a:rPr>
-              <a:t> kubelet) </a:t>
-            </a:r>
-            <a:endParaRPr lang="ko-KR" altLang="en-US" sz="800">
-              <a:solidFill>
-                <a:schemeClr val="tx2"/>
-              </a:solidFill>
-            </a:endParaRPr>
-          </a:p>
-        </p:txBody>
-      </p:sp>
-      <p:sp>
-        <p:nvSpPr>
-          <p:cNvPr id="59" name="사각형: 둥근 모서리 36">
-            <a:extLst>
-              <a:ext uri="{FF2B5EF4-FFF2-40B4-BE49-F238E27FC236}">
-                <a16:creationId xmlns:a16="http://schemas.microsoft.com/office/drawing/2014/main" id="{D44E83F9-5EC4-694E-9EB7-EE4CAAD2D7E6}"/>
-              </a:ext>
-            </a:extLst>
-          </p:cNvPr>
-          <p:cNvSpPr/>
-          <p:nvPr/>
-        </p:nvSpPr>
-        <p:spPr>
-          <a:xfrm>
-            <a:off x="3059832" y="1688144"/>
-            <a:ext cx="996746" cy="294176"/>
-          </a:xfrm>
-          <a:prstGeom prst="roundRect">
-            <a:avLst>
-              <a:gd name="adj" fmla="val 0"/>
-            </a:avLst>
-          </a:prstGeom>
-          <a:ln w="12700">
-            <a:solidFill>
-              <a:schemeClr val="tx2"/>
-            </a:solidFill>
-          </a:ln>
-        </p:spPr>
-        <p:style>
-          <a:lnRef idx="2">
-            <a:schemeClr val="dk1"/>
-          </a:lnRef>
-          <a:fillRef idx="1">
-            <a:schemeClr val="lt1"/>
-          </a:fillRef>
-          <a:effectRef idx="0">
-            <a:schemeClr val="dk1"/>
-          </a:effectRef>
-          <a:fontRef idx="minor">
-            <a:schemeClr val="dk1"/>
-          </a:fontRef>
-        </p:style>
-        <p:txBody>
-          <a:bodyPr rtlCol="0" anchor="ctr"/>
-          <a:lstStyle/>
-          <a:p>
-            <a:pPr algn="ctr"/>
-            <a:r>
-              <a:rPr lang="en-US" altLang="ko-KR" sz="800">
-                <a:solidFill>
-                  <a:schemeClr val="tx2"/>
-                </a:solidFill>
-              </a:rPr>
-              <a:t>kubelet Processing</a:t>
-            </a:r>
-            <a:endParaRPr lang="ko-KR" altLang="en-US" sz="800">
-              <a:solidFill>
-                <a:schemeClr val="tx2"/>
-              </a:solidFill>
-            </a:endParaRPr>
-          </a:p>
-        </p:txBody>
-      </p:sp>
-      <p:cxnSp>
-        <p:nvCxnSpPr>
-          <p:cNvPr id="62" name="Straight Arrow Connector 61">
-            <a:extLst>
-              <a:ext uri="{FF2B5EF4-FFF2-40B4-BE49-F238E27FC236}">
-                <a16:creationId xmlns:a16="http://schemas.microsoft.com/office/drawing/2014/main" id="{E033A689-1427-ED4D-B764-E2688CB38835}"/>
-              </a:ext>
-            </a:extLst>
-          </p:cNvPr>
-          <p:cNvCxnSpPr>
-            <a:cxnSpLocks/>
-          </p:cNvCxnSpPr>
-          <p:nvPr/>
-        </p:nvCxnSpPr>
-        <p:spPr>
-          <a:xfrm flipH="1">
-            <a:off x="2398348" y="1982320"/>
-            <a:ext cx="1649216" cy="344234"/>
-          </a:xfrm>
-          <a:prstGeom prst="straightConnector1">
-            <a:avLst/>
-          </a:prstGeom>
-          <a:ln w="12700">
-            <a:solidFill>
-              <a:schemeClr val="tx2"/>
-            </a:solidFill>
-            <a:prstDash val="solid"/>
-            <a:headEnd type="none" w="med" len="med"/>
-            <a:tailEnd type="none" w="med" len="med"/>
-          </a:ln>
-        </p:spPr>
-        <p:style>
-          <a:lnRef idx="1">
-            <a:schemeClr val="accent1"/>
-          </a:lnRef>
-          <a:fillRef idx="0">
-            <a:schemeClr val="accent1"/>
-          </a:fillRef>
-          <a:effectRef idx="0">
-            <a:schemeClr val="accent1"/>
-          </a:effectRef>
-          <a:fontRef idx="minor">
-            <a:schemeClr val="tx1"/>
-          </a:fontRef>
-        </p:style>
-      </p:cxnSp>
-      <p:cxnSp>
-        <p:nvCxnSpPr>
-          <p:cNvPr id="65" name="Straight Arrow Connector 64">
-            <a:extLst>
-              <a:ext uri="{FF2B5EF4-FFF2-40B4-BE49-F238E27FC236}">
-                <a16:creationId xmlns:a16="http://schemas.microsoft.com/office/drawing/2014/main" id="{329563B5-A050-6D47-930A-72147218A9F0}"/>
-              </a:ext>
-            </a:extLst>
-          </p:cNvPr>
-          <p:cNvCxnSpPr>
-            <a:cxnSpLocks/>
-          </p:cNvCxnSpPr>
-          <p:nvPr/>
-        </p:nvCxnSpPr>
-        <p:spPr>
-          <a:xfrm flipH="1" flipV="1">
-            <a:off x="1228590" y="1982320"/>
-            <a:ext cx="967156" cy="344236"/>
-          </a:xfrm>
-          <a:prstGeom prst="straightConnector1">
-            <a:avLst/>
-          </a:prstGeom>
-          <a:ln w="12700">
-            <a:solidFill>
-              <a:schemeClr val="tx2"/>
-            </a:solidFill>
-            <a:prstDash val="solid"/>
-            <a:headEnd type="none" w="med" len="med"/>
-            <a:tailEnd type="none" w="med" len="med"/>
-          </a:ln>
-        </p:spPr>
-        <p:style>
-          <a:lnRef idx="1">
-            <a:schemeClr val="accent1"/>
-          </a:lnRef>
-          <a:fillRef idx="0">
-            <a:schemeClr val="accent1"/>
-          </a:fillRef>
-          <a:effectRef idx="0">
-            <a:schemeClr val="accent1"/>
-          </a:effectRef>
-          <a:fontRef idx="minor">
-            <a:schemeClr val="tx1"/>
-          </a:fontRef>
-        </p:style>
-      </p:cxnSp>
-      <p:sp>
-        <p:nvSpPr>
-          <p:cNvPr id="69" name="TextBox 68">
-            <a:extLst>
-              <a:ext uri="{FF2B5EF4-FFF2-40B4-BE49-F238E27FC236}">
-                <a16:creationId xmlns:a16="http://schemas.microsoft.com/office/drawing/2014/main" id="{00D8FD36-BA7B-1C43-8024-41C61DEACF5A}"/>
-              </a:ext>
-            </a:extLst>
-          </p:cNvPr>
-          <p:cNvSpPr txBox="1"/>
-          <p:nvPr/>
-        </p:nvSpPr>
-        <p:spPr>
-          <a:xfrm>
-            <a:off x="1385580" y="2028977"/>
-            <a:ext cx="1822936" cy="215444"/>
-          </a:xfrm>
-          <a:prstGeom prst="rect">
-            <a:avLst/>
-          </a:prstGeom>
-          <a:solidFill>
-            <a:schemeClr val="bg1"/>
-          </a:solidFill>
-        </p:spPr>
-        <p:txBody>
-          <a:bodyPr wrap="none" rtlCol="0">
-            <a:spAutoFit/>
-          </a:bodyPr>
-          <a:lstStyle/>
-          <a:p>
-            <a:pPr algn="ctr"/>
-            <a:r>
-              <a:rPr lang="en-US" sz="800">
-                <a:solidFill>
-                  <a:schemeClr val="tx2"/>
-                </a:solidFill>
-              </a:rPr>
-              <a:t>SIGTERM Signal Propagation Delay</a:t>
-            </a:r>
-            <a:endParaRPr lang="en-KR" sz="800">
-              <a:solidFill>
-                <a:schemeClr val="tx2"/>
-              </a:solidFill>
-            </a:endParaRPr>
-          </a:p>
-        </p:txBody>
-      </p:sp>
-      <p:cxnSp>
-        <p:nvCxnSpPr>
-          <p:cNvPr id="74" name="Straight Arrow Connector 73">
-            <a:extLst>
-              <a:ext uri="{FF2B5EF4-FFF2-40B4-BE49-F238E27FC236}">
-                <a16:creationId xmlns:a16="http://schemas.microsoft.com/office/drawing/2014/main" id="{BB2B02E8-FE1B-E841-A5A9-003F5BA25D07}"/>
-              </a:ext>
-            </a:extLst>
-          </p:cNvPr>
-          <p:cNvCxnSpPr>
-            <a:cxnSpLocks/>
-          </p:cNvCxnSpPr>
-          <p:nvPr/>
-        </p:nvCxnSpPr>
-        <p:spPr>
-          <a:xfrm>
-            <a:off x="4663069" y="1479926"/>
-            <a:ext cx="0" cy="2070764"/>
-          </a:xfrm>
-          <a:prstGeom prst="straightConnector1">
-            <a:avLst/>
-          </a:prstGeom>
-          <a:ln w="12700">
-            <a:solidFill>
-              <a:schemeClr val="tx1"/>
-            </a:solidFill>
-            <a:prstDash val="dash"/>
-            <a:headEnd type="none" w="med" len="med"/>
-            <a:tailEnd type="none" w="med" len="med"/>
-          </a:ln>
-        </p:spPr>
-        <p:style>
-          <a:lnRef idx="1">
-            <a:schemeClr val="accent1"/>
-          </a:lnRef>
-          <a:fillRef idx="0">
-            <a:schemeClr val="accent1"/>
-          </a:fillRef>
-          <a:effectRef idx="0">
-            <a:schemeClr val="accent1"/>
-          </a:effectRef>
-          <a:fontRef idx="minor">
-            <a:schemeClr val="tx1"/>
-          </a:fontRef>
-        </p:style>
-      </p:cxnSp>
-      <p:cxnSp>
-        <p:nvCxnSpPr>
-          <p:cNvPr id="78" name="Straight Arrow Connector 77">
-            <a:extLst>
-              <a:ext uri="{FF2B5EF4-FFF2-40B4-BE49-F238E27FC236}">
-                <a16:creationId xmlns:a16="http://schemas.microsoft.com/office/drawing/2014/main" id="{AC1C9DFB-879F-4449-8299-A6363C7C5171}"/>
-              </a:ext>
-            </a:extLst>
-          </p:cNvPr>
-          <p:cNvCxnSpPr>
-            <a:cxnSpLocks/>
-          </p:cNvCxnSpPr>
-          <p:nvPr/>
-        </p:nvCxnSpPr>
-        <p:spPr>
-          <a:xfrm flipV="1">
-            <a:off x="4666048" y="3556346"/>
-            <a:ext cx="0" cy="209226"/>
-          </a:xfrm>
-          <a:prstGeom prst="straightConnector1">
-            <a:avLst/>
-          </a:prstGeom>
-          <a:ln w="12700">
-            <a:solidFill>
-              <a:schemeClr val="tx1"/>
-            </a:solidFill>
-            <a:prstDash val="dash"/>
-            <a:tailEnd type="triangle"/>
-          </a:ln>
-        </p:spPr>
-        <p:style>
-          <a:lnRef idx="1">
-            <a:schemeClr val="accent1"/>
-          </a:lnRef>
-          <a:fillRef idx="0">
-            <a:schemeClr val="accent1"/>
-          </a:fillRef>
-          <a:effectRef idx="0">
-            <a:schemeClr val="accent1"/>
-          </a:effectRef>
-          <a:fontRef idx="minor">
-            <a:schemeClr val="tx1"/>
-          </a:fontRef>
-        </p:style>
-      </p:cxnSp>
-      <p:cxnSp>
-        <p:nvCxnSpPr>
-          <p:cNvPr id="82" name="Straight Arrow Connector 81">
-            <a:extLst>
-              <a:ext uri="{FF2B5EF4-FFF2-40B4-BE49-F238E27FC236}">
-                <a16:creationId xmlns:a16="http://schemas.microsoft.com/office/drawing/2014/main" id="{8FE03C6B-4CDA-BB42-BB86-B9DB7D0B068B}"/>
-              </a:ext>
-            </a:extLst>
-          </p:cNvPr>
-          <p:cNvCxnSpPr>
-            <a:cxnSpLocks/>
-          </p:cNvCxnSpPr>
-          <p:nvPr/>
-        </p:nvCxnSpPr>
-        <p:spPr>
-          <a:xfrm flipH="1">
-            <a:off x="2184360" y="1479926"/>
-            <a:ext cx="2478709" cy="0"/>
-          </a:xfrm>
-          <a:prstGeom prst="straightConnector1">
-            <a:avLst/>
-          </a:prstGeom>
-          <a:ln w="12700">
-            <a:solidFill>
-              <a:schemeClr val="accent2"/>
-            </a:solidFill>
-            <a:prstDash val="solid"/>
-            <a:headEnd type="triangle" w="med" len="med"/>
-            <a:tailEnd type="triangle" w="med" len="med"/>
-          </a:ln>
-        </p:spPr>
-        <p:style>
-          <a:lnRef idx="1">
-            <a:schemeClr val="accent1"/>
-          </a:lnRef>
-          <a:fillRef idx="0">
-            <a:schemeClr val="accent1"/>
-          </a:fillRef>
-          <a:effectRef idx="0">
-            <a:schemeClr val="accent1"/>
-          </a:effectRef>
-          <a:fontRef idx="minor">
-            <a:schemeClr val="tx1"/>
-          </a:fontRef>
-        </p:style>
-      </p:cxnSp>
-      <p:sp>
-        <p:nvSpPr>
-          <p:cNvPr id="87" name="사각형: 둥근 모서리 36">
-            <a:extLst>
-              <a:ext uri="{FF2B5EF4-FFF2-40B4-BE49-F238E27FC236}">
-                <a16:creationId xmlns:a16="http://schemas.microsoft.com/office/drawing/2014/main" id="{F22B39D0-1538-0F45-9D68-388D836FB71C}"/>
-              </a:ext>
-            </a:extLst>
-          </p:cNvPr>
-          <p:cNvSpPr/>
-          <p:nvPr/>
-        </p:nvSpPr>
-        <p:spPr>
-          <a:xfrm>
-            <a:off x="2783213" y="908508"/>
-            <a:ext cx="1423760" cy="294176"/>
-          </a:xfrm>
-          <a:prstGeom prst="roundRect">
-            <a:avLst>
-              <a:gd name="adj" fmla="val 0"/>
-            </a:avLst>
-          </a:prstGeom>
-          <a:ln w="12700">
-            <a:solidFill>
-              <a:schemeClr val="accent2"/>
-            </a:solidFill>
-          </a:ln>
-        </p:spPr>
-        <p:style>
-          <a:lnRef idx="2">
-            <a:schemeClr val="dk1"/>
-          </a:lnRef>
-          <a:fillRef idx="1">
-            <a:schemeClr val="lt1"/>
-          </a:fillRef>
-          <a:effectRef idx="0">
-            <a:schemeClr val="dk1"/>
-          </a:effectRef>
-          <a:fontRef idx="minor">
-            <a:schemeClr val="dk1"/>
-          </a:fontRef>
-        </p:style>
-        <p:txBody>
-          <a:bodyPr rtlCol="0" anchor="ctr"/>
-          <a:lstStyle/>
-          <a:p>
-            <a:pPr algn="ctr"/>
-            <a:r>
-              <a:rPr lang="en-US" altLang="ko-KR" sz="800">
-                <a:solidFill>
-                  <a:schemeClr val="accent2"/>
-                </a:solidFill>
-              </a:rPr>
-              <a:t>Istiod</a:t>
-            </a:r>
-            <a:br>
-              <a:rPr lang="en-US" altLang="ko-KR" sz="800">
-                <a:solidFill>
-                  <a:schemeClr val="accent2"/>
-                </a:solidFill>
-              </a:rPr>
-            </a:br>
-            <a:r>
-              <a:rPr lang="en-US" altLang="ko-KR" sz="800">
-                <a:solidFill>
-                  <a:schemeClr val="accent2"/>
-                </a:solidFill>
-              </a:rPr>
-              <a:t>Processing</a:t>
-            </a:r>
-            <a:endParaRPr lang="ko-KR" altLang="en-US" sz="800">
-              <a:solidFill>
-                <a:schemeClr val="accent2"/>
-              </a:solidFill>
-            </a:endParaRPr>
-          </a:p>
-        </p:txBody>
-      </p:sp>
-      <p:sp>
-        <p:nvSpPr>
-          <p:cNvPr id="88" name="사각형: 둥근 모서리 36">
-            <a:extLst>
-              <a:ext uri="{FF2B5EF4-FFF2-40B4-BE49-F238E27FC236}">
-                <a16:creationId xmlns:a16="http://schemas.microsoft.com/office/drawing/2014/main" id="{5E58F502-2544-8B42-9BCB-3670587FE911}"/>
-              </a:ext>
-            </a:extLst>
-          </p:cNvPr>
-          <p:cNvSpPr/>
-          <p:nvPr/>
-        </p:nvSpPr>
-        <p:spPr>
-          <a:xfrm>
-            <a:off x="7207346" y="908508"/>
-            <a:ext cx="941784" cy="294176"/>
-          </a:xfrm>
-          <a:prstGeom prst="roundRect">
-            <a:avLst>
-              <a:gd name="adj" fmla="val 0"/>
-            </a:avLst>
-          </a:prstGeom>
-          <a:ln w="12700">
-            <a:solidFill>
-              <a:schemeClr val="accent2"/>
-            </a:solidFill>
-          </a:ln>
-        </p:spPr>
-        <p:style>
-          <a:lnRef idx="2">
-            <a:schemeClr val="dk1"/>
-          </a:lnRef>
-          <a:fillRef idx="1">
-            <a:schemeClr val="lt1"/>
-          </a:fillRef>
-          <a:effectRef idx="0">
-            <a:schemeClr val="dk1"/>
-          </a:effectRef>
-          <a:fontRef idx="minor">
-            <a:schemeClr val="dk1"/>
-          </a:fontRef>
-        </p:style>
-        <p:txBody>
-          <a:bodyPr rtlCol="0" anchor="ctr"/>
-          <a:lstStyle/>
-          <a:p>
-            <a:pPr algn="ctr"/>
-            <a:r>
-              <a:rPr lang="en-US" altLang="ko-KR" sz="800">
-                <a:solidFill>
-                  <a:schemeClr val="accent2"/>
-                </a:solidFill>
-              </a:rPr>
-              <a:t>Envoy Proxy</a:t>
-            </a:r>
-          </a:p>
-          <a:p>
-            <a:pPr algn="ctr"/>
-            <a:r>
-              <a:rPr lang="en-US" altLang="ko-KR" sz="800">
-                <a:solidFill>
-                  <a:schemeClr val="accent2"/>
-                </a:solidFill>
-              </a:rPr>
-              <a:t>Processing</a:t>
-            </a:r>
-            <a:endParaRPr lang="ko-KR" altLang="en-US" sz="800">
-              <a:solidFill>
-                <a:schemeClr val="accent2"/>
-              </a:solidFill>
-            </a:endParaRPr>
-          </a:p>
-        </p:txBody>
-      </p:sp>
-      <p:cxnSp>
-        <p:nvCxnSpPr>
-          <p:cNvPr id="90" name="Straight Arrow Connector 89">
-            <a:extLst>
-              <a:ext uri="{FF2B5EF4-FFF2-40B4-BE49-F238E27FC236}">
-                <a16:creationId xmlns:a16="http://schemas.microsoft.com/office/drawing/2014/main" id="{564822DF-4B24-D448-92F0-85512728D326}"/>
-              </a:ext>
-            </a:extLst>
-          </p:cNvPr>
-          <p:cNvCxnSpPr>
-            <a:cxnSpLocks/>
-          </p:cNvCxnSpPr>
-          <p:nvPr/>
-        </p:nvCxnSpPr>
-        <p:spPr>
-          <a:xfrm flipH="1" flipV="1">
-            <a:off x="536574" y="1202684"/>
-            <a:ext cx="1647786" cy="277243"/>
-          </a:xfrm>
-          <a:prstGeom prst="straightConnector1">
-            <a:avLst/>
-          </a:prstGeom>
-          <a:ln w="12700">
-            <a:solidFill>
-              <a:schemeClr val="accent2"/>
-            </a:solidFill>
-            <a:prstDash val="solid"/>
-            <a:headEnd type="none" w="med" len="med"/>
-            <a:tailEnd type="none" w="med" len="med"/>
-          </a:ln>
-        </p:spPr>
-        <p:style>
-          <a:lnRef idx="1">
-            <a:schemeClr val="accent1"/>
-          </a:lnRef>
-          <a:fillRef idx="0">
-            <a:schemeClr val="accent1"/>
-          </a:fillRef>
-          <a:effectRef idx="0">
-            <a:schemeClr val="accent1"/>
-          </a:effectRef>
-          <a:fontRef idx="minor">
-            <a:schemeClr val="tx1"/>
-          </a:fontRef>
-        </p:style>
-      </p:cxnSp>
-      <p:cxnSp>
-        <p:nvCxnSpPr>
-          <p:cNvPr id="93" name="Straight Arrow Connector 92">
-            <a:extLst>
-              <a:ext uri="{FF2B5EF4-FFF2-40B4-BE49-F238E27FC236}">
-                <a16:creationId xmlns:a16="http://schemas.microsoft.com/office/drawing/2014/main" id="{15EFB21E-3A59-1844-A5F9-2CEA238BC4A0}"/>
-              </a:ext>
-            </a:extLst>
-          </p:cNvPr>
-          <p:cNvCxnSpPr>
-            <a:cxnSpLocks/>
-          </p:cNvCxnSpPr>
-          <p:nvPr/>
-        </p:nvCxnSpPr>
-        <p:spPr>
-          <a:xfrm flipH="1">
-            <a:off x="4658838" y="1202684"/>
-            <a:ext cx="3490292" cy="265918"/>
-          </a:xfrm>
-          <a:prstGeom prst="straightConnector1">
-            <a:avLst/>
-          </a:prstGeom>
-          <a:ln w="12700">
-            <a:solidFill>
-              <a:schemeClr val="accent2"/>
-            </a:solidFill>
-            <a:prstDash val="solid"/>
-            <a:headEnd type="none" w="med" len="med"/>
-            <a:tailEnd type="none" w="med" len="med"/>
-          </a:ln>
-        </p:spPr>
-        <p:style>
-          <a:lnRef idx="1">
-            <a:schemeClr val="accent1"/>
-          </a:lnRef>
-          <a:fillRef idx="0">
-            <a:schemeClr val="accent1"/>
-          </a:fillRef>
-          <a:effectRef idx="0">
-            <a:schemeClr val="accent1"/>
-          </a:effectRef>
-          <a:fontRef idx="minor">
-            <a:schemeClr val="tx1"/>
-          </a:fontRef>
-        </p:style>
-      </p:cxnSp>
-      <p:sp>
-        <p:nvSpPr>
-          <p:cNvPr id="96" name="TextBox 95">
-            <a:extLst>
-              <a:ext uri="{FF2B5EF4-FFF2-40B4-BE49-F238E27FC236}">
-                <a16:creationId xmlns:a16="http://schemas.microsoft.com/office/drawing/2014/main" id="{4085EB01-1D8F-5140-BE44-BBD28A468F89}"/>
-              </a:ext>
-            </a:extLst>
-          </p:cNvPr>
-          <p:cNvSpPr txBox="1"/>
-          <p:nvPr/>
-        </p:nvSpPr>
-        <p:spPr>
-          <a:xfrm>
-            <a:off x="2553293" y="1247845"/>
-            <a:ext cx="1736373" cy="215444"/>
-          </a:xfrm>
-          <a:prstGeom prst="rect">
-            <a:avLst/>
-          </a:prstGeom>
-          <a:solidFill>
-            <a:schemeClr val="bg1"/>
-          </a:solidFill>
-        </p:spPr>
-        <p:txBody>
-          <a:bodyPr wrap="none" rtlCol="0">
-            <a:spAutoFit/>
-          </a:bodyPr>
-          <a:lstStyle/>
-          <a:p>
-            <a:pPr algn="ctr"/>
-            <a:r>
-              <a:rPr lang="en-US" sz="800" b="1">
-                <a:solidFill>
-                  <a:schemeClr val="accent2"/>
-                </a:solidFill>
-              </a:rPr>
-              <a:t>Envoy Proxy Propagation Delay</a:t>
-            </a:r>
-            <a:endParaRPr lang="en-KR" sz="800" b="1">
-              <a:solidFill>
-                <a:schemeClr val="accent2"/>
-              </a:solidFill>
-            </a:endParaRPr>
-          </a:p>
-        </p:txBody>
-      </p:sp>
-      <p:sp>
-        <p:nvSpPr>
-          <p:cNvPr id="131" name="사각형: 둥근 모서리 36">
-            <a:extLst>
-              <a:ext uri="{FF2B5EF4-FFF2-40B4-BE49-F238E27FC236}">
-                <a16:creationId xmlns:a16="http://schemas.microsoft.com/office/drawing/2014/main" id="{9A03A025-F8ED-BE46-AB25-ED5F8B7EB4C7}"/>
-              </a:ext>
-            </a:extLst>
-          </p:cNvPr>
-          <p:cNvSpPr/>
-          <p:nvPr/>
-        </p:nvSpPr>
-        <p:spPr>
-          <a:xfrm>
-            <a:off x="539552" y="908508"/>
-            <a:ext cx="2246387" cy="294176"/>
-          </a:xfrm>
-          <a:prstGeom prst="roundRect">
-            <a:avLst>
-              <a:gd name="adj" fmla="val 0"/>
-            </a:avLst>
-          </a:prstGeom>
-          <a:ln w="12700">
-            <a:solidFill>
-              <a:schemeClr val="accent2"/>
-            </a:solidFill>
-          </a:ln>
-        </p:spPr>
-        <p:style>
-          <a:lnRef idx="2">
-            <a:schemeClr val="dk1"/>
-          </a:lnRef>
-          <a:fillRef idx="1">
-            <a:schemeClr val="lt1"/>
-          </a:fillRef>
-          <a:effectRef idx="0">
-            <a:schemeClr val="dk1"/>
-          </a:effectRef>
-          <a:fontRef idx="minor">
-            <a:schemeClr val="dk1"/>
-          </a:fontRef>
-        </p:style>
-        <p:txBody>
-          <a:bodyPr rtlCol="0" anchor="ctr"/>
-          <a:lstStyle/>
-          <a:p>
-            <a:pPr algn="ctr"/>
-            <a:r>
-              <a:rPr lang="en-US" altLang="ko-KR" sz="800">
-                <a:solidFill>
-                  <a:schemeClr val="accent2"/>
-                </a:solidFill>
-              </a:rPr>
-              <a:t>Request Delivery</a:t>
-            </a:r>
-          </a:p>
-          <a:p>
-            <a:pPr algn="ctr"/>
-            <a:r>
-              <a:rPr lang="en-US" altLang="ko-KR" sz="800">
-                <a:solidFill>
-                  <a:schemeClr val="accent2"/>
-                </a:solidFill>
-              </a:rPr>
-              <a:t>(K8s API Server </a:t>
-            </a:r>
-            <a:r>
-              <a:rPr lang="en-US" altLang="ko-KR" sz="800">
-                <a:solidFill>
-                  <a:schemeClr val="accent2"/>
-                </a:solidFill>
-                <a:sym typeface="Wingdings" pitchFamily="2" charset="2"/>
-              </a:rPr>
-              <a:t> Istiod)</a:t>
-            </a:r>
-            <a:endParaRPr lang="ko-KR" altLang="en-US" sz="800">
-              <a:solidFill>
-                <a:schemeClr val="accent2"/>
-              </a:solidFill>
-            </a:endParaRPr>
-          </a:p>
-        </p:txBody>
-      </p:sp>
-      <p:cxnSp>
-        <p:nvCxnSpPr>
-          <p:cNvPr id="134" name="Straight Arrow Connector 133">
-            <a:extLst>
-              <a:ext uri="{FF2B5EF4-FFF2-40B4-BE49-F238E27FC236}">
-                <a16:creationId xmlns:a16="http://schemas.microsoft.com/office/drawing/2014/main" id="{5592B061-9C71-304C-B220-8167474B7D0C}"/>
-              </a:ext>
-            </a:extLst>
-          </p:cNvPr>
-          <p:cNvCxnSpPr>
-            <a:cxnSpLocks/>
-          </p:cNvCxnSpPr>
-          <p:nvPr/>
-        </p:nvCxnSpPr>
-        <p:spPr>
-          <a:xfrm flipV="1">
-            <a:off x="2398345" y="3562017"/>
-            <a:ext cx="0" cy="855170"/>
-          </a:xfrm>
-          <a:prstGeom prst="straightConnector1">
-            <a:avLst/>
-          </a:prstGeom>
-          <a:ln w="12700">
-            <a:solidFill>
-              <a:schemeClr val="tx1"/>
-            </a:solidFill>
-            <a:prstDash val="dash"/>
-            <a:tailEnd type="triangle"/>
-          </a:ln>
-        </p:spPr>
-        <p:style>
-          <a:lnRef idx="1">
-            <a:schemeClr val="accent1"/>
-          </a:lnRef>
-          <a:fillRef idx="0">
-            <a:schemeClr val="accent1"/>
-          </a:fillRef>
-          <a:effectRef idx="0">
-            <a:schemeClr val="accent1"/>
-          </a:effectRef>
-          <a:fontRef idx="minor">
-            <a:schemeClr val="tx1"/>
-          </a:fontRef>
-        </p:style>
-      </p:cxnSp>
-      <p:sp>
-        <p:nvSpPr>
-          <p:cNvPr id="137" name="TextBox 136">
-            <a:extLst>
-              <a:ext uri="{FF2B5EF4-FFF2-40B4-BE49-F238E27FC236}">
-                <a16:creationId xmlns:a16="http://schemas.microsoft.com/office/drawing/2014/main" id="{9A08028C-9D93-3E4D-BB52-9723D38F03EF}"/>
-              </a:ext>
-            </a:extLst>
-          </p:cNvPr>
-          <p:cNvSpPr txBox="1"/>
-          <p:nvPr/>
-        </p:nvSpPr>
-        <p:spPr>
-          <a:xfrm>
-            <a:off x="1309883" y="3765572"/>
-            <a:ext cx="1749946" cy="400110"/>
-          </a:xfrm>
-          <a:prstGeom prst="rect">
-            <a:avLst/>
-          </a:prstGeom>
-          <a:solidFill>
-            <a:schemeClr val="bg1"/>
-          </a:solidFill>
-        </p:spPr>
-        <p:txBody>
-          <a:bodyPr wrap="square" rtlCol="0">
-            <a:spAutoFit/>
-          </a:bodyPr>
-          <a:lstStyle/>
-          <a:p>
-            <a:pPr algn="ctr"/>
-            <a:r>
-              <a:rPr lang="en-KR" sz="1000"/>
-              <a:t>1. K8s API server receives</a:t>
-            </a:r>
-          </a:p>
-          <a:p>
-            <a:pPr algn="ctr"/>
-            <a:r>
-              <a:rPr lang="en-KR" sz="1000"/>
-              <a:t>a pod </a:t>
-            </a:r>
-            <a:r>
-              <a:rPr lang="en-US" sz="1000"/>
-              <a:t>termination</a:t>
-            </a:r>
-            <a:r>
-              <a:rPr lang="ko-KR" altLang="en-US" sz="1000"/>
-              <a:t> </a:t>
-            </a:r>
-            <a:r>
-              <a:rPr lang="en-KR" altLang="ko-KR" sz="1000"/>
-              <a:t>r</a:t>
-            </a:r>
-            <a:r>
-              <a:rPr lang="en-KR" sz="1000"/>
-              <a:t>equest</a:t>
-            </a:r>
-          </a:p>
-        </p:txBody>
-      </p:sp>
-      <p:cxnSp>
-        <p:nvCxnSpPr>
-          <p:cNvPr id="33" name="Straight Arrow Connector 32">
-            <a:extLst>
-              <a:ext uri="{FF2B5EF4-FFF2-40B4-BE49-F238E27FC236}">
-                <a16:creationId xmlns:a16="http://schemas.microsoft.com/office/drawing/2014/main" id="{20F10284-9C54-FB46-A151-71AEBFD5FA72}"/>
-              </a:ext>
-            </a:extLst>
-          </p:cNvPr>
-          <p:cNvCxnSpPr>
-            <a:cxnSpLocks/>
-          </p:cNvCxnSpPr>
-          <p:nvPr/>
-        </p:nvCxnSpPr>
-        <p:spPr>
-          <a:xfrm flipH="1">
-            <a:off x="2398345" y="627534"/>
-            <a:ext cx="4742930" cy="0"/>
-          </a:xfrm>
-          <a:prstGeom prst="straightConnector1">
-            <a:avLst/>
-          </a:prstGeom>
-          <a:ln w="12700">
-            <a:solidFill>
-              <a:schemeClr val="tx1"/>
-            </a:solidFill>
-            <a:prstDash val="solid"/>
-            <a:headEnd type="triangle" w="med" len="med"/>
-            <a:tailEnd type="triangle" w="med" len="med"/>
-          </a:ln>
-        </p:spPr>
-        <p:style>
-          <a:lnRef idx="1">
-            <a:schemeClr val="accent1"/>
-          </a:lnRef>
-          <a:fillRef idx="0">
-            <a:schemeClr val="accent1"/>
-          </a:fillRef>
-          <a:effectRef idx="0">
-            <a:schemeClr val="accent1"/>
-          </a:effectRef>
-          <a:fontRef idx="minor">
-            <a:schemeClr val="tx1"/>
-          </a:fontRef>
-        </p:style>
-      </p:cxnSp>
-      <p:sp>
-        <p:nvSpPr>
-          <p:cNvPr id="34" name="TextBox 33">
-            <a:extLst>
-              <a:ext uri="{FF2B5EF4-FFF2-40B4-BE49-F238E27FC236}">
-                <a16:creationId xmlns:a16="http://schemas.microsoft.com/office/drawing/2014/main" id="{A82D9337-B032-144A-9C37-F16DB283319A}"/>
-              </a:ext>
-            </a:extLst>
-          </p:cNvPr>
-          <p:cNvSpPr txBox="1"/>
-          <p:nvPr/>
-        </p:nvSpPr>
-        <p:spPr>
-          <a:xfrm>
-            <a:off x="3823513" y="385004"/>
-            <a:ext cx="1670650" cy="215444"/>
-          </a:xfrm>
-          <a:prstGeom prst="rect">
-            <a:avLst/>
-          </a:prstGeom>
-          <a:solidFill>
-            <a:schemeClr val="bg1"/>
-          </a:solidFill>
-        </p:spPr>
-        <p:txBody>
-          <a:bodyPr wrap="none" rtlCol="0">
-            <a:spAutoFit/>
-          </a:bodyPr>
-          <a:lstStyle/>
-          <a:p>
-            <a:pPr algn="ctr"/>
-            <a:r>
-              <a:rPr lang="en-US" sz="800"/>
-              <a:t>terminationGracePeriodSeconds</a:t>
-            </a:r>
-            <a:endParaRPr lang="en-KR" sz="800"/>
-          </a:p>
-        </p:txBody>
-      </p:sp>
-      <p:cxnSp>
-        <p:nvCxnSpPr>
-          <p:cNvPr id="37" name="Straight Arrow Connector 36">
-            <a:extLst>
-              <a:ext uri="{FF2B5EF4-FFF2-40B4-BE49-F238E27FC236}">
-                <a16:creationId xmlns:a16="http://schemas.microsoft.com/office/drawing/2014/main" id="{C05140B8-BEA8-454E-8C92-36C2577F773A}"/>
-              </a:ext>
-            </a:extLst>
-          </p:cNvPr>
-          <p:cNvCxnSpPr>
-            <a:cxnSpLocks/>
-          </p:cNvCxnSpPr>
-          <p:nvPr/>
-        </p:nvCxnSpPr>
-        <p:spPr>
-          <a:xfrm>
-            <a:off x="4881067" y="2326554"/>
-            <a:ext cx="0" cy="1235461"/>
-          </a:xfrm>
-          <a:prstGeom prst="straightConnector1">
-            <a:avLst/>
-          </a:prstGeom>
-          <a:ln w="12700">
-            <a:solidFill>
-              <a:schemeClr val="tx1"/>
-            </a:solidFill>
-            <a:prstDash val="dash"/>
-            <a:headEnd type="none" w="med" len="med"/>
-            <a:tailEnd type="none" w="med" len="med"/>
-          </a:ln>
-        </p:spPr>
-        <p:style>
-          <a:lnRef idx="1">
-            <a:schemeClr val="accent1"/>
-          </a:lnRef>
-          <a:fillRef idx="0">
-            <a:schemeClr val="accent1"/>
-          </a:fillRef>
-          <a:effectRef idx="0">
-            <a:schemeClr val="accent1"/>
-          </a:effectRef>
-          <a:fontRef idx="minor">
-            <a:schemeClr val="tx1"/>
-          </a:fontRef>
-        </p:style>
-      </p:cxnSp>
-      <p:cxnSp>
-        <p:nvCxnSpPr>
-          <p:cNvPr id="38" name="Straight Arrow Connector 37">
-            <a:extLst>
-              <a:ext uri="{FF2B5EF4-FFF2-40B4-BE49-F238E27FC236}">
-                <a16:creationId xmlns:a16="http://schemas.microsoft.com/office/drawing/2014/main" id="{03FBCEF2-35B5-2741-BB77-5C57D0DE3C80}"/>
-              </a:ext>
-            </a:extLst>
-          </p:cNvPr>
-          <p:cNvCxnSpPr>
-            <a:cxnSpLocks/>
-          </p:cNvCxnSpPr>
-          <p:nvPr/>
-        </p:nvCxnSpPr>
-        <p:spPr>
-          <a:xfrm>
-            <a:off x="7141282" y="627534"/>
-            <a:ext cx="0" cy="2934481"/>
-          </a:xfrm>
-          <a:prstGeom prst="straightConnector1">
-            <a:avLst/>
-          </a:prstGeom>
-          <a:ln w="12700">
-            <a:solidFill>
-              <a:schemeClr val="tx1"/>
-            </a:solidFill>
-            <a:prstDash val="dash"/>
-            <a:headEnd type="none" w="med" len="med"/>
-            <a:tailEnd type="none" w="med" len="med"/>
-          </a:ln>
-        </p:spPr>
-        <p:style>
-          <a:lnRef idx="1">
-            <a:schemeClr val="accent1"/>
-          </a:lnRef>
-          <a:fillRef idx="0">
-            <a:schemeClr val="accent1"/>
-          </a:fillRef>
-          <a:effectRef idx="0">
-            <a:schemeClr val="accent1"/>
-          </a:effectRef>
-          <a:fontRef idx="minor">
-            <a:schemeClr val="tx1"/>
-          </a:fontRef>
-        </p:style>
-      </p:cxnSp>
-      <p:cxnSp>
-        <p:nvCxnSpPr>
-          <p:cNvPr id="39" name="Straight Arrow Connector 38">
-            <a:extLst>
-              <a:ext uri="{FF2B5EF4-FFF2-40B4-BE49-F238E27FC236}">
-                <a16:creationId xmlns:a16="http://schemas.microsoft.com/office/drawing/2014/main" id="{9C76248E-DC1C-E447-89E1-A3F235E40337}"/>
-              </a:ext>
-            </a:extLst>
-          </p:cNvPr>
-          <p:cNvCxnSpPr>
-            <a:cxnSpLocks/>
-          </p:cNvCxnSpPr>
-          <p:nvPr/>
-        </p:nvCxnSpPr>
-        <p:spPr>
-          <a:xfrm flipH="1">
-            <a:off x="2398346" y="2427734"/>
-            <a:ext cx="2482721" cy="0"/>
-          </a:xfrm>
-          <a:prstGeom prst="straightConnector1">
-            <a:avLst/>
-          </a:prstGeom>
-          <a:ln w="12700">
-            <a:solidFill>
-              <a:schemeClr val="tx1"/>
-            </a:solidFill>
-            <a:prstDash val="solid"/>
-            <a:headEnd type="triangle" w="med" len="med"/>
-            <a:tailEnd type="triangle" w="med" len="med"/>
-          </a:ln>
-        </p:spPr>
-        <p:style>
-          <a:lnRef idx="1">
-            <a:schemeClr val="accent1"/>
-          </a:lnRef>
-          <a:fillRef idx="0">
-            <a:schemeClr val="accent1"/>
-          </a:fillRef>
-          <a:effectRef idx="0">
-            <a:schemeClr val="accent1"/>
-          </a:effectRef>
-          <a:fontRef idx="minor">
-            <a:schemeClr val="tx1"/>
-          </a:fontRef>
-        </p:style>
-      </p:cxnSp>
-      <p:sp>
-        <p:nvSpPr>
-          <p:cNvPr id="40" name="TextBox 39">
-            <a:extLst>
-              <a:ext uri="{FF2B5EF4-FFF2-40B4-BE49-F238E27FC236}">
-                <a16:creationId xmlns:a16="http://schemas.microsoft.com/office/drawing/2014/main" id="{4EF4A4E1-1DFA-2E4F-9681-E1618DE43572}"/>
-              </a:ext>
-            </a:extLst>
-          </p:cNvPr>
-          <p:cNvSpPr txBox="1"/>
-          <p:nvPr/>
-        </p:nvSpPr>
-        <p:spPr>
-          <a:xfrm>
-            <a:off x="2843808" y="2190537"/>
-            <a:ext cx="1585690" cy="215444"/>
-          </a:xfrm>
-          <a:prstGeom prst="rect">
-            <a:avLst/>
-          </a:prstGeom>
-          <a:solidFill>
-            <a:schemeClr val="bg1"/>
-          </a:solidFill>
-        </p:spPr>
-        <p:txBody>
-          <a:bodyPr wrap="none" rtlCol="0">
-            <a:spAutoFit/>
-          </a:bodyPr>
-          <a:lstStyle/>
-          <a:p>
-            <a:pPr algn="ctr"/>
-            <a:r>
-              <a:rPr lang="en-US" sz="800"/>
-              <a:t>MINIMUM_DRAIN_DURATION</a:t>
-            </a:r>
-            <a:endParaRPr lang="en-KR" sz="800"/>
-          </a:p>
-        </p:txBody>
-      </p:sp>
-      <p:cxnSp>
-        <p:nvCxnSpPr>
-          <p:cNvPr id="43" name="Straight Arrow Connector 42">
-            <a:extLst>
-              <a:ext uri="{FF2B5EF4-FFF2-40B4-BE49-F238E27FC236}">
-                <a16:creationId xmlns:a16="http://schemas.microsoft.com/office/drawing/2014/main" id="{E7E62BDB-4469-1B49-AB44-356389428D9A}"/>
-              </a:ext>
-            </a:extLst>
-          </p:cNvPr>
-          <p:cNvCxnSpPr>
-            <a:cxnSpLocks/>
-            <a:stCxn id="45" idx="0"/>
-          </p:cNvCxnSpPr>
-          <p:nvPr/>
-        </p:nvCxnSpPr>
-        <p:spPr>
-          <a:xfrm flipV="1">
-            <a:off x="4883112" y="3550691"/>
-            <a:ext cx="0" cy="869276"/>
-          </a:xfrm>
-          <a:prstGeom prst="straightConnector1">
-            <a:avLst/>
-          </a:prstGeom>
-          <a:ln w="12700">
-            <a:solidFill>
-              <a:schemeClr val="tx1"/>
-            </a:solidFill>
-            <a:prstDash val="dash"/>
-            <a:tailEnd type="triangle"/>
-          </a:ln>
-        </p:spPr>
-        <p:style>
-          <a:lnRef idx="1">
-            <a:schemeClr val="accent1"/>
-          </a:lnRef>
-          <a:fillRef idx="0">
-            <a:schemeClr val="accent1"/>
-          </a:fillRef>
-          <a:effectRef idx="0">
-            <a:schemeClr val="accent1"/>
-          </a:effectRef>
-          <a:fontRef idx="minor">
-            <a:schemeClr val="tx1"/>
-          </a:fontRef>
-        </p:style>
-      </p:cxnSp>
-      <p:sp>
-        <p:nvSpPr>
-          <p:cNvPr id="45" name="TextBox 44">
-            <a:extLst>
-              <a:ext uri="{FF2B5EF4-FFF2-40B4-BE49-F238E27FC236}">
-                <a16:creationId xmlns:a16="http://schemas.microsoft.com/office/drawing/2014/main" id="{C6376863-2ADD-784D-BD41-0B5E82910844}"/>
-              </a:ext>
-            </a:extLst>
-          </p:cNvPr>
-          <p:cNvSpPr txBox="1"/>
-          <p:nvPr/>
-        </p:nvSpPr>
-        <p:spPr>
-          <a:xfrm>
-            <a:off x="3918141" y="4419967"/>
-            <a:ext cx="1929942" cy="400110"/>
-          </a:xfrm>
-          <a:prstGeom prst="rect">
-            <a:avLst/>
-          </a:prstGeom>
-          <a:solidFill>
-            <a:schemeClr val="bg1"/>
-          </a:solidFill>
-        </p:spPr>
-        <p:txBody>
-          <a:bodyPr wrap="square" rtlCol="0">
-            <a:spAutoFit/>
-          </a:bodyPr>
-          <a:lstStyle/>
-          <a:p>
-            <a:pPr algn="ctr"/>
-            <a:r>
-              <a:rPr lang="en-KR" sz="1000"/>
-              <a:t>4. pilot-agent </a:t>
-            </a:r>
-            <a:r>
-              <a:rPr lang="en-US" sz="1000"/>
-              <a:t>waits</a:t>
-            </a:r>
-          </a:p>
-          <a:p>
-            <a:pPr algn="ctr"/>
-            <a:r>
-              <a:rPr lang="en-US" sz="1000"/>
-              <a:t>0 connections</a:t>
-            </a:r>
-            <a:endParaRPr lang="en-KR" sz="1000"/>
-          </a:p>
-        </p:txBody>
-      </p:sp>
-      <p:sp>
-        <p:nvSpPr>
-          <p:cNvPr id="48" name="TextBox 47">
-            <a:extLst>
-              <a:ext uri="{FF2B5EF4-FFF2-40B4-BE49-F238E27FC236}">
-                <a16:creationId xmlns:a16="http://schemas.microsoft.com/office/drawing/2014/main" id="{4EDE311E-3277-A347-9C10-AD6384ED169D}"/>
-              </a:ext>
-            </a:extLst>
-          </p:cNvPr>
-          <p:cNvSpPr txBox="1"/>
-          <p:nvPr/>
-        </p:nvSpPr>
-        <p:spPr>
-          <a:xfrm>
-            <a:off x="3774627" y="3765572"/>
-            <a:ext cx="1768433" cy="553998"/>
-          </a:xfrm>
-          <a:prstGeom prst="rect">
-            <a:avLst/>
-          </a:prstGeom>
-          <a:solidFill>
-            <a:schemeClr val="bg1"/>
-          </a:solidFill>
-        </p:spPr>
-        <p:txBody>
-          <a:bodyPr wrap="none" rtlCol="0">
-            <a:spAutoFit/>
-          </a:bodyPr>
-          <a:lstStyle/>
-          <a:p>
-            <a:pPr algn="ctr"/>
-            <a:r>
-              <a:rPr lang="en-US" altLang="ko-KR" sz="1000"/>
-              <a:t>4</a:t>
-            </a:r>
-            <a:r>
-              <a:rPr lang="en-US" sz="1000"/>
-              <a:t>. All envoy proxy removes</a:t>
-            </a:r>
-          </a:p>
-          <a:p>
-            <a:pPr algn="ctr"/>
-            <a:r>
-              <a:rPr lang="en-US" sz="1000"/>
-              <a:t>forwarding rules for </a:t>
-            </a:r>
-          </a:p>
-          <a:p>
-            <a:pPr algn="ctr"/>
-            <a:r>
-              <a:rPr lang="en-US" sz="1000"/>
-              <a:t>the terminated pod </a:t>
-            </a:r>
-          </a:p>
-        </p:txBody>
-      </p:sp>
-      <p:cxnSp>
-        <p:nvCxnSpPr>
-          <p:cNvPr id="53" name="Straight Arrow Connector 52">
-            <a:extLst>
-              <a:ext uri="{FF2B5EF4-FFF2-40B4-BE49-F238E27FC236}">
-                <a16:creationId xmlns:a16="http://schemas.microsoft.com/office/drawing/2014/main" id="{D0A16FA5-C0E4-624F-BCB9-80AB326E0F07}"/>
-              </a:ext>
-            </a:extLst>
-          </p:cNvPr>
-          <p:cNvCxnSpPr>
-            <a:cxnSpLocks/>
-          </p:cNvCxnSpPr>
-          <p:nvPr/>
-        </p:nvCxnSpPr>
-        <p:spPr>
-          <a:xfrm>
-            <a:off x="6588224" y="2326554"/>
-            <a:ext cx="0" cy="1235461"/>
-          </a:xfrm>
-          <a:prstGeom prst="straightConnector1">
-            <a:avLst/>
-          </a:prstGeom>
-          <a:ln w="12700">
-            <a:solidFill>
-              <a:schemeClr val="tx1"/>
-            </a:solidFill>
-            <a:prstDash val="dash"/>
-            <a:headEnd type="none" w="med" len="med"/>
-            <a:tailEnd type="none" w="med" len="med"/>
-          </a:ln>
-        </p:spPr>
-        <p:style>
-          <a:lnRef idx="1">
-            <a:schemeClr val="accent1"/>
-          </a:lnRef>
-          <a:fillRef idx="0">
-            <a:schemeClr val="accent1"/>
-          </a:fillRef>
-          <a:effectRef idx="0">
-            <a:schemeClr val="accent1"/>
-          </a:effectRef>
-          <a:fontRef idx="minor">
-            <a:schemeClr val="tx1"/>
-          </a:fontRef>
-        </p:style>
-      </p:cxnSp>
-      <p:sp>
-        <p:nvSpPr>
-          <p:cNvPr id="55" name="TextBox 54">
-            <a:extLst>
-              <a:ext uri="{FF2B5EF4-FFF2-40B4-BE49-F238E27FC236}">
-                <a16:creationId xmlns:a16="http://schemas.microsoft.com/office/drawing/2014/main" id="{2910A9C4-710D-4B46-A542-1CB927D5A19F}"/>
-              </a:ext>
-            </a:extLst>
-          </p:cNvPr>
-          <p:cNvSpPr txBox="1"/>
-          <p:nvPr/>
-        </p:nvSpPr>
-        <p:spPr>
-          <a:xfrm>
-            <a:off x="5623253" y="3760240"/>
-            <a:ext cx="1929942" cy="553998"/>
-          </a:xfrm>
-          <a:prstGeom prst="rect">
-            <a:avLst/>
-          </a:prstGeom>
-          <a:solidFill>
-            <a:schemeClr val="bg1"/>
-          </a:solidFill>
-        </p:spPr>
-        <p:txBody>
-          <a:bodyPr wrap="square" rtlCol="0">
-            <a:spAutoFit/>
-          </a:bodyPr>
-          <a:lstStyle/>
-          <a:p>
-            <a:pPr algn="ctr"/>
-            <a:r>
-              <a:rPr lang="en-KR" sz="1000"/>
-              <a:t>5. pilot-agent</a:t>
-            </a:r>
-          </a:p>
-          <a:p>
-            <a:pPr algn="ctr"/>
-            <a:r>
-              <a:rPr lang="en-US" sz="1000"/>
-              <a:t>remove envoy proxy</a:t>
-            </a:r>
-          </a:p>
-          <a:p>
-            <a:pPr algn="ctr"/>
-            <a:r>
-              <a:rPr lang="en-US" sz="1000"/>
-              <a:t>after 0 connections</a:t>
-            </a:r>
-            <a:endParaRPr lang="en-KR" sz="1000"/>
-          </a:p>
-        </p:txBody>
-      </p:sp>
-      <p:cxnSp>
-        <p:nvCxnSpPr>
-          <p:cNvPr id="56" name="Straight Arrow Connector 55">
-            <a:extLst>
-              <a:ext uri="{FF2B5EF4-FFF2-40B4-BE49-F238E27FC236}">
-                <a16:creationId xmlns:a16="http://schemas.microsoft.com/office/drawing/2014/main" id="{3887B961-399F-DB46-BE89-CE10467CA28B}"/>
-              </a:ext>
-            </a:extLst>
-          </p:cNvPr>
-          <p:cNvCxnSpPr>
-            <a:cxnSpLocks/>
-          </p:cNvCxnSpPr>
-          <p:nvPr/>
-        </p:nvCxnSpPr>
-        <p:spPr>
-          <a:xfrm flipV="1">
-            <a:off x="6588224" y="3556346"/>
-            <a:ext cx="0" cy="209226"/>
-          </a:xfrm>
-          <a:prstGeom prst="straightConnector1">
-            <a:avLst/>
-          </a:prstGeom>
-          <a:ln w="12700">
-            <a:solidFill>
-              <a:schemeClr val="tx1"/>
-            </a:solidFill>
-            <a:prstDash val="dash"/>
-            <a:tailEnd type="triangle"/>
-          </a:ln>
-        </p:spPr>
-        <p:style>
-          <a:lnRef idx="1">
-            <a:schemeClr val="accent1"/>
-          </a:lnRef>
-          <a:fillRef idx="0">
-            <a:schemeClr val="accent1"/>
-          </a:fillRef>
-          <a:effectRef idx="0">
-            <a:schemeClr val="accent1"/>
-          </a:effectRef>
-          <a:fontRef idx="minor">
-            <a:schemeClr val="tx1"/>
-          </a:fontRef>
-        </p:style>
-      </p:cxnSp>
-      <p:sp>
-        <p:nvSpPr>
-          <p:cNvPr id="42" name="TextBox 41">
-            <a:extLst>
-              <a:ext uri="{FF2B5EF4-FFF2-40B4-BE49-F238E27FC236}">
-                <a16:creationId xmlns:a16="http://schemas.microsoft.com/office/drawing/2014/main" id="{3F2E8242-EDC2-A64C-A68C-4B3B1B171937}"/>
-              </a:ext>
-            </a:extLst>
-          </p:cNvPr>
-          <p:cNvSpPr txBox="1"/>
-          <p:nvPr/>
-        </p:nvSpPr>
-        <p:spPr>
-          <a:xfrm>
-            <a:off x="1376820" y="4319702"/>
-            <a:ext cx="2043050" cy="707886"/>
-          </a:xfrm>
-          <a:prstGeom prst="rect">
-            <a:avLst/>
-          </a:prstGeom>
-          <a:solidFill>
-            <a:schemeClr val="bg1"/>
-          </a:solidFill>
-        </p:spPr>
-        <p:txBody>
-          <a:bodyPr wrap="square" rtlCol="0">
-            <a:spAutoFit/>
-          </a:bodyPr>
-          <a:lstStyle/>
-          <a:p>
-            <a:pPr algn="ctr"/>
-            <a:r>
-              <a:rPr lang="en-KR" sz="1000"/>
-              <a:t>2. kubelet sends</a:t>
-            </a:r>
-            <a:r>
-              <a:rPr lang="ko-KR" altLang="en-US" sz="1000"/>
-              <a:t> </a:t>
-            </a:r>
-            <a:r>
-              <a:rPr lang="en-KR" sz="1000"/>
-              <a:t>SIGTERM </a:t>
-            </a:r>
-          </a:p>
-          <a:p>
-            <a:pPr algn="ctr"/>
-            <a:r>
-              <a:rPr lang="en-KR" sz="1000"/>
-              <a:t>signal</a:t>
-            </a:r>
-            <a:r>
-              <a:rPr lang="ko-KR" altLang="en-US" sz="1000"/>
-              <a:t> </a:t>
-            </a:r>
-            <a:r>
-              <a:rPr lang="en-US" sz="1000"/>
-              <a:t>t</a:t>
-            </a:r>
-            <a:r>
-              <a:rPr lang="en-KR" sz="1000"/>
-              <a:t>o pliot-agent</a:t>
-            </a:r>
-            <a:br>
-              <a:rPr lang="en-KR" sz="1000"/>
-            </a:br>
-            <a:r>
-              <a:rPr lang="en-US" altLang="ko-KR" sz="1000"/>
-              <a:t>3</a:t>
-            </a:r>
-            <a:r>
-              <a:rPr lang="en-KR" sz="1000"/>
-              <a:t>. pilot-agent </a:t>
-            </a:r>
-            <a:r>
-              <a:rPr lang="en-US" sz="1000"/>
-              <a:t>sets envoy </a:t>
-            </a:r>
-            <a:r>
-              <a:rPr lang="en-US" altLang="ko-KR" sz="1000"/>
-              <a:t>p</a:t>
-            </a:r>
-            <a:r>
-              <a:rPr lang="en-US" sz="1000"/>
-              <a:t>roxy</a:t>
-            </a:r>
-          </a:p>
-          <a:p>
-            <a:pPr algn="ctr"/>
-            <a:r>
-              <a:rPr lang="en-US" sz="1000"/>
-              <a:t>to drain mode and wait</a:t>
-            </a:r>
-            <a:endParaRPr lang="en-KR" sz="1000"/>
-          </a:p>
-        </p:txBody>
-      </p:sp>
-      <p:sp>
-        <p:nvSpPr>
-          <p:cNvPr id="44" name="사각형: 둥근 모서리 36">
-            <a:extLst>
-              <a:ext uri="{FF2B5EF4-FFF2-40B4-BE49-F238E27FC236}">
-                <a16:creationId xmlns:a16="http://schemas.microsoft.com/office/drawing/2014/main" id="{0F54A882-553A-7A42-9BA7-8C5B897AD6E2}"/>
-              </a:ext>
-            </a:extLst>
-          </p:cNvPr>
-          <p:cNvSpPr/>
-          <p:nvPr/>
-        </p:nvSpPr>
-        <p:spPr>
-          <a:xfrm>
-            <a:off x="4178023" y="908508"/>
-            <a:ext cx="3058274" cy="294176"/>
-          </a:xfrm>
-          <a:prstGeom prst="roundRect">
-            <a:avLst>
-              <a:gd name="adj" fmla="val 0"/>
-            </a:avLst>
-          </a:prstGeom>
-          <a:ln w="12700">
-            <a:solidFill>
-              <a:schemeClr val="accent2"/>
-            </a:solidFill>
-          </a:ln>
-        </p:spPr>
-        <p:style>
-          <a:lnRef idx="2">
-            <a:schemeClr val="dk1"/>
-          </a:lnRef>
-          <a:fillRef idx="1">
-            <a:schemeClr val="lt1"/>
-          </a:fillRef>
-          <a:effectRef idx="0">
-            <a:schemeClr val="dk1"/>
-          </a:effectRef>
-          <a:fontRef idx="minor">
-            <a:schemeClr val="dk1"/>
-          </a:fontRef>
-        </p:style>
-        <p:txBody>
-          <a:bodyPr rtlCol="0" anchor="ctr"/>
-          <a:lstStyle/>
-          <a:p>
-            <a:pPr algn="ctr"/>
-            <a:r>
-              <a:rPr lang="en-US" altLang="ko-KR" sz="800">
-                <a:solidFill>
-                  <a:schemeClr val="accent2"/>
-                </a:solidFill>
-              </a:rPr>
-              <a:t>Request Delivery</a:t>
-            </a:r>
-          </a:p>
-          <a:p>
-            <a:pPr algn="ctr"/>
-            <a:r>
-              <a:rPr lang="en-US" altLang="ko-KR" sz="800">
-                <a:solidFill>
-                  <a:schemeClr val="accent2"/>
-                </a:solidFill>
-              </a:rPr>
-              <a:t>(Istiod </a:t>
-            </a:r>
-            <a:r>
-              <a:rPr lang="en-US" altLang="ko-KR" sz="800">
-                <a:solidFill>
-                  <a:schemeClr val="accent2"/>
-                </a:solidFill>
-                <a:sym typeface="Wingdings" pitchFamily="2" charset="2"/>
-              </a:rPr>
-              <a:t> All Envoy Proxy)</a:t>
-            </a:r>
-            <a:endParaRPr lang="ko-KR" altLang="en-US" sz="800">
-              <a:solidFill>
-                <a:schemeClr val="accent2"/>
-              </a:solidFill>
-            </a:endParaRPr>
-          </a:p>
-        </p:txBody>
-      </p:sp>
     </p:spTree>
     <p:extLst>
       <p:ext uri="{BB962C8B-B14F-4D97-AF65-F5344CB8AC3E}">
-        <p14:creationId xmlns:p14="http://schemas.microsoft.com/office/powerpoint/2010/main" val="3695182436"/>
+        <p14:creationId xmlns:p14="http://schemas.microsoft.com/office/powerpoint/2010/main" val="1742236274"/>
       </p:ext>
     </p:extLst>
   </p:cSld>
@@ -12624,10 +10855,1847 @@
           <a:chExt cx="0" cy="0"/>
         </a:xfrm>
       </p:grpSpPr>
+      <p:sp>
+        <p:nvSpPr>
+          <p:cNvPr id="36" name="사각형: 둥근 모서리 36">
+            <a:extLst>
+              <a:ext uri="{FF2B5EF4-FFF2-40B4-BE49-F238E27FC236}">
+                <a16:creationId xmlns:a16="http://schemas.microsoft.com/office/drawing/2014/main" id="{BCFC3FC0-D0BC-4242-BBA0-C72D04B19CA8}"/>
+              </a:ext>
+            </a:extLst>
+          </p:cNvPr>
+          <p:cNvSpPr/>
+          <p:nvPr/>
+        </p:nvSpPr>
+        <p:spPr>
+          <a:xfrm>
+            <a:off x="1115619" y="3052293"/>
+            <a:ext cx="3240357" cy="360036"/>
+          </a:xfrm>
+          <a:prstGeom prst="roundRect">
+            <a:avLst>
+              <a:gd name="adj" fmla="val 0"/>
+            </a:avLst>
+          </a:prstGeom>
+          <a:ln w="12700"/>
+        </p:spPr>
+        <p:style>
+          <a:lnRef idx="2">
+            <a:schemeClr val="dk1"/>
+          </a:lnRef>
+          <a:fillRef idx="1">
+            <a:schemeClr val="lt1"/>
+          </a:fillRef>
+          <a:effectRef idx="0">
+            <a:schemeClr val="dk1"/>
+          </a:effectRef>
+          <a:fontRef idx="minor">
+            <a:schemeClr val="dk1"/>
+          </a:fontRef>
+        </p:style>
+        <p:txBody>
+          <a:bodyPr rtlCol="0" anchor="ctr"/>
+          <a:lstStyle/>
+          <a:p>
+            <a:pPr algn="ctr"/>
+            <a:r>
+              <a:rPr lang="en-US" altLang="ko-KR" sz="1000"/>
+              <a:t>pliot-agent</a:t>
+            </a:r>
+            <a:endParaRPr lang="ko-KR" altLang="en-US" sz="1000"/>
+          </a:p>
+        </p:txBody>
+      </p:sp>
+      <p:sp>
+        <p:nvSpPr>
+          <p:cNvPr id="2" name="사각형: 둥근 모서리 36">
+            <a:extLst>
+              <a:ext uri="{FF2B5EF4-FFF2-40B4-BE49-F238E27FC236}">
+                <a16:creationId xmlns:a16="http://schemas.microsoft.com/office/drawing/2014/main" id="{3EB36A7E-F0DF-BC45-BCC0-35344201C426}"/>
+              </a:ext>
+            </a:extLst>
+          </p:cNvPr>
+          <p:cNvSpPr/>
+          <p:nvPr/>
+        </p:nvSpPr>
+        <p:spPr>
+          <a:xfrm>
+            <a:off x="1115618" y="2544447"/>
+            <a:ext cx="3240359" cy="360036"/>
+          </a:xfrm>
+          <a:prstGeom prst="roundRect">
+            <a:avLst>
+              <a:gd name="adj" fmla="val 0"/>
+            </a:avLst>
+          </a:prstGeom>
+          <a:ln w="12700"/>
+        </p:spPr>
+        <p:style>
+          <a:lnRef idx="2">
+            <a:schemeClr val="dk1"/>
+          </a:lnRef>
+          <a:fillRef idx="1">
+            <a:schemeClr val="lt1"/>
+          </a:fillRef>
+          <a:effectRef idx="0">
+            <a:schemeClr val="dk1"/>
+          </a:effectRef>
+          <a:fontRef idx="minor">
+            <a:schemeClr val="dk1"/>
+          </a:fontRef>
+        </p:style>
+        <p:txBody>
+          <a:bodyPr rtlCol="0" anchor="ctr"/>
+          <a:lstStyle/>
+          <a:p>
+            <a:pPr algn="ctr"/>
+            <a:r>
+              <a:rPr lang="en-US" altLang="ko-KR" sz="1000"/>
+              <a:t>Envoy Proxy</a:t>
+            </a:r>
+            <a:endParaRPr lang="ko-KR" altLang="en-US" sz="1000"/>
+          </a:p>
+        </p:txBody>
+      </p:sp>
+      <p:cxnSp>
+        <p:nvCxnSpPr>
+          <p:cNvPr id="32" name="Straight Arrow Connector 31">
+            <a:extLst>
+              <a:ext uri="{FF2B5EF4-FFF2-40B4-BE49-F238E27FC236}">
+                <a16:creationId xmlns:a16="http://schemas.microsoft.com/office/drawing/2014/main" id="{CBBC83F6-95B7-1B4E-8433-263BCDBE442B}"/>
+              </a:ext>
+            </a:extLst>
+          </p:cNvPr>
+          <p:cNvCxnSpPr>
+            <a:cxnSpLocks/>
+          </p:cNvCxnSpPr>
+          <p:nvPr/>
+        </p:nvCxnSpPr>
+        <p:spPr>
+          <a:xfrm>
+            <a:off x="2398346" y="627534"/>
+            <a:ext cx="0" cy="2923156"/>
+          </a:xfrm>
+          <a:prstGeom prst="straightConnector1">
+            <a:avLst/>
+          </a:prstGeom>
+          <a:ln w="12700">
+            <a:solidFill>
+              <a:schemeClr val="tx1"/>
+            </a:solidFill>
+            <a:prstDash val="dash"/>
+            <a:headEnd type="none" w="med" len="med"/>
+            <a:tailEnd type="none" w="med" len="med"/>
+          </a:ln>
+        </p:spPr>
+        <p:style>
+          <a:lnRef idx="1">
+            <a:schemeClr val="accent1"/>
+          </a:lnRef>
+          <a:fillRef idx="0">
+            <a:schemeClr val="accent1"/>
+          </a:fillRef>
+          <a:effectRef idx="0">
+            <a:schemeClr val="accent1"/>
+          </a:effectRef>
+          <a:fontRef idx="minor">
+            <a:schemeClr val="tx1"/>
+          </a:fontRef>
+        </p:style>
+      </p:cxnSp>
+      <p:cxnSp>
+        <p:nvCxnSpPr>
+          <p:cNvPr id="6" name="Straight Arrow Connector 5">
+            <a:extLst>
+              <a:ext uri="{FF2B5EF4-FFF2-40B4-BE49-F238E27FC236}">
+                <a16:creationId xmlns:a16="http://schemas.microsoft.com/office/drawing/2014/main" id="{74871440-9BBE-E240-AB7C-F6C7B20A9CD0}"/>
+              </a:ext>
+            </a:extLst>
+          </p:cNvPr>
+          <p:cNvCxnSpPr>
+            <a:cxnSpLocks/>
+          </p:cNvCxnSpPr>
+          <p:nvPr/>
+        </p:nvCxnSpPr>
+        <p:spPr>
+          <a:xfrm>
+            <a:off x="899592" y="3550690"/>
+            <a:ext cx="6840760" cy="0"/>
+          </a:xfrm>
+          <a:prstGeom prst="straightConnector1">
+            <a:avLst/>
+          </a:prstGeom>
+          <a:ln w="28575">
+            <a:solidFill>
+              <a:schemeClr val="tx1"/>
+            </a:solidFill>
+            <a:headEnd type="none" w="med" len="med"/>
+            <a:tailEnd type="arrow" w="med" len="med"/>
+          </a:ln>
+        </p:spPr>
+        <p:style>
+          <a:lnRef idx="1">
+            <a:schemeClr val="accent1"/>
+          </a:lnRef>
+          <a:fillRef idx="0">
+            <a:schemeClr val="accent1"/>
+          </a:fillRef>
+          <a:effectRef idx="0">
+            <a:schemeClr val="accent1"/>
+          </a:effectRef>
+          <a:fontRef idx="minor">
+            <a:schemeClr val="tx1"/>
+          </a:fontRef>
+        </p:style>
+      </p:cxnSp>
+      <p:sp>
+        <p:nvSpPr>
+          <p:cNvPr id="8" name="TextBox 7">
+            <a:extLst>
+              <a:ext uri="{FF2B5EF4-FFF2-40B4-BE49-F238E27FC236}">
+                <a16:creationId xmlns:a16="http://schemas.microsoft.com/office/drawing/2014/main" id="{6703E843-BE1F-FA4C-9136-E280FBBAA2AA}"/>
+              </a:ext>
+            </a:extLst>
+          </p:cNvPr>
+          <p:cNvSpPr txBox="1"/>
+          <p:nvPr/>
+        </p:nvSpPr>
+        <p:spPr>
+          <a:xfrm>
+            <a:off x="905315" y="3562015"/>
+            <a:ext cx="484428" cy="246221"/>
+          </a:xfrm>
+          <a:prstGeom prst="rect">
+            <a:avLst/>
+          </a:prstGeom>
+          <a:noFill/>
+        </p:spPr>
+        <p:txBody>
+          <a:bodyPr wrap="none" rtlCol="0">
+            <a:spAutoFit/>
+          </a:bodyPr>
+          <a:lstStyle/>
+          <a:p>
+            <a:r>
+              <a:rPr lang="en-KR" sz="1000" b="1"/>
+              <a:t>Time</a:t>
+            </a:r>
+          </a:p>
+        </p:txBody>
+      </p:sp>
+      <p:cxnSp>
+        <p:nvCxnSpPr>
+          <p:cNvPr id="10" name="Straight Arrow Connector 9">
+            <a:extLst>
+              <a:ext uri="{FF2B5EF4-FFF2-40B4-BE49-F238E27FC236}">
+                <a16:creationId xmlns:a16="http://schemas.microsoft.com/office/drawing/2014/main" id="{820C7B36-44F7-EC4F-B465-E81EE04C42C6}"/>
+              </a:ext>
+            </a:extLst>
+          </p:cNvPr>
+          <p:cNvCxnSpPr>
+            <a:cxnSpLocks/>
+          </p:cNvCxnSpPr>
+          <p:nvPr/>
+        </p:nvCxnSpPr>
+        <p:spPr>
+          <a:xfrm flipV="1">
+            <a:off x="2184856" y="3556346"/>
+            <a:ext cx="0" cy="209226"/>
+          </a:xfrm>
+          <a:prstGeom prst="straightConnector1">
+            <a:avLst/>
+          </a:prstGeom>
+          <a:ln w="12700">
+            <a:solidFill>
+              <a:schemeClr val="tx1"/>
+            </a:solidFill>
+            <a:prstDash val="dash"/>
+            <a:tailEnd type="triangle"/>
+          </a:ln>
+        </p:spPr>
+        <p:style>
+          <a:lnRef idx="1">
+            <a:schemeClr val="accent1"/>
+          </a:lnRef>
+          <a:fillRef idx="0">
+            <a:schemeClr val="accent1"/>
+          </a:fillRef>
+          <a:effectRef idx="0">
+            <a:schemeClr val="accent1"/>
+          </a:effectRef>
+          <a:fontRef idx="minor">
+            <a:schemeClr val="tx1"/>
+          </a:fontRef>
+        </p:style>
+      </p:cxnSp>
+      <p:cxnSp>
+        <p:nvCxnSpPr>
+          <p:cNvPr id="30" name="Straight Arrow Connector 29">
+            <a:extLst>
+              <a:ext uri="{FF2B5EF4-FFF2-40B4-BE49-F238E27FC236}">
+                <a16:creationId xmlns:a16="http://schemas.microsoft.com/office/drawing/2014/main" id="{6241CF7A-CD35-C248-9EF0-1A11F17CBA0B}"/>
+              </a:ext>
+            </a:extLst>
+          </p:cNvPr>
+          <p:cNvCxnSpPr>
+            <a:cxnSpLocks/>
+          </p:cNvCxnSpPr>
+          <p:nvPr/>
+        </p:nvCxnSpPr>
+        <p:spPr>
+          <a:xfrm>
+            <a:off x="2184607" y="1479926"/>
+            <a:ext cx="0" cy="2082089"/>
+          </a:xfrm>
+          <a:prstGeom prst="straightConnector1">
+            <a:avLst/>
+          </a:prstGeom>
+          <a:ln w="12700">
+            <a:solidFill>
+              <a:schemeClr val="tx1"/>
+            </a:solidFill>
+            <a:prstDash val="dash"/>
+            <a:headEnd type="none" w="med" len="med"/>
+            <a:tailEnd type="none" w="med" len="med"/>
+          </a:ln>
+        </p:spPr>
+        <p:style>
+          <a:lnRef idx="1">
+            <a:schemeClr val="accent1"/>
+          </a:lnRef>
+          <a:fillRef idx="0">
+            <a:schemeClr val="accent1"/>
+          </a:fillRef>
+          <a:effectRef idx="0">
+            <a:schemeClr val="accent1"/>
+          </a:effectRef>
+          <a:fontRef idx="minor">
+            <a:schemeClr val="tx1"/>
+          </a:fontRef>
+        </p:style>
+      </p:cxnSp>
+      <p:cxnSp>
+        <p:nvCxnSpPr>
+          <p:cNvPr id="54" name="Straight Arrow Connector 53">
+            <a:extLst>
+              <a:ext uri="{FF2B5EF4-FFF2-40B4-BE49-F238E27FC236}">
+                <a16:creationId xmlns:a16="http://schemas.microsoft.com/office/drawing/2014/main" id="{0D874EDB-25C5-6941-BD18-67AA9E05F05C}"/>
+              </a:ext>
+            </a:extLst>
+          </p:cNvPr>
+          <p:cNvCxnSpPr>
+            <a:cxnSpLocks/>
+          </p:cNvCxnSpPr>
+          <p:nvPr/>
+        </p:nvCxnSpPr>
+        <p:spPr>
+          <a:xfrm flipH="1">
+            <a:off x="2184359" y="2326554"/>
+            <a:ext cx="213987" cy="0"/>
+          </a:xfrm>
+          <a:prstGeom prst="straightConnector1">
+            <a:avLst/>
+          </a:prstGeom>
+          <a:ln w="12700">
+            <a:solidFill>
+              <a:schemeClr val="tx2"/>
+            </a:solidFill>
+            <a:prstDash val="solid"/>
+            <a:headEnd type="triangle" w="med" len="med"/>
+            <a:tailEnd type="triangle" w="med" len="med"/>
+          </a:ln>
+        </p:spPr>
+        <p:style>
+          <a:lnRef idx="1">
+            <a:schemeClr val="accent1"/>
+          </a:lnRef>
+          <a:fillRef idx="0">
+            <a:schemeClr val="accent1"/>
+          </a:fillRef>
+          <a:effectRef idx="0">
+            <a:schemeClr val="accent1"/>
+          </a:effectRef>
+          <a:fontRef idx="minor">
+            <a:schemeClr val="tx1"/>
+          </a:fontRef>
+        </p:style>
+      </p:cxnSp>
+      <p:sp>
+        <p:nvSpPr>
+          <p:cNvPr id="58" name="사각형: 둥근 모서리 36">
+            <a:extLst>
+              <a:ext uri="{FF2B5EF4-FFF2-40B4-BE49-F238E27FC236}">
+                <a16:creationId xmlns:a16="http://schemas.microsoft.com/office/drawing/2014/main" id="{2FC01194-2E2F-524E-849B-1872473B4AB9}"/>
+              </a:ext>
+            </a:extLst>
+          </p:cNvPr>
+          <p:cNvSpPr/>
+          <p:nvPr/>
+        </p:nvSpPr>
+        <p:spPr>
+          <a:xfrm>
+            <a:off x="1234852" y="1688144"/>
+            <a:ext cx="1824979" cy="294176"/>
+          </a:xfrm>
+          <a:prstGeom prst="roundRect">
+            <a:avLst>
+              <a:gd name="adj" fmla="val 0"/>
+            </a:avLst>
+          </a:prstGeom>
+          <a:ln w="12700">
+            <a:solidFill>
+              <a:schemeClr val="tx2"/>
+            </a:solidFill>
+          </a:ln>
+        </p:spPr>
+        <p:style>
+          <a:lnRef idx="2">
+            <a:schemeClr val="dk1"/>
+          </a:lnRef>
+          <a:fillRef idx="1">
+            <a:schemeClr val="lt1"/>
+          </a:fillRef>
+          <a:effectRef idx="0">
+            <a:schemeClr val="dk1"/>
+          </a:effectRef>
+          <a:fontRef idx="minor">
+            <a:schemeClr val="dk1"/>
+          </a:fontRef>
+        </p:style>
+        <p:txBody>
+          <a:bodyPr rtlCol="0" anchor="ctr"/>
+          <a:lstStyle/>
+          <a:p>
+            <a:pPr algn="ctr"/>
+            <a:r>
+              <a:rPr lang="en-US" altLang="ko-KR" sz="800">
+                <a:solidFill>
+                  <a:schemeClr val="tx2"/>
+                </a:solidFill>
+              </a:rPr>
+              <a:t>Request Delivery</a:t>
+            </a:r>
+          </a:p>
+          <a:p>
+            <a:pPr algn="ctr"/>
+            <a:r>
+              <a:rPr lang="en-US" altLang="ko-KR" sz="800">
+                <a:solidFill>
+                  <a:schemeClr val="tx2"/>
+                </a:solidFill>
+              </a:rPr>
+              <a:t>(K8s API Server </a:t>
+            </a:r>
+            <a:r>
+              <a:rPr lang="en-US" altLang="ko-KR" sz="800">
+                <a:solidFill>
+                  <a:schemeClr val="tx2"/>
+                </a:solidFill>
+                <a:sym typeface="Wingdings" pitchFamily="2" charset="2"/>
+              </a:rPr>
+              <a:t> kubelet) </a:t>
+            </a:r>
+            <a:endParaRPr lang="ko-KR" altLang="en-US" sz="800">
+              <a:solidFill>
+                <a:schemeClr val="tx2"/>
+              </a:solidFill>
+            </a:endParaRPr>
+          </a:p>
+        </p:txBody>
+      </p:sp>
+      <p:sp>
+        <p:nvSpPr>
+          <p:cNvPr id="59" name="사각형: 둥근 모서리 36">
+            <a:extLst>
+              <a:ext uri="{FF2B5EF4-FFF2-40B4-BE49-F238E27FC236}">
+                <a16:creationId xmlns:a16="http://schemas.microsoft.com/office/drawing/2014/main" id="{D44E83F9-5EC4-694E-9EB7-EE4CAAD2D7E6}"/>
+              </a:ext>
+            </a:extLst>
+          </p:cNvPr>
+          <p:cNvSpPr/>
+          <p:nvPr/>
+        </p:nvSpPr>
+        <p:spPr>
+          <a:xfrm>
+            <a:off x="3059832" y="1688144"/>
+            <a:ext cx="996746" cy="294176"/>
+          </a:xfrm>
+          <a:prstGeom prst="roundRect">
+            <a:avLst>
+              <a:gd name="adj" fmla="val 0"/>
+            </a:avLst>
+          </a:prstGeom>
+          <a:ln w="12700">
+            <a:solidFill>
+              <a:schemeClr val="tx2"/>
+            </a:solidFill>
+          </a:ln>
+        </p:spPr>
+        <p:style>
+          <a:lnRef idx="2">
+            <a:schemeClr val="dk1"/>
+          </a:lnRef>
+          <a:fillRef idx="1">
+            <a:schemeClr val="lt1"/>
+          </a:fillRef>
+          <a:effectRef idx="0">
+            <a:schemeClr val="dk1"/>
+          </a:effectRef>
+          <a:fontRef idx="minor">
+            <a:schemeClr val="dk1"/>
+          </a:fontRef>
+        </p:style>
+        <p:txBody>
+          <a:bodyPr rtlCol="0" anchor="ctr"/>
+          <a:lstStyle/>
+          <a:p>
+            <a:pPr algn="ctr"/>
+            <a:r>
+              <a:rPr lang="en-US" altLang="ko-KR" sz="800">
+                <a:solidFill>
+                  <a:schemeClr val="tx2"/>
+                </a:solidFill>
+              </a:rPr>
+              <a:t>kubelet Processing</a:t>
+            </a:r>
+            <a:endParaRPr lang="ko-KR" altLang="en-US" sz="800">
+              <a:solidFill>
+                <a:schemeClr val="tx2"/>
+              </a:solidFill>
+            </a:endParaRPr>
+          </a:p>
+        </p:txBody>
+      </p:sp>
+      <p:cxnSp>
+        <p:nvCxnSpPr>
+          <p:cNvPr id="62" name="Straight Arrow Connector 61">
+            <a:extLst>
+              <a:ext uri="{FF2B5EF4-FFF2-40B4-BE49-F238E27FC236}">
+                <a16:creationId xmlns:a16="http://schemas.microsoft.com/office/drawing/2014/main" id="{E033A689-1427-ED4D-B764-E2688CB38835}"/>
+              </a:ext>
+            </a:extLst>
+          </p:cNvPr>
+          <p:cNvCxnSpPr>
+            <a:cxnSpLocks/>
+          </p:cNvCxnSpPr>
+          <p:nvPr/>
+        </p:nvCxnSpPr>
+        <p:spPr>
+          <a:xfrm flipH="1">
+            <a:off x="2398348" y="1982320"/>
+            <a:ext cx="1649216" cy="344234"/>
+          </a:xfrm>
+          <a:prstGeom prst="straightConnector1">
+            <a:avLst/>
+          </a:prstGeom>
+          <a:ln w="12700">
+            <a:solidFill>
+              <a:schemeClr val="tx2"/>
+            </a:solidFill>
+            <a:prstDash val="solid"/>
+            <a:headEnd type="none" w="med" len="med"/>
+            <a:tailEnd type="none" w="med" len="med"/>
+          </a:ln>
+        </p:spPr>
+        <p:style>
+          <a:lnRef idx="1">
+            <a:schemeClr val="accent1"/>
+          </a:lnRef>
+          <a:fillRef idx="0">
+            <a:schemeClr val="accent1"/>
+          </a:fillRef>
+          <a:effectRef idx="0">
+            <a:schemeClr val="accent1"/>
+          </a:effectRef>
+          <a:fontRef idx="minor">
+            <a:schemeClr val="tx1"/>
+          </a:fontRef>
+        </p:style>
+      </p:cxnSp>
+      <p:cxnSp>
+        <p:nvCxnSpPr>
+          <p:cNvPr id="65" name="Straight Arrow Connector 64">
+            <a:extLst>
+              <a:ext uri="{FF2B5EF4-FFF2-40B4-BE49-F238E27FC236}">
+                <a16:creationId xmlns:a16="http://schemas.microsoft.com/office/drawing/2014/main" id="{329563B5-A050-6D47-930A-72147218A9F0}"/>
+              </a:ext>
+            </a:extLst>
+          </p:cNvPr>
+          <p:cNvCxnSpPr>
+            <a:cxnSpLocks/>
+          </p:cNvCxnSpPr>
+          <p:nvPr/>
+        </p:nvCxnSpPr>
+        <p:spPr>
+          <a:xfrm flipH="1" flipV="1">
+            <a:off x="1228590" y="1982320"/>
+            <a:ext cx="967156" cy="344236"/>
+          </a:xfrm>
+          <a:prstGeom prst="straightConnector1">
+            <a:avLst/>
+          </a:prstGeom>
+          <a:ln w="12700">
+            <a:solidFill>
+              <a:schemeClr val="tx2"/>
+            </a:solidFill>
+            <a:prstDash val="solid"/>
+            <a:headEnd type="none" w="med" len="med"/>
+            <a:tailEnd type="none" w="med" len="med"/>
+          </a:ln>
+        </p:spPr>
+        <p:style>
+          <a:lnRef idx="1">
+            <a:schemeClr val="accent1"/>
+          </a:lnRef>
+          <a:fillRef idx="0">
+            <a:schemeClr val="accent1"/>
+          </a:fillRef>
+          <a:effectRef idx="0">
+            <a:schemeClr val="accent1"/>
+          </a:effectRef>
+          <a:fontRef idx="minor">
+            <a:schemeClr val="tx1"/>
+          </a:fontRef>
+        </p:style>
+      </p:cxnSp>
+      <p:sp>
+        <p:nvSpPr>
+          <p:cNvPr id="69" name="TextBox 68">
+            <a:extLst>
+              <a:ext uri="{FF2B5EF4-FFF2-40B4-BE49-F238E27FC236}">
+                <a16:creationId xmlns:a16="http://schemas.microsoft.com/office/drawing/2014/main" id="{00D8FD36-BA7B-1C43-8024-41C61DEACF5A}"/>
+              </a:ext>
+            </a:extLst>
+          </p:cNvPr>
+          <p:cNvSpPr txBox="1"/>
+          <p:nvPr/>
+        </p:nvSpPr>
+        <p:spPr>
+          <a:xfrm>
+            <a:off x="1385580" y="2028977"/>
+            <a:ext cx="1822936" cy="215444"/>
+          </a:xfrm>
+          <a:prstGeom prst="rect">
+            <a:avLst/>
+          </a:prstGeom>
+          <a:solidFill>
+            <a:schemeClr val="bg1"/>
+          </a:solidFill>
+        </p:spPr>
+        <p:txBody>
+          <a:bodyPr wrap="none" rtlCol="0">
+            <a:spAutoFit/>
+          </a:bodyPr>
+          <a:lstStyle/>
+          <a:p>
+            <a:pPr algn="ctr"/>
+            <a:r>
+              <a:rPr lang="en-US" sz="800">
+                <a:solidFill>
+                  <a:schemeClr val="tx2"/>
+                </a:solidFill>
+              </a:rPr>
+              <a:t>SIGTERM Signal Propagation Delay</a:t>
+            </a:r>
+            <a:endParaRPr lang="en-KR" sz="800">
+              <a:solidFill>
+                <a:schemeClr val="tx2"/>
+              </a:solidFill>
+            </a:endParaRPr>
+          </a:p>
+        </p:txBody>
+      </p:sp>
+      <p:cxnSp>
+        <p:nvCxnSpPr>
+          <p:cNvPr id="82" name="Straight Arrow Connector 81">
+            <a:extLst>
+              <a:ext uri="{FF2B5EF4-FFF2-40B4-BE49-F238E27FC236}">
+                <a16:creationId xmlns:a16="http://schemas.microsoft.com/office/drawing/2014/main" id="{8FE03C6B-4CDA-BB42-BB86-B9DB7D0B068B}"/>
+              </a:ext>
+            </a:extLst>
+          </p:cNvPr>
+          <p:cNvCxnSpPr>
+            <a:cxnSpLocks/>
+          </p:cNvCxnSpPr>
+          <p:nvPr/>
+        </p:nvCxnSpPr>
+        <p:spPr>
+          <a:xfrm flipH="1">
+            <a:off x="2184360" y="1479926"/>
+            <a:ext cx="2478709" cy="0"/>
+          </a:xfrm>
+          <a:prstGeom prst="straightConnector1">
+            <a:avLst/>
+          </a:prstGeom>
+          <a:ln w="12700">
+            <a:solidFill>
+              <a:schemeClr val="accent2"/>
+            </a:solidFill>
+            <a:prstDash val="solid"/>
+            <a:headEnd type="triangle" w="med" len="med"/>
+            <a:tailEnd type="triangle" w="med" len="med"/>
+          </a:ln>
+        </p:spPr>
+        <p:style>
+          <a:lnRef idx="1">
+            <a:schemeClr val="accent1"/>
+          </a:lnRef>
+          <a:fillRef idx="0">
+            <a:schemeClr val="accent1"/>
+          </a:fillRef>
+          <a:effectRef idx="0">
+            <a:schemeClr val="accent1"/>
+          </a:effectRef>
+          <a:fontRef idx="minor">
+            <a:schemeClr val="tx1"/>
+          </a:fontRef>
+        </p:style>
+      </p:cxnSp>
+      <p:sp>
+        <p:nvSpPr>
+          <p:cNvPr id="87" name="사각형: 둥근 모서리 36">
+            <a:extLst>
+              <a:ext uri="{FF2B5EF4-FFF2-40B4-BE49-F238E27FC236}">
+                <a16:creationId xmlns:a16="http://schemas.microsoft.com/office/drawing/2014/main" id="{F22B39D0-1538-0F45-9D68-388D836FB71C}"/>
+              </a:ext>
+            </a:extLst>
+          </p:cNvPr>
+          <p:cNvSpPr/>
+          <p:nvPr/>
+        </p:nvSpPr>
+        <p:spPr>
+          <a:xfrm>
+            <a:off x="2783213" y="908508"/>
+            <a:ext cx="1423760" cy="294176"/>
+          </a:xfrm>
+          <a:prstGeom prst="roundRect">
+            <a:avLst>
+              <a:gd name="adj" fmla="val 0"/>
+            </a:avLst>
+          </a:prstGeom>
+          <a:ln w="12700">
+            <a:solidFill>
+              <a:schemeClr val="accent2"/>
+            </a:solidFill>
+          </a:ln>
+        </p:spPr>
+        <p:style>
+          <a:lnRef idx="2">
+            <a:schemeClr val="dk1"/>
+          </a:lnRef>
+          <a:fillRef idx="1">
+            <a:schemeClr val="lt1"/>
+          </a:fillRef>
+          <a:effectRef idx="0">
+            <a:schemeClr val="dk1"/>
+          </a:effectRef>
+          <a:fontRef idx="minor">
+            <a:schemeClr val="dk1"/>
+          </a:fontRef>
+        </p:style>
+        <p:txBody>
+          <a:bodyPr rtlCol="0" anchor="ctr"/>
+          <a:lstStyle/>
+          <a:p>
+            <a:pPr algn="ctr"/>
+            <a:r>
+              <a:rPr lang="en-US" altLang="ko-KR" sz="800">
+                <a:solidFill>
+                  <a:schemeClr val="accent2"/>
+                </a:solidFill>
+              </a:rPr>
+              <a:t>Istiod</a:t>
+            </a:r>
+            <a:br>
+              <a:rPr lang="en-US" altLang="ko-KR" sz="800">
+                <a:solidFill>
+                  <a:schemeClr val="accent2"/>
+                </a:solidFill>
+              </a:rPr>
+            </a:br>
+            <a:r>
+              <a:rPr lang="en-US" altLang="ko-KR" sz="800">
+                <a:solidFill>
+                  <a:schemeClr val="accent2"/>
+                </a:solidFill>
+              </a:rPr>
+              <a:t>Processing</a:t>
+            </a:r>
+            <a:endParaRPr lang="ko-KR" altLang="en-US" sz="800">
+              <a:solidFill>
+                <a:schemeClr val="accent2"/>
+              </a:solidFill>
+            </a:endParaRPr>
+          </a:p>
+        </p:txBody>
+      </p:sp>
+      <p:sp>
+        <p:nvSpPr>
+          <p:cNvPr id="88" name="사각형: 둥근 모서리 36">
+            <a:extLst>
+              <a:ext uri="{FF2B5EF4-FFF2-40B4-BE49-F238E27FC236}">
+                <a16:creationId xmlns:a16="http://schemas.microsoft.com/office/drawing/2014/main" id="{5E58F502-2544-8B42-9BCB-3670587FE911}"/>
+              </a:ext>
+            </a:extLst>
+          </p:cNvPr>
+          <p:cNvSpPr/>
+          <p:nvPr/>
+        </p:nvSpPr>
+        <p:spPr>
+          <a:xfrm>
+            <a:off x="7207346" y="908508"/>
+            <a:ext cx="941784" cy="294176"/>
+          </a:xfrm>
+          <a:prstGeom prst="roundRect">
+            <a:avLst>
+              <a:gd name="adj" fmla="val 0"/>
+            </a:avLst>
+          </a:prstGeom>
+          <a:ln w="12700">
+            <a:solidFill>
+              <a:schemeClr val="accent2"/>
+            </a:solidFill>
+          </a:ln>
+        </p:spPr>
+        <p:style>
+          <a:lnRef idx="2">
+            <a:schemeClr val="dk1"/>
+          </a:lnRef>
+          <a:fillRef idx="1">
+            <a:schemeClr val="lt1"/>
+          </a:fillRef>
+          <a:effectRef idx="0">
+            <a:schemeClr val="dk1"/>
+          </a:effectRef>
+          <a:fontRef idx="minor">
+            <a:schemeClr val="dk1"/>
+          </a:fontRef>
+        </p:style>
+        <p:txBody>
+          <a:bodyPr rtlCol="0" anchor="ctr"/>
+          <a:lstStyle/>
+          <a:p>
+            <a:pPr algn="ctr"/>
+            <a:r>
+              <a:rPr lang="en-US" altLang="ko-KR" sz="800">
+                <a:solidFill>
+                  <a:schemeClr val="accent2"/>
+                </a:solidFill>
+              </a:rPr>
+              <a:t>Envoy Proxy</a:t>
+            </a:r>
+          </a:p>
+          <a:p>
+            <a:pPr algn="ctr"/>
+            <a:r>
+              <a:rPr lang="en-US" altLang="ko-KR" sz="800">
+                <a:solidFill>
+                  <a:schemeClr val="accent2"/>
+                </a:solidFill>
+              </a:rPr>
+              <a:t>Processing</a:t>
+            </a:r>
+            <a:endParaRPr lang="ko-KR" altLang="en-US" sz="800">
+              <a:solidFill>
+                <a:schemeClr val="accent2"/>
+              </a:solidFill>
+            </a:endParaRPr>
+          </a:p>
+        </p:txBody>
+      </p:sp>
+      <p:cxnSp>
+        <p:nvCxnSpPr>
+          <p:cNvPr id="90" name="Straight Arrow Connector 89">
+            <a:extLst>
+              <a:ext uri="{FF2B5EF4-FFF2-40B4-BE49-F238E27FC236}">
+                <a16:creationId xmlns:a16="http://schemas.microsoft.com/office/drawing/2014/main" id="{564822DF-4B24-D448-92F0-85512728D326}"/>
+              </a:ext>
+            </a:extLst>
+          </p:cNvPr>
+          <p:cNvCxnSpPr>
+            <a:cxnSpLocks/>
+          </p:cNvCxnSpPr>
+          <p:nvPr/>
+        </p:nvCxnSpPr>
+        <p:spPr>
+          <a:xfrm flipH="1" flipV="1">
+            <a:off x="536574" y="1202684"/>
+            <a:ext cx="1647786" cy="277243"/>
+          </a:xfrm>
+          <a:prstGeom prst="straightConnector1">
+            <a:avLst/>
+          </a:prstGeom>
+          <a:ln w="12700">
+            <a:solidFill>
+              <a:schemeClr val="accent2"/>
+            </a:solidFill>
+            <a:prstDash val="solid"/>
+            <a:headEnd type="none" w="med" len="med"/>
+            <a:tailEnd type="none" w="med" len="med"/>
+          </a:ln>
+        </p:spPr>
+        <p:style>
+          <a:lnRef idx="1">
+            <a:schemeClr val="accent1"/>
+          </a:lnRef>
+          <a:fillRef idx="0">
+            <a:schemeClr val="accent1"/>
+          </a:fillRef>
+          <a:effectRef idx="0">
+            <a:schemeClr val="accent1"/>
+          </a:effectRef>
+          <a:fontRef idx="minor">
+            <a:schemeClr val="tx1"/>
+          </a:fontRef>
+        </p:style>
+      </p:cxnSp>
+      <p:cxnSp>
+        <p:nvCxnSpPr>
+          <p:cNvPr id="93" name="Straight Arrow Connector 92">
+            <a:extLst>
+              <a:ext uri="{FF2B5EF4-FFF2-40B4-BE49-F238E27FC236}">
+                <a16:creationId xmlns:a16="http://schemas.microsoft.com/office/drawing/2014/main" id="{15EFB21E-3A59-1844-A5F9-2CEA238BC4A0}"/>
+              </a:ext>
+            </a:extLst>
+          </p:cNvPr>
+          <p:cNvCxnSpPr>
+            <a:cxnSpLocks/>
+          </p:cNvCxnSpPr>
+          <p:nvPr/>
+        </p:nvCxnSpPr>
+        <p:spPr>
+          <a:xfrm flipH="1">
+            <a:off x="4658838" y="1202684"/>
+            <a:ext cx="3490292" cy="265918"/>
+          </a:xfrm>
+          <a:prstGeom prst="straightConnector1">
+            <a:avLst/>
+          </a:prstGeom>
+          <a:ln w="12700">
+            <a:solidFill>
+              <a:schemeClr val="accent2"/>
+            </a:solidFill>
+            <a:prstDash val="solid"/>
+            <a:headEnd type="none" w="med" len="med"/>
+            <a:tailEnd type="none" w="med" len="med"/>
+          </a:ln>
+        </p:spPr>
+        <p:style>
+          <a:lnRef idx="1">
+            <a:schemeClr val="accent1"/>
+          </a:lnRef>
+          <a:fillRef idx="0">
+            <a:schemeClr val="accent1"/>
+          </a:fillRef>
+          <a:effectRef idx="0">
+            <a:schemeClr val="accent1"/>
+          </a:effectRef>
+          <a:fontRef idx="minor">
+            <a:schemeClr val="tx1"/>
+          </a:fontRef>
+        </p:style>
+      </p:cxnSp>
+      <p:sp>
+        <p:nvSpPr>
+          <p:cNvPr id="96" name="TextBox 95">
+            <a:extLst>
+              <a:ext uri="{FF2B5EF4-FFF2-40B4-BE49-F238E27FC236}">
+                <a16:creationId xmlns:a16="http://schemas.microsoft.com/office/drawing/2014/main" id="{4085EB01-1D8F-5140-BE44-BBD28A468F89}"/>
+              </a:ext>
+            </a:extLst>
+          </p:cNvPr>
+          <p:cNvSpPr txBox="1"/>
+          <p:nvPr/>
+        </p:nvSpPr>
+        <p:spPr>
+          <a:xfrm>
+            <a:off x="2553297" y="1247845"/>
+            <a:ext cx="1736373" cy="215444"/>
+          </a:xfrm>
+          <a:prstGeom prst="rect">
+            <a:avLst/>
+          </a:prstGeom>
+          <a:solidFill>
+            <a:schemeClr val="bg1"/>
+          </a:solidFill>
+        </p:spPr>
+        <p:txBody>
+          <a:bodyPr wrap="none" rtlCol="0">
+            <a:spAutoFit/>
+          </a:bodyPr>
+          <a:lstStyle/>
+          <a:p>
+            <a:pPr algn="ctr"/>
+            <a:r>
+              <a:rPr lang="en-US" sz="800" b="1">
+                <a:solidFill>
+                  <a:schemeClr val="accent2"/>
+                </a:solidFill>
+              </a:rPr>
+              <a:t>Envoy Proxy Propagation Delay</a:t>
+            </a:r>
+            <a:endParaRPr lang="en-KR" sz="800" b="1">
+              <a:solidFill>
+                <a:schemeClr val="accent2"/>
+              </a:solidFill>
+            </a:endParaRPr>
+          </a:p>
+        </p:txBody>
+      </p:sp>
+      <p:sp>
+        <p:nvSpPr>
+          <p:cNvPr id="131" name="사각형: 둥근 모서리 36">
+            <a:extLst>
+              <a:ext uri="{FF2B5EF4-FFF2-40B4-BE49-F238E27FC236}">
+                <a16:creationId xmlns:a16="http://schemas.microsoft.com/office/drawing/2014/main" id="{9A03A025-F8ED-BE46-AB25-ED5F8B7EB4C7}"/>
+              </a:ext>
+            </a:extLst>
+          </p:cNvPr>
+          <p:cNvSpPr/>
+          <p:nvPr/>
+        </p:nvSpPr>
+        <p:spPr>
+          <a:xfrm>
+            <a:off x="539552" y="908508"/>
+            <a:ext cx="2246387" cy="294176"/>
+          </a:xfrm>
+          <a:prstGeom prst="roundRect">
+            <a:avLst>
+              <a:gd name="adj" fmla="val 0"/>
+            </a:avLst>
+          </a:prstGeom>
+          <a:ln w="12700">
+            <a:solidFill>
+              <a:schemeClr val="accent2"/>
+            </a:solidFill>
+          </a:ln>
+        </p:spPr>
+        <p:style>
+          <a:lnRef idx="2">
+            <a:schemeClr val="dk1"/>
+          </a:lnRef>
+          <a:fillRef idx="1">
+            <a:schemeClr val="lt1"/>
+          </a:fillRef>
+          <a:effectRef idx="0">
+            <a:schemeClr val="dk1"/>
+          </a:effectRef>
+          <a:fontRef idx="minor">
+            <a:schemeClr val="dk1"/>
+          </a:fontRef>
+        </p:style>
+        <p:txBody>
+          <a:bodyPr rtlCol="0" anchor="ctr"/>
+          <a:lstStyle/>
+          <a:p>
+            <a:pPr algn="ctr"/>
+            <a:r>
+              <a:rPr lang="en-US" altLang="ko-KR" sz="800">
+                <a:solidFill>
+                  <a:schemeClr val="accent2"/>
+                </a:solidFill>
+              </a:rPr>
+              <a:t>Request Delivery</a:t>
+            </a:r>
+          </a:p>
+          <a:p>
+            <a:pPr algn="ctr"/>
+            <a:r>
+              <a:rPr lang="en-US" altLang="ko-KR" sz="800">
+                <a:solidFill>
+                  <a:schemeClr val="accent2"/>
+                </a:solidFill>
+              </a:rPr>
+              <a:t>(K8s API Server </a:t>
+            </a:r>
+            <a:r>
+              <a:rPr lang="en-US" altLang="ko-KR" sz="800">
+                <a:solidFill>
+                  <a:schemeClr val="accent2"/>
+                </a:solidFill>
+                <a:sym typeface="Wingdings" pitchFamily="2" charset="2"/>
+              </a:rPr>
+              <a:t> Istiod)</a:t>
+            </a:r>
+            <a:endParaRPr lang="ko-KR" altLang="en-US" sz="800">
+              <a:solidFill>
+                <a:schemeClr val="accent2"/>
+              </a:solidFill>
+            </a:endParaRPr>
+          </a:p>
+        </p:txBody>
+      </p:sp>
+      <p:cxnSp>
+        <p:nvCxnSpPr>
+          <p:cNvPr id="134" name="Straight Arrow Connector 133">
+            <a:extLst>
+              <a:ext uri="{FF2B5EF4-FFF2-40B4-BE49-F238E27FC236}">
+                <a16:creationId xmlns:a16="http://schemas.microsoft.com/office/drawing/2014/main" id="{5592B061-9C71-304C-B220-8167474B7D0C}"/>
+              </a:ext>
+            </a:extLst>
+          </p:cNvPr>
+          <p:cNvCxnSpPr>
+            <a:cxnSpLocks/>
+          </p:cNvCxnSpPr>
+          <p:nvPr/>
+        </p:nvCxnSpPr>
+        <p:spPr>
+          <a:xfrm flipV="1">
+            <a:off x="2398345" y="3562017"/>
+            <a:ext cx="0" cy="757553"/>
+          </a:xfrm>
+          <a:prstGeom prst="straightConnector1">
+            <a:avLst/>
+          </a:prstGeom>
+          <a:ln w="12700">
+            <a:solidFill>
+              <a:schemeClr val="tx1"/>
+            </a:solidFill>
+            <a:prstDash val="dash"/>
+            <a:tailEnd type="triangle"/>
+          </a:ln>
+        </p:spPr>
+        <p:style>
+          <a:lnRef idx="1">
+            <a:schemeClr val="accent1"/>
+          </a:lnRef>
+          <a:fillRef idx="0">
+            <a:schemeClr val="accent1"/>
+          </a:fillRef>
+          <a:effectRef idx="0">
+            <a:schemeClr val="accent1"/>
+          </a:effectRef>
+          <a:fontRef idx="minor">
+            <a:schemeClr val="tx1"/>
+          </a:fontRef>
+        </p:style>
+      </p:cxnSp>
+      <p:sp>
+        <p:nvSpPr>
+          <p:cNvPr id="137" name="TextBox 136">
+            <a:extLst>
+              <a:ext uri="{FF2B5EF4-FFF2-40B4-BE49-F238E27FC236}">
+                <a16:creationId xmlns:a16="http://schemas.microsoft.com/office/drawing/2014/main" id="{9A08028C-9D93-3E4D-BB52-9723D38F03EF}"/>
+              </a:ext>
+            </a:extLst>
+          </p:cNvPr>
+          <p:cNvSpPr txBox="1"/>
+          <p:nvPr/>
+        </p:nvSpPr>
+        <p:spPr>
+          <a:xfrm>
+            <a:off x="1309883" y="3765572"/>
+            <a:ext cx="1749946" cy="400110"/>
+          </a:xfrm>
+          <a:prstGeom prst="rect">
+            <a:avLst/>
+          </a:prstGeom>
+          <a:solidFill>
+            <a:schemeClr val="bg1"/>
+          </a:solidFill>
+        </p:spPr>
+        <p:txBody>
+          <a:bodyPr wrap="square" rtlCol="0">
+            <a:spAutoFit/>
+          </a:bodyPr>
+          <a:lstStyle/>
+          <a:p>
+            <a:pPr algn="ctr"/>
+            <a:r>
+              <a:rPr lang="en-KR" sz="1000"/>
+              <a:t>1. K8s API server receives</a:t>
+            </a:r>
+          </a:p>
+          <a:p>
+            <a:pPr algn="ctr"/>
+            <a:r>
+              <a:rPr lang="en-KR" sz="1000"/>
+              <a:t>a pod </a:t>
+            </a:r>
+            <a:r>
+              <a:rPr lang="en-US" sz="1000"/>
+              <a:t>termination</a:t>
+            </a:r>
+            <a:r>
+              <a:rPr lang="ko-KR" altLang="en-US" sz="1000"/>
+              <a:t> </a:t>
+            </a:r>
+            <a:r>
+              <a:rPr lang="en-KR" altLang="ko-KR" sz="1000"/>
+              <a:t>r</a:t>
+            </a:r>
+            <a:r>
+              <a:rPr lang="en-KR" sz="1000"/>
+              <a:t>equest</a:t>
+            </a:r>
+          </a:p>
+        </p:txBody>
+      </p:sp>
+      <p:sp>
+        <p:nvSpPr>
+          <p:cNvPr id="142" name="TextBox 141">
+            <a:extLst>
+              <a:ext uri="{FF2B5EF4-FFF2-40B4-BE49-F238E27FC236}">
+                <a16:creationId xmlns:a16="http://schemas.microsoft.com/office/drawing/2014/main" id="{26B4938E-875C-A04F-9014-08091EE0215A}"/>
+              </a:ext>
+            </a:extLst>
+          </p:cNvPr>
+          <p:cNvSpPr txBox="1"/>
+          <p:nvPr/>
+        </p:nvSpPr>
+        <p:spPr>
+          <a:xfrm>
+            <a:off x="1376820" y="4319702"/>
+            <a:ext cx="2043050" cy="707886"/>
+          </a:xfrm>
+          <a:prstGeom prst="rect">
+            <a:avLst/>
+          </a:prstGeom>
+          <a:solidFill>
+            <a:schemeClr val="bg1"/>
+          </a:solidFill>
+        </p:spPr>
+        <p:txBody>
+          <a:bodyPr wrap="square" rtlCol="0">
+            <a:spAutoFit/>
+          </a:bodyPr>
+          <a:lstStyle/>
+          <a:p>
+            <a:pPr algn="ctr"/>
+            <a:r>
+              <a:rPr lang="en-KR" sz="1000"/>
+              <a:t>2. kubelet sends</a:t>
+            </a:r>
+            <a:r>
+              <a:rPr lang="ko-KR" altLang="en-US" sz="1000"/>
+              <a:t> </a:t>
+            </a:r>
+            <a:r>
+              <a:rPr lang="en-KR" sz="1000"/>
+              <a:t>SIGTERM </a:t>
+            </a:r>
+          </a:p>
+          <a:p>
+            <a:pPr algn="ctr"/>
+            <a:r>
+              <a:rPr lang="en-KR" sz="1000"/>
+              <a:t>signal</a:t>
+            </a:r>
+            <a:r>
+              <a:rPr lang="ko-KR" altLang="en-US" sz="1000"/>
+              <a:t> </a:t>
+            </a:r>
+            <a:r>
+              <a:rPr lang="en-US" sz="1000"/>
+              <a:t>t</a:t>
+            </a:r>
+            <a:r>
+              <a:rPr lang="en-KR" sz="1000"/>
+              <a:t>o pliot-agent</a:t>
+            </a:r>
+            <a:br>
+              <a:rPr lang="en-KR" sz="1000"/>
+            </a:br>
+            <a:r>
+              <a:rPr lang="en-US" altLang="ko-KR" sz="1000"/>
+              <a:t>3</a:t>
+            </a:r>
+            <a:r>
+              <a:rPr lang="en-KR" sz="1000"/>
+              <a:t>. pilot-agent </a:t>
+            </a:r>
+            <a:r>
+              <a:rPr lang="en-US" sz="1000"/>
+              <a:t>sets envoy </a:t>
+            </a:r>
+            <a:r>
+              <a:rPr lang="en-US" altLang="ko-KR" sz="1000"/>
+              <a:t>p</a:t>
+            </a:r>
+            <a:r>
+              <a:rPr lang="en-US" sz="1000"/>
+              <a:t>roxy</a:t>
+            </a:r>
+          </a:p>
+          <a:p>
+            <a:pPr algn="ctr"/>
+            <a:r>
+              <a:rPr lang="en-US" sz="1000"/>
+              <a:t>to drain mode and wait</a:t>
+            </a:r>
+            <a:endParaRPr lang="en-KR" sz="1000"/>
+          </a:p>
+        </p:txBody>
+      </p:sp>
+      <p:cxnSp>
+        <p:nvCxnSpPr>
+          <p:cNvPr id="33" name="Straight Arrow Connector 32">
+            <a:extLst>
+              <a:ext uri="{FF2B5EF4-FFF2-40B4-BE49-F238E27FC236}">
+                <a16:creationId xmlns:a16="http://schemas.microsoft.com/office/drawing/2014/main" id="{20F10284-9C54-FB46-A151-71AEBFD5FA72}"/>
+              </a:ext>
+            </a:extLst>
+          </p:cNvPr>
+          <p:cNvCxnSpPr>
+            <a:cxnSpLocks/>
+          </p:cNvCxnSpPr>
+          <p:nvPr/>
+        </p:nvCxnSpPr>
+        <p:spPr>
+          <a:xfrm flipH="1">
+            <a:off x="2398345" y="627534"/>
+            <a:ext cx="4742930" cy="0"/>
+          </a:xfrm>
+          <a:prstGeom prst="straightConnector1">
+            <a:avLst/>
+          </a:prstGeom>
+          <a:ln w="12700">
+            <a:solidFill>
+              <a:schemeClr val="tx1"/>
+            </a:solidFill>
+            <a:prstDash val="solid"/>
+            <a:headEnd type="triangle" w="med" len="med"/>
+            <a:tailEnd type="triangle" w="med" len="med"/>
+          </a:ln>
+        </p:spPr>
+        <p:style>
+          <a:lnRef idx="1">
+            <a:schemeClr val="accent1"/>
+          </a:lnRef>
+          <a:fillRef idx="0">
+            <a:schemeClr val="accent1"/>
+          </a:fillRef>
+          <a:effectRef idx="0">
+            <a:schemeClr val="accent1"/>
+          </a:effectRef>
+          <a:fontRef idx="minor">
+            <a:schemeClr val="tx1"/>
+          </a:fontRef>
+        </p:style>
+      </p:cxnSp>
+      <p:sp>
+        <p:nvSpPr>
+          <p:cNvPr id="34" name="TextBox 33">
+            <a:extLst>
+              <a:ext uri="{FF2B5EF4-FFF2-40B4-BE49-F238E27FC236}">
+                <a16:creationId xmlns:a16="http://schemas.microsoft.com/office/drawing/2014/main" id="{A82D9337-B032-144A-9C37-F16DB283319A}"/>
+              </a:ext>
+            </a:extLst>
+          </p:cNvPr>
+          <p:cNvSpPr txBox="1"/>
+          <p:nvPr/>
+        </p:nvSpPr>
+        <p:spPr>
+          <a:xfrm>
+            <a:off x="3823513" y="385004"/>
+            <a:ext cx="1670650" cy="215444"/>
+          </a:xfrm>
+          <a:prstGeom prst="rect">
+            <a:avLst/>
+          </a:prstGeom>
+          <a:solidFill>
+            <a:schemeClr val="bg1"/>
+          </a:solidFill>
+        </p:spPr>
+        <p:txBody>
+          <a:bodyPr wrap="none" rtlCol="0">
+            <a:spAutoFit/>
+          </a:bodyPr>
+          <a:lstStyle/>
+          <a:p>
+            <a:pPr algn="ctr"/>
+            <a:r>
+              <a:rPr lang="en-US" sz="800"/>
+              <a:t>terminationGracePeriodSeconds</a:t>
+            </a:r>
+            <a:endParaRPr lang="en-KR" sz="800"/>
+          </a:p>
+        </p:txBody>
+      </p:sp>
+      <p:cxnSp>
+        <p:nvCxnSpPr>
+          <p:cNvPr id="37" name="Straight Arrow Connector 36">
+            <a:extLst>
+              <a:ext uri="{FF2B5EF4-FFF2-40B4-BE49-F238E27FC236}">
+                <a16:creationId xmlns:a16="http://schemas.microsoft.com/office/drawing/2014/main" id="{C05140B8-BEA8-454E-8C92-36C2577F773A}"/>
+              </a:ext>
+            </a:extLst>
+          </p:cNvPr>
+          <p:cNvCxnSpPr>
+            <a:cxnSpLocks/>
+          </p:cNvCxnSpPr>
+          <p:nvPr/>
+        </p:nvCxnSpPr>
+        <p:spPr>
+          <a:xfrm>
+            <a:off x="4355976" y="2326554"/>
+            <a:ext cx="0" cy="1235461"/>
+          </a:xfrm>
+          <a:prstGeom prst="straightConnector1">
+            <a:avLst/>
+          </a:prstGeom>
+          <a:ln w="12700">
+            <a:solidFill>
+              <a:schemeClr val="tx1"/>
+            </a:solidFill>
+            <a:prstDash val="dash"/>
+            <a:headEnd type="none" w="med" len="med"/>
+            <a:tailEnd type="none" w="med" len="med"/>
+          </a:ln>
+        </p:spPr>
+        <p:style>
+          <a:lnRef idx="1">
+            <a:schemeClr val="accent1"/>
+          </a:lnRef>
+          <a:fillRef idx="0">
+            <a:schemeClr val="accent1"/>
+          </a:fillRef>
+          <a:effectRef idx="0">
+            <a:schemeClr val="accent1"/>
+          </a:effectRef>
+          <a:fontRef idx="minor">
+            <a:schemeClr val="tx1"/>
+          </a:fontRef>
+        </p:style>
+      </p:cxnSp>
+      <p:cxnSp>
+        <p:nvCxnSpPr>
+          <p:cNvPr id="38" name="Straight Arrow Connector 37">
+            <a:extLst>
+              <a:ext uri="{FF2B5EF4-FFF2-40B4-BE49-F238E27FC236}">
+                <a16:creationId xmlns:a16="http://schemas.microsoft.com/office/drawing/2014/main" id="{03FBCEF2-35B5-2741-BB77-5C57D0DE3C80}"/>
+              </a:ext>
+            </a:extLst>
+          </p:cNvPr>
+          <p:cNvCxnSpPr>
+            <a:cxnSpLocks/>
+          </p:cNvCxnSpPr>
+          <p:nvPr/>
+        </p:nvCxnSpPr>
+        <p:spPr>
+          <a:xfrm>
+            <a:off x="7141282" y="627534"/>
+            <a:ext cx="0" cy="2934481"/>
+          </a:xfrm>
+          <a:prstGeom prst="straightConnector1">
+            <a:avLst/>
+          </a:prstGeom>
+          <a:ln w="12700">
+            <a:solidFill>
+              <a:schemeClr val="tx1"/>
+            </a:solidFill>
+            <a:prstDash val="dash"/>
+            <a:headEnd type="none" w="med" len="med"/>
+            <a:tailEnd type="none" w="med" len="med"/>
+          </a:ln>
+        </p:spPr>
+        <p:style>
+          <a:lnRef idx="1">
+            <a:schemeClr val="accent1"/>
+          </a:lnRef>
+          <a:fillRef idx="0">
+            <a:schemeClr val="accent1"/>
+          </a:fillRef>
+          <a:effectRef idx="0">
+            <a:schemeClr val="accent1"/>
+          </a:effectRef>
+          <a:fontRef idx="minor">
+            <a:schemeClr val="tx1"/>
+          </a:fontRef>
+        </p:style>
+      </p:cxnSp>
+      <p:cxnSp>
+        <p:nvCxnSpPr>
+          <p:cNvPr id="39" name="Straight Arrow Connector 38">
+            <a:extLst>
+              <a:ext uri="{FF2B5EF4-FFF2-40B4-BE49-F238E27FC236}">
+                <a16:creationId xmlns:a16="http://schemas.microsoft.com/office/drawing/2014/main" id="{9C76248E-DC1C-E447-89E1-A3F235E40337}"/>
+              </a:ext>
+            </a:extLst>
+          </p:cNvPr>
+          <p:cNvCxnSpPr>
+            <a:cxnSpLocks/>
+          </p:cNvCxnSpPr>
+          <p:nvPr/>
+        </p:nvCxnSpPr>
+        <p:spPr>
+          <a:xfrm flipH="1">
+            <a:off x="2398347" y="2427734"/>
+            <a:ext cx="1957629" cy="0"/>
+          </a:xfrm>
+          <a:prstGeom prst="straightConnector1">
+            <a:avLst/>
+          </a:prstGeom>
+          <a:ln w="12700">
+            <a:solidFill>
+              <a:schemeClr val="tx1"/>
+            </a:solidFill>
+            <a:prstDash val="solid"/>
+            <a:headEnd type="triangle" w="med" len="med"/>
+            <a:tailEnd type="triangle" w="med" len="med"/>
+          </a:ln>
+        </p:spPr>
+        <p:style>
+          <a:lnRef idx="1">
+            <a:schemeClr val="accent1"/>
+          </a:lnRef>
+          <a:fillRef idx="0">
+            <a:schemeClr val="accent1"/>
+          </a:fillRef>
+          <a:effectRef idx="0">
+            <a:schemeClr val="accent1"/>
+          </a:effectRef>
+          <a:fontRef idx="minor">
+            <a:schemeClr val="tx1"/>
+          </a:fontRef>
+        </p:style>
+      </p:cxnSp>
+      <p:cxnSp>
+        <p:nvCxnSpPr>
+          <p:cNvPr id="43" name="Straight Arrow Connector 42">
+            <a:extLst>
+              <a:ext uri="{FF2B5EF4-FFF2-40B4-BE49-F238E27FC236}">
+                <a16:creationId xmlns:a16="http://schemas.microsoft.com/office/drawing/2014/main" id="{E7E62BDB-4469-1B49-AB44-356389428D9A}"/>
+              </a:ext>
+            </a:extLst>
+          </p:cNvPr>
+          <p:cNvCxnSpPr>
+            <a:cxnSpLocks/>
+            <a:stCxn id="45" idx="0"/>
+          </p:cNvCxnSpPr>
+          <p:nvPr/>
+        </p:nvCxnSpPr>
+        <p:spPr>
+          <a:xfrm flipV="1">
+            <a:off x="4358021" y="3550691"/>
+            <a:ext cx="0" cy="869276"/>
+          </a:xfrm>
+          <a:prstGeom prst="straightConnector1">
+            <a:avLst/>
+          </a:prstGeom>
+          <a:ln w="12700">
+            <a:solidFill>
+              <a:schemeClr val="tx1"/>
+            </a:solidFill>
+            <a:prstDash val="dash"/>
+            <a:tailEnd type="triangle"/>
+          </a:ln>
+        </p:spPr>
+        <p:style>
+          <a:lnRef idx="1">
+            <a:schemeClr val="accent1"/>
+          </a:lnRef>
+          <a:fillRef idx="0">
+            <a:schemeClr val="accent1"/>
+          </a:fillRef>
+          <a:effectRef idx="0">
+            <a:schemeClr val="accent1"/>
+          </a:effectRef>
+          <a:fontRef idx="minor">
+            <a:schemeClr val="tx1"/>
+          </a:fontRef>
+        </p:style>
+      </p:cxnSp>
+      <p:sp>
+        <p:nvSpPr>
+          <p:cNvPr id="45" name="TextBox 44">
+            <a:extLst>
+              <a:ext uri="{FF2B5EF4-FFF2-40B4-BE49-F238E27FC236}">
+                <a16:creationId xmlns:a16="http://schemas.microsoft.com/office/drawing/2014/main" id="{C6376863-2ADD-784D-BD41-0B5E82910844}"/>
+              </a:ext>
+            </a:extLst>
+          </p:cNvPr>
+          <p:cNvSpPr txBox="1"/>
+          <p:nvPr/>
+        </p:nvSpPr>
+        <p:spPr>
+          <a:xfrm>
+            <a:off x="3393050" y="4419967"/>
+            <a:ext cx="1929942" cy="400110"/>
+          </a:xfrm>
+          <a:prstGeom prst="rect">
+            <a:avLst/>
+          </a:prstGeom>
+          <a:solidFill>
+            <a:schemeClr val="bg1"/>
+          </a:solidFill>
+        </p:spPr>
+        <p:txBody>
+          <a:bodyPr wrap="square" rtlCol="0">
+            <a:spAutoFit/>
+          </a:bodyPr>
+          <a:lstStyle/>
+          <a:p>
+            <a:pPr algn="ctr"/>
+            <a:r>
+              <a:rPr lang="en-US" sz="1000"/>
+              <a:t>4</a:t>
+            </a:r>
+            <a:r>
+              <a:rPr lang="en-KR" sz="1000"/>
+              <a:t>. pilot-agent </a:t>
+            </a:r>
+            <a:r>
+              <a:rPr lang="en-US" sz="1000"/>
+              <a:t>removes</a:t>
+            </a:r>
+          </a:p>
+          <a:p>
+            <a:pPr algn="ctr"/>
+            <a:r>
+              <a:rPr lang="en-US" sz="1000"/>
+              <a:t>envoy proxy</a:t>
+            </a:r>
+            <a:endParaRPr lang="en-KR" sz="1000"/>
+          </a:p>
+        </p:txBody>
+      </p:sp>
+      <p:sp>
+        <p:nvSpPr>
+          <p:cNvPr id="60" name="TextBox 59">
+            <a:extLst>
+              <a:ext uri="{FF2B5EF4-FFF2-40B4-BE49-F238E27FC236}">
+                <a16:creationId xmlns:a16="http://schemas.microsoft.com/office/drawing/2014/main" id="{844A34B9-471B-C345-8C00-7A4851064234}"/>
+              </a:ext>
+            </a:extLst>
+          </p:cNvPr>
+          <p:cNvSpPr txBox="1"/>
+          <p:nvPr/>
+        </p:nvSpPr>
+        <p:spPr>
+          <a:xfrm>
+            <a:off x="3060276" y="2190537"/>
+            <a:ext cx="1372491" cy="215444"/>
+          </a:xfrm>
+          <a:prstGeom prst="rect">
+            <a:avLst/>
+          </a:prstGeom>
+          <a:solidFill>
+            <a:schemeClr val="bg1"/>
+          </a:solidFill>
+        </p:spPr>
+        <p:txBody>
+          <a:bodyPr wrap="square" rtlCol="0">
+            <a:spAutoFit/>
+          </a:bodyPr>
+          <a:lstStyle/>
+          <a:p>
+            <a:pPr algn="ctr"/>
+            <a:r>
+              <a:rPr lang="en-US" sz="800"/>
+              <a:t>terminationDrainDuration</a:t>
+            </a:r>
+            <a:endParaRPr lang="en-KR" sz="800"/>
+          </a:p>
+        </p:txBody>
+      </p:sp>
+      <p:sp>
+        <p:nvSpPr>
+          <p:cNvPr id="44" name="사각형: 둥근 모서리 36">
+            <a:extLst>
+              <a:ext uri="{FF2B5EF4-FFF2-40B4-BE49-F238E27FC236}">
+                <a16:creationId xmlns:a16="http://schemas.microsoft.com/office/drawing/2014/main" id="{B57CD726-BBEC-B048-8DA4-E6AD249B8C5A}"/>
+              </a:ext>
+            </a:extLst>
+          </p:cNvPr>
+          <p:cNvSpPr/>
+          <p:nvPr/>
+        </p:nvSpPr>
+        <p:spPr>
+          <a:xfrm>
+            <a:off x="4178023" y="908508"/>
+            <a:ext cx="3058274" cy="294176"/>
+          </a:xfrm>
+          <a:prstGeom prst="roundRect">
+            <a:avLst>
+              <a:gd name="adj" fmla="val 0"/>
+            </a:avLst>
+          </a:prstGeom>
+          <a:ln w="12700">
+            <a:solidFill>
+              <a:schemeClr val="accent2"/>
+            </a:solidFill>
+          </a:ln>
+        </p:spPr>
+        <p:style>
+          <a:lnRef idx="2">
+            <a:schemeClr val="dk1"/>
+          </a:lnRef>
+          <a:fillRef idx="1">
+            <a:schemeClr val="lt1"/>
+          </a:fillRef>
+          <a:effectRef idx="0">
+            <a:schemeClr val="dk1"/>
+          </a:effectRef>
+          <a:fontRef idx="minor">
+            <a:schemeClr val="dk1"/>
+          </a:fontRef>
+        </p:style>
+        <p:txBody>
+          <a:bodyPr rtlCol="0" anchor="ctr"/>
+          <a:lstStyle/>
+          <a:p>
+            <a:pPr algn="ctr"/>
+            <a:r>
+              <a:rPr lang="en-US" altLang="ko-KR" sz="800">
+                <a:solidFill>
+                  <a:schemeClr val="accent2"/>
+                </a:solidFill>
+              </a:rPr>
+              <a:t>Request Delivery</a:t>
+            </a:r>
+          </a:p>
+          <a:p>
+            <a:pPr algn="ctr"/>
+            <a:r>
+              <a:rPr lang="en-US" altLang="ko-KR" sz="800">
+                <a:solidFill>
+                  <a:schemeClr val="accent2"/>
+                </a:solidFill>
+              </a:rPr>
+              <a:t>(Istiod </a:t>
+            </a:r>
+            <a:r>
+              <a:rPr lang="en-US" altLang="ko-KR" sz="800">
+                <a:solidFill>
+                  <a:schemeClr val="accent2"/>
+                </a:solidFill>
+                <a:sym typeface="Wingdings" pitchFamily="2" charset="2"/>
+              </a:rPr>
+              <a:t> All Envoy Proxy)</a:t>
+            </a:r>
+            <a:endParaRPr lang="ko-KR" altLang="en-US" sz="800">
+              <a:solidFill>
+                <a:schemeClr val="accent2"/>
+              </a:solidFill>
+            </a:endParaRPr>
+          </a:p>
+        </p:txBody>
+      </p:sp>
+      <p:cxnSp>
+        <p:nvCxnSpPr>
+          <p:cNvPr id="47" name="Straight Arrow Connector 46">
+            <a:extLst>
+              <a:ext uri="{FF2B5EF4-FFF2-40B4-BE49-F238E27FC236}">
+                <a16:creationId xmlns:a16="http://schemas.microsoft.com/office/drawing/2014/main" id="{0F98317A-5153-6E4E-8123-576E1D2F53CF}"/>
+              </a:ext>
+            </a:extLst>
+          </p:cNvPr>
+          <p:cNvCxnSpPr>
+            <a:cxnSpLocks/>
+          </p:cNvCxnSpPr>
+          <p:nvPr/>
+        </p:nvCxnSpPr>
+        <p:spPr>
+          <a:xfrm flipH="1">
+            <a:off x="3275856" y="2982058"/>
+            <a:ext cx="2016219" cy="0"/>
+          </a:xfrm>
+          <a:prstGeom prst="straightConnector1">
+            <a:avLst/>
+          </a:prstGeom>
+          <a:ln w="12700">
+            <a:solidFill>
+              <a:schemeClr val="accent2"/>
+            </a:solidFill>
+            <a:prstDash val="solid"/>
+            <a:headEnd type="triangle" w="med" len="med"/>
+            <a:tailEnd type="triangle" w="med" len="med"/>
+          </a:ln>
+        </p:spPr>
+        <p:style>
+          <a:lnRef idx="1">
+            <a:schemeClr val="accent1"/>
+          </a:lnRef>
+          <a:fillRef idx="0">
+            <a:schemeClr val="accent1"/>
+          </a:fillRef>
+          <a:effectRef idx="0">
+            <a:schemeClr val="accent1"/>
+          </a:effectRef>
+          <a:fontRef idx="minor">
+            <a:schemeClr val="tx1"/>
+          </a:fontRef>
+        </p:style>
+      </p:cxnSp>
+      <p:sp>
+        <p:nvSpPr>
+          <p:cNvPr id="49" name="TextBox 48">
+            <a:extLst>
+              <a:ext uri="{FF2B5EF4-FFF2-40B4-BE49-F238E27FC236}">
+                <a16:creationId xmlns:a16="http://schemas.microsoft.com/office/drawing/2014/main" id="{079D1E86-2F6A-5B4D-827C-6EFE32D9C588}"/>
+              </a:ext>
+            </a:extLst>
+          </p:cNvPr>
+          <p:cNvSpPr txBox="1"/>
+          <p:nvPr/>
+        </p:nvSpPr>
+        <p:spPr>
+          <a:xfrm>
+            <a:off x="3765269" y="2989484"/>
+            <a:ext cx="1176925" cy="338554"/>
+          </a:xfrm>
+          <a:prstGeom prst="rect">
+            <a:avLst/>
+          </a:prstGeom>
+          <a:solidFill>
+            <a:schemeClr val="bg1"/>
+          </a:solidFill>
+        </p:spPr>
+        <p:txBody>
+          <a:bodyPr wrap="none" rtlCol="0">
+            <a:spAutoFit/>
+          </a:bodyPr>
+          <a:lstStyle/>
+          <a:p>
+            <a:pPr algn="ctr"/>
+            <a:r>
+              <a:rPr lang="en-US" sz="800" b="1">
+                <a:solidFill>
+                  <a:schemeClr val="accent2"/>
+                </a:solidFill>
+              </a:rPr>
+              <a:t>Request </a:t>
+            </a:r>
+            <a:r>
+              <a:rPr lang="en-US" altLang="ko-KR" sz="800" b="1">
+                <a:solidFill>
+                  <a:schemeClr val="accent2"/>
+                </a:solidFill>
+              </a:rPr>
+              <a:t>P</a:t>
+            </a:r>
+            <a:r>
+              <a:rPr lang="en-US" sz="800" b="1">
+                <a:solidFill>
+                  <a:schemeClr val="accent2"/>
+                </a:solidFill>
+              </a:rPr>
+              <a:t>rocessing </a:t>
+            </a:r>
+          </a:p>
+          <a:p>
+            <a:pPr algn="ctr"/>
+            <a:r>
+              <a:rPr lang="en-US" sz="800" b="1">
+                <a:solidFill>
+                  <a:schemeClr val="accent2"/>
+                </a:solidFill>
+              </a:rPr>
+              <a:t>Failure Section</a:t>
+            </a:r>
+            <a:endParaRPr lang="en-KR" sz="800" b="1">
+              <a:solidFill>
+                <a:schemeClr val="accent2"/>
+              </a:solidFill>
+            </a:endParaRPr>
+          </a:p>
+        </p:txBody>
+      </p:sp>
     </p:spTree>
     <p:extLst>
       <p:ext uri="{BB962C8B-B14F-4D97-AF65-F5344CB8AC3E}">
-        <p14:creationId xmlns:p14="http://schemas.microsoft.com/office/powerpoint/2010/main" val="1742236274"/>
+        <p14:creationId xmlns:p14="http://schemas.microsoft.com/office/powerpoint/2010/main" val="1736836633"/>
       </p:ext>
     </p:extLst>
   </p:cSld>
